--- a/help.pptx
+++ b/help.pptx
@@ -105,6 +105,11 @@
       </a:defRPr>
     </a:lvl9pPr>
   </p:defaultTextStyle>
+  <p:extLst>
+    <p:ext uri="{EFAFB233-063F-42B5-8137-9DF3F51BA10A}">
+      <p15:sldGuideLst xmlns:p15="http://schemas.microsoft.com/office/powerpoint/2012/main"/>
+    </p:ext>
+  </p:extLst>
 </p:presentation>
 </file>
 
@@ -3042,6 +3047,428 @@
           </a:effectLst>
         </p:spPr>
       </p:pic>
+      <p:sp>
+        <p:nvSpPr>
+          <p:cNvPr id="14" name="Rectangle: Rounded Corners 13">
+            <a:extLst>
+              <a:ext uri="{FF2B5EF4-FFF2-40B4-BE49-F238E27FC236}">
+                <a16:creationId xmlns:a16="http://schemas.microsoft.com/office/drawing/2014/main" id="{9F1CBCBE-BE02-43ED-8445-B19F9D20F3B5}"/>
+              </a:ext>
+            </a:extLst>
+          </p:cNvPr>
+          <p:cNvSpPr/>
+          <p:nvPr/>
+        </p:nvSpPr>
+        <p:spPr>
+          <a:xfrm>
+            <a:off x="136428" y="2519560"/>
+            <a:ext cx="1735272" cy="1453674"/>
+          </a:xfrm>
+          <a:prstGeom prst="roundRect">
+            <a:avLst/>
+          </a:prstGeom>
+          <a:solidFill>
+            <a:srgbClr val="ECECEC"/>
+          </a:solidFill>
+          <a:ln>
+            <a:solidFill>
+              <a:schemeClr val="bg1">
+                <a:lumMod val="85000"/>
+              </a:schemeClr>
+            </a:solidFill>
+          </a:ln>
+          <a:effectLst>
+            <a:outerShdw blurRad="50800" dist="38100" dir="2700000" algn="tl" rotWithShape="0">
+              <a:prstClr val="black">
+                <a:alpha val="40000"/>
+              </a:prstClr>
+            </a:outerShdw>
+          </a:effectLst>
+        </p:spPr>
+        <p:style>
+          <a:lnRef idx="2">
+            <a:schemeClr val="dk1"/>
+          </a:lnRef>
+          <a:fillRef idx="1">
+            <a:schemeClr val="lt1"/>
+          </a:fillRef>
+          <a:effectRef idx="0">
+            <a:schemeClr val="dk1"/>
+          </a:effectRef>
+          <a:fontRef idx="minor">
+            <a:schemeClr val="dk1"/>
+          </a:fontRef>
+        </p:style>
+        <p:txBody>
+          <a:bodyPr rtlCol="0" anchor="ctr"/>
+          <a:lstStyle/>
+          <a:p>
+            <a:pPr algn="ctr"/>
+            <a:r>
+              <a:rPr lang="pt-BR" sz="1600" b="1" dirty="0">
+                <a:solidFill>
+                  <a:srgbClr val="FF0000"/>
+                </a:solidFill>
+                <a:latin typeface="Poppins" panose="020B0502040204020203" pitchFamily="2" charset="0"/>
+                <a:cs typeface="Poppins" panose="020B0502040204020203" pitchFamily="2" charset="0"/>
+              </a:rPr>
+              <a:t>Start here!</a:t>
+            </a:r>
+            <a:r>
+              <a:rPr lang="pt-BR" sz="1600" dirty="0">
+                <a:latin typeface="Poppins" panose="020B0502040204020203" pitchFamily="2" charset="0"/>
+                <a:cs typeface="Poppins" panose="020B0502040204020203" pitchFamily="2" charset="0"/>
+              </a:rPr>
+              <a:t> </a:t>
+            </a:r>
+          </a:p>
+          <a:p>
+            <a:pPr algn="ctr"/>
+            <a:r>
+              <a:rPr lang="pt-BR" sz="1400" dirty="0">
+                <a:latin typeface="Poppins" panose="020B0502040204020203" pitchFamily="2" charset="0"/>
+                <a:cs typeface="Poppins" panose="020B0502040204020203" pitchFamily="2" charset="0"/>
+              </a:rPr>
+              <a:t>Choose one or more cross-sections to calculate</a:t>
+            </a:r>
+            <a:endParaRPr lang="en-US" sz="1600" dirty="0">
+              <a:latin typeface="Poppins" panose="020B0502040204020203" pitchFamily="2" charset="0"/>
+              <a:cs typeface="Poppins" panose="020B0502040204020203" pitchFamily="2" charset="0"/>
+            </a:endParaRPr>
+          </a:p>
+        </p:txBody>
+      </p:sp>
+      <p:sp>
+        <p:nvSpPr>
+          <p:cNvPr id="19" name="Rectangle: Rounded Corners 18">
+            <a:extLst>
+              <a:ext uri="{FF2B5EF4-FFF2-40B4-BE49-F238E27FC236}">
+                <a16:creationId xmlns:a16="http://schemas.microsoft.com/office/drawing/2014/main" id="{8A1FAF66-CF45-4774-869C-D040BA6BA067}"/>
+              </a:ext>
+            </a:extLst>
+          </p:cNvPr>
+          <p:cNvSpPr/>
+          <p:nvPr/>
+        </p:nvSpPr>
+        <p:spPr>
+          <a:xfrm>
+            <a:off x="7087708" y="2416355"/>
+            <a:ext cx="1778995" cy="2190938"/>
+          </a:xfrm>
+          <a:prstGeom prst="roundRect">
+            <a:avLst/>
+          </a:prstGeom>
+          <a:solidFill>
+            <a:srgbClr val="ECECEC"/>
+          </a:solidFill>
+          <a:ln>
+            <a:solidFill>
+              <a:schemeClr val="bg1">
+                <a:lumMod val="85000"/>
+              </a:schemeClr>
+            </a:solidFill>
+          </a:ln>
+          <a:effectLst>
+            <a:outerShdw blurRad="50800" dist="38100" dir="2700000" algn="tl" rotWithShape="0">
+              <a:prstClr val="black">
+                <a:alpha val="40000"/>
+              </a:prstClr>
+            </a:outerShdw>
+          </a:effectLst>
+        </p:spPr>
+        <p:style>
+          <a:lnRef idx="2">
+            <a:schemeClr val="dk1"/>
+          </a:lnRef>
+          <a:fillRef idx="1">
+            <a:schemeClr val="lt1"/>
+          </a:fillRef>
+          <a:effectRef idx="0">
+            <a:schemeClr val="dk1"/>
+          </a:effectRef>
+          <a:fontRef idx="minor">
+            <a:schemeClr val="dk1"/>
+          </a:fontRef>
+        </p:style>
+        <p:txBody>
+          <a:bodyPr rtlCol="0" anchor="ctr"/>
+          <a:lstStyle/>
+          <a:p>
+            <a:pPr algn="ctr"/>
+            <a:r>
+              <a:rPr lang="pt-BR" sz="1600" b="1" dirty="0">
+                <a:solidFill>
+                  <a:srgbClr val="FF0000"/>
+                </a:solidFill>
+                <a:latin typeface="Poppins" panose="020B0502040204020203" pitchFamily="2" charset="0"/>
+                <a:cs typeface="Poppins" panose="020B0502040204020203" pitchFamily="2" charset="0"/>
+              </a:rPr>
+              <a:t>See in the plots </a:t>
+            </a:r>
+            <a:r>
+              <a:rPr lang="pt-BR" sz="1600" dirty="0">
+                <a:latin typeface="Poppins" panose="020B0502040204020203" pitchFamily="2" charset="0"/>
+                <a:cs typeface="Poppins" panose="020B0502040204020203" pitchFamily="2" charset="0"/>
+              </a:rPr>
+              <a:t>which cross-section performs better for your application!</a:t>
+            </a:r>
+            <a:endParaRPr lang="en-US" sz="1600" dirty="0">
+              <a:latin typeface="Poppins" panose="020B0502040204020203" pitchFamily="2" charset="0"/>
+              <a:cs typeface="Poppins" panose="020B0502040204020203" pitchFamily="2" charset="0"/>
+            </a:endParaRPr>
+          </a:p>
+        </p:txBody>
+      </p:sp>
+      <p:sp>
+        <p:nvSpPr>
+          <p:cNvPr id="17" name="Rectangle: Rounded Corners 16">
+            <a:extLst>
+              <a:ext uri="{FF2B5EF4-FFF2-40B4-BE49-F238E27FC236}">
+                <a16:creationId xmlns:a16="http://schemas.microsoft.com/office/drawing/2014/main" id="{4224D7E6-6639-4988-89F0-BB77D983A70E}"/>
+              </a:ext>
+            </a:extLst>
+          </p:cNvPr>
+          <p:cNvSpPr/>
+          <p:nvPr/>
+        </p:nvSpPr>
+        <p:spPr>
+          <a:xfrm>
+            <a:off x="2056292" y="4079500"/>
+            <a:ext cx="4892464" cy="1284980"/>
+          </a:xfrm>
+          <a:prstGeom prst="roundRect">
+            <a:avLst>
+              <a:gd name="adj" fmla="val 5725"/>
+            </a:avLst>
+          </a:prstGeom>
+          <a:noFill/>
+          <a:ln>
+            <a:solidFill>
+              <a:srgbClr val="FF0000"/>
+            </a:solidFill>
+          </a:ln>
+        </p:spPr>
+        <p:style>
+          <a:lnRef idx="2">
+            <a:schemeClr val="accent1">
+              <a:shade val="50000"/>
+            </a:schemeClr>
+          </a:lnRef>
+          <a:fillRef idx="1">
+            <a:schemeClr val="accent1"/>
+          </a:fillRef>
+          <a:effectRef idx="0">
+            <a:schemeClr val="accent1"/>
+          </a:effectRef>
+          <a:fontRef idx="minor">
+            <a:schemeClr val="lt1"/>
+          </a:fontRef>
+        </p:style>
+        <p:txBody>
+          <a:bodyPr rtlCol="0" anchor="ctr"/>
+          <a:lstStyle/>
+          <a:p>
+            <a:pPr algn="ctr"/>
+            <a:endParaRPr lang="en-US"/>
+          </a:p>
+        </p:txBody>
+      </p:sp>
+      <p:sp>
+        <p:nvSpPr>
+          <p:cNvPr id="24" name="Rectangle: Rounded Corners 23">
+            <a:extLst>
+              <a:ext uri="{FF2B5EF4-FFF2-40B4-BE49-F238E27FC236}">
+                <a16:creationId xmlns:a16="http://schemas.microsoft.com/office/drawing/2014/main" id="{0EEB2A57-9127-46AE-A577-ACACD4D7D9CC}"/>
+              </a:ext>
+            </a:extLst>
+          </p:cNvPr>
+          <p:cNvSpPr/>
+          <p:nvPr/>
+        </p:nvSpPr>
+        <p:spPr>
+          <a:xfrm>
+            <a:off x="144427" y="4492927"/>
+            <a:ext cx="1735271" cy="1090481"/>
+          </a:xfrm>
+          <a:prstGeom prst="roundRect">
+            <a:avLst/>
+          </a:prstGeom>
+          <a:solidFill>
+            <a:srgbClr val="ECECEC"/>
+          </a:solidFill>
+          <a:ln>
+            <a:solidFill>
+              <a:schemeClr val="bg1">
+                <a:lumMod val="85000"/>
+              </a:schemeClr>
+            </a:solidFill>
+          </a:ln>
+          <a:effectLst>
+            <a:outerShdw blurRad="50800" dist="38100" dir="2700000" algn="tl" rotWithShape="0">
+              <a:prstClr val="black">
+                <a:alpha val="40000"/>
+              </a:prstClr>
+            </a:outerShdw>
+          </a:effectLst>
+        </p:spPr>
+        <p:style>
+          <a:lnRef idx="2">
+            <a:schemeClr val="dk1"/>
+          </a:lnRef>
+          <a:fillRef idx="1">
+            <a:schemeClr val="lt1"/>
+          </a:fillRef>
+          <a:effectRef idx="0">
+            <a:schemeClr val="dk1"/>
+          </a:effectRef>
+          <a:fontRef idx="minor">
+            <a:schemeClr val="dk1"/>
+          </a:fontRef>
+        </p:style>
+        <p:txBody>
+          <a:bodyPr rtlCol="0" anchor="ctr"/>
+          <a:lstStyle/>
+          <a:p>
+            <a:pPr algn="ctr"/>
+            <a:r>
+              <a:rPr lang="pt-BR" sz="1600" b="1" dirty="0">
+                <a:solidFill>
+                  <a:srgbClr val="FF0000"/>
+                </a:solidFill>
+                <a:latin typeface="Poppins" panose="020B0502040204020203" pitchFamily="2" charset="0"/>
+                <a:cs typeface="Poppins" panose="020B0502040204020203" pitchFamily="2" charset="0"/>
+              </a:rPr>
+              <a:t>Results </a:t>
+            </a:r>
+            <a:r>
+              <a:rPr lang="pt-BR" sz="1600" dirty="0">
+                <a:latin typeface="Poppins" panose="020B0502040204020203" pitchFamily="2" charset="0"/>
+                <a:cs typeface="Poppins" panose="020B0502040204020203" pitchFamily="2" charset="0"/>
+              </a:rPr>
+              <a:t>are shown below each section</a:t>
+            </a:r>
+            <a:r>
+              <a:rPr lang="en-US" sz="1600" dirty="0">
+                <a:latin typeface="Poppins" panose="020B0502040204020203" pitchFamily="2" charset="0"/>
+                <a:cs typeface="Poppins" panose="020B0502040204020203" pitchFamily="2" charset="0"/>
+              </a:rPr>
+              <a:t>!</a:t>
+            </a:r>
+            <a:endParaRPr lang="pt-BR" sz="1600" dirty="0">
+              <a:latin typeface="Poppins" panose="020B0502040204020203" pitchFamily="2" charset="0"/>
+              <a:cs typeface="Poppins" panose="020B0502040204020203" pitchFamily="2" charset="0"/>
+            </a:endParaRPr>
+          </a:p>
+        </p:txBody>
+      </p:sp>
+      <p:sp>
+        <p:nvSpPr>
+          <p:cNvPr id="25" name="Rectangle: Rounded Corners 24">
+            <a:extLst>
+              <a:ext uri="{FF2B5EF4-FFF2-40B4-BE49-F238E27FC236}">
+                <a16:creationId xmlns:a16="http://schemas.microsoft.com/office/drawing/2014/main" id="{9D8A978A-5A35-49DF-AA58-40E7D9B12FB0}"/>
+              </a:ext>
+            </a:extLst>
+          </p:cNvPr>
+          <p:cNvSpPr/>
+          <p:nvPr/>
+        </p:nvSpPr>
+        <p:spPr>
+          <a:xfrm>
+            <a:off x="2056292" y="5667945"/>
+            <a:ext cx="4892464" cy="1125228"/>
+          </a:xfrm>
+          <a:prstGeom prst="roundRect">
+            <a:avLst>
+              <a:gd name="adj" fmla="val 6561"/>
+            </a:avLst>
+          </a:prstGeom>
+          <a:noFill/>
+          <a:ln>
+            <a:solidFill>
+              <a:srgbClr val="FF0000"/>
+            </a:solidFill>
+          </a:ln>
+        </p:spPr>
+        <p:style>
+          <a:lnRef idx="2">
+            <a:schemeClr val="accent1">
+              <a:shade val="50000"/>
+            </a:schemeClr>
+          </a:lnRef>
+          <a:fillRef idx="1">
+            <a:schemeClr val="accent1"/>
+          </a:fillRef>
+          <a:effectRef idx="0">
+            <a:schemeClr val="accent1"/>
+          </a:effectRef>
+          <a:fontRef idx="minor">
+            <a:schemeClr val="lt1"/>
+          </a:fontRef>
+        </p:style>
+        <p:txBody>
+          <a:bodyPr rtlCol="0" anchor="ctr"/>
+          <a:lstStyle/>
+          <a:p>
+            <a:pPr algn="ctr"/>
+            <a:endParaRPr lang="en-US"/>
+          </a:p>
+        </p:txBody>
+      </p:sp>
+      <p:sp>
+        <p:nvSpPr>
+          <p:cNvPr id="29" name="Rectangle: Rounded Corners 28">
+            <a:extLst>
+              <a:ext uri="{FF2B5EF4-FFF2-40B4-BE49-F238E27FC236}">
+                <a16:creationId xmlns:a16="http://schemas.microsoft.com/office/drawing/2014/main" id="{26776919-5709-426B-BECC-780CC06CF1A6}"/>
+              </a:ext>
+            </a:extLst>
+          </p:cNvPr>
+          <p:cNvSpPr/>
+          <p:nvPr/>
+        </p:nvSpPr>
+        <p:spPr>
+          <a:xfrm>
+            <a:off x="2031041" y="1963295"/>
+            <a:ext cx="4982533" cy="1208529"/>
+          </a:xfrm>
+          <a:prstGeom prst="roundRect">
+            <a:avLst>
+              <a:gd name="adj" fmla="val 11301"/>
+            </a:avLst>
+          </a:prstGeom>
+          <a:noFill/>
+          <a:ln>
+            <a:solidFill>
+              <a:srgbClr val="FF0000"/>
+            </a:solidFill>
+          </a:ln>
+        </p:spPr>
+        <p:style>
+          <a:lnRef idx="2">
+            <a:schemeClr val="accent1">
+              <a:shade val="50000"/>
+            </a:schemeClr>
+          </a:lnRef>
+          <a:fillRef idx="1">
+            <a:schemeClr val="accent1"/>
+          </a:fillRef>
+          <a:effectRef idx="0">
+            <a:schemeClr val="accent1"/>
+          </a:effectRef>
+          <a:fontRef idx="minor">
+            <a:schemeClr val="lt1"/>
+          </a:fontRef>
+        </p:style>
+        <p:txBody>
+          <a:bodyPr rtlCol="0" anchor="ctr"/>
+          <a:lstStyle/>
+          <a:p>
+            <a:pPr algn="ctr"/>
+            <a:endParaRPr lang="en-US"/>
+          </a:p>
+        </p:txBody>
+      </p:sp>
       <p:pic>
         <p:nvPicPr>
           <p:cNvPr id="13" name="Graphic 12" descr="Arrow: Slight curve with solid fill">
@@ -3118,8 +3545,8 @@
           </a:stretch>
         </p:blipFill>
         <p:spPr>
-          <a:xfrm rot="13118661" flipH="1">
-            <a:off x="6886609" y="5243315"/>
+          <a:xfrm rot="8481339">
+            <a:off x="1099365" y="5352066"/>
             <a:ext cx="1029068" cy="1038410"/>
           </a:xfrm>
           <a:prstGeom prst="rect">
@@ -3134,428 +3561,6 @@
           </a:effectLst>
         </p:spPr>
       </p:pic>
-      <p:sp>
-        <p:nvSpPr>
-          <p:cNvPr id="14" name="Rectangle: Rounded Corners 13">
-            <a:extLst>
-              <a:ext uri="{FF2B5EF4-FFF2-40B4-BE49-F238E27FC236}">
-                <a16:creationId xmlns:a16="http://schemas.microsoft.com/office/drawing/2014/main" id="{9F1CBCBE-BE02-43ED-8445-B19F9D20F3B5}"/>
-              </a:ext>
-            </a:extLst>
-          </p:cNvPr>
-          <p:cNvSpPr/>
-          <p:nvPr/>
-        </p:nvSpPr>
-        <p:spPr>
-          <a:xfrm>
-            <a:off x="136428" y="2519560"/>
-            <a:ext cx="1735272" cy="1453674"/>
-          </a:xfrm>
-          <a:prstGeom prst="roundRect">
-            <a:avLst/>
-          </a:prstGeom>
-          <a:solidFill>
-            <a:srgbClr val="ECECEC"/>
-          </a:solidFill>
-          <a:ln>
-            <a:solidFill>
-              <a:schemeClr val="bg1">
-                <a:lumMod val="85000"/>
-              </a:schemeClr>
-            </a:solidFill>
-          </a:ln>
-          <a:effectLst>
-            <a:outerShdw blurRad="50800" dist="38100" dir="2700000" algn="tl" rotWithShape="0">
-              <a:prstClr val="black">
-                <a:alpha val="40000"/>
-              </a:prstClr>
-            </a:outerShdw>
-          </a:effectLst>
-        </p:spPr>
-        <p:style>
-          <a:lnRef idx="2">
-            <a:schemeClr val="dk1"/>
-          </a:lnRef>
-          <a:fillRef idx="1">
-            <a:schemeClr val="lt1"/>
-          </a:fillRef>
-          <a:effectRef idx="0">
-            <a:schemeClr val="dk1"/>
-          </a:effectRef>
-          <a:fontRef idx="minor">
-            <a:schemeClr val="dk1"/>
-          </a:fontRef>
-        </p:style>
-        <p:txBody>
-          <a:bodyPr rtlCol="0" anchor="ctr"/>
-          <a:lstStyle/>
-          <a:p>
-            <a:pPr algn="ctr"/>
-            <a:r>
-              <a:rPr lang="pt-BR" sz="1600" b="1" dirty="0">
-                <a:solidFill>
-                  <a:srgbClr val="FF0000"/>
-                </a:solidFill>
-                <a:latin typeface="Poppins" panose="020B0502040204020203" pitchFamily="2" charset="0"/>
-                <a:cs typeface="Poppins" panose="020B0502040204020203" pitchFamily="2" charset="0"/>
-              </a:rPr>
-              <a:t>Start here!</a:t>
-            </a:r>
-            <a:r>
-              <a:rPr lang="pt-BR" sz="1600" dirty="0">
-                <a:latin typeface="Poppins" panose="020B0502040204020203" pitchFamily="2" charset="0"/>
-                <a:cs typeface="Poppins" panose="020B0502040204020203" pitchFamily="2" charset="0"/>
-              </a:rPr>
-              <a:t> </a:t>
-            </a:r>
-          </a:p>
-          <a:p>
-            <a:pPr algn="ctr"/>
-            <a:r>
-              <a:rPr lang="pt-BR" sz="1400" dirty="0">
-                <a:latin typeface="Poppins" panose="020B0502040204020203" pitchFamily="2" charset="0"/>
-                <a:cs typeface="Poppins" panose="020B0502040204020203" pitchFamily="2" charset="0"/>
-              </a:rPr>
-              <a:t>Choose one or more cross-sections to calculate</a:t>
-            </a:r>
-            <a:endParaRPr lang="en-US" sz="1600" dirty="0">
-              <a:latin typeface="Poppins" panose="020B0502040204020203" pitchFamily="2" charset="0"/>
-              <a:cs typeface="Poppins" panose="020B0502040204020203" pitchFamily="2" charset="0"/>
-            </a:endParaRPr>
-          </a:p>
-        </p:txBody>
-      </p:sp>
-      <p:sp>
-        <p:nvSpPr>
-          <p:cNvPr id="19" name="Rectangle: Rounded Corners 18">
-            <a:extLst>
-              <a:ext uri="{FF2B5EF4-FFF2-40B4-BE49-F238E27FC236}">
-                <a16:creationId xmlns:a16="http://schemas.microsoft.com/office/drawing/2014/main" id="{8A1FAF66-CF45-4774-869C-D040BA6BA067}"/>
-              </a:ext>
-            </a:extLst>
-          </p:cNvPr>
-          <p:cNvSpPr/>
-          <p:nvPr/>
-        </p:nvSpPr>
-        <p:spPr>
-          <a:xfrm>
-            <a:off x="7096599" y="2433825"/>
-            <a:ext cx="1735272" cy="1453674"/>
-          </a:xfrm>
-          <a:prstGeom prst="roundRect">
-            <a:avLst/>
-          </a:prstGeom>
-          <a:solidFill>
-            <a:srgbClr val="ECECEC"/>
-          </a:solidFill>
-          <a:ln>
-            <a:solidFill>
-              <a:schemeClr val="bg1">
-                <a:lumMod val="85000"/>
-              </a:schemeClr>
-            </a:solidFill>
-          </a:ln>
-          <a:effectLst>
-            <a:outerShdw blurRad="50800" dist="38100" dir="2700000" algn="tl" rotWithShape="0">
-              <a:prstClr val="black">
-                <a:alpha val="40000"/>
-              </a:prstClr>
-            </a:outerShdw>
-          </a:effectLst>
-        </p:spPr>
-        <p:style>
-          <a:lnRef idx="2">
-            <a:schemeClr val="dk1"/>
-          </a:lnRef>
-          <a:fillRef idx="1">
-            <a:schemeClr val="lt1"/>
-          </a:fillRef>
-          <a:effectRef idx="0">
-            <a:schemeClr val="dk1"/>
-          </a:effectRef>
-          <a:fontRef idx="minor">
-            <a:schemeClr val="dk1"/>
-          </a:fontRef>
-        </p:style>
-        <p:txBody>
-          <a:bodyPr rtlCol="0" anchor="ctr"/>
-          <a:lstStyle/>
-          <a:p>
-            <a:pPr algn="ctr"/>
-            <a:r>
-              <a:rPr lang="pt-BR" sz="1600" b="1" dirty="0">
-                <a:solidFill>
-                  <a:srgbClr val="FF0000"/>
-                </a:solidFill>
-                <a:latin typeface="Poppins" panose="020B0502040204020203" pitchFamily="2" charset="0"/>
-                <a:cs typeface="Poppins" panose="020B0502040204020203" pitchFamily="2" charset="0"/>
-              </a:rPr>
-              <a:t>See in the plots the </a:t>
-            </a:r>
-            <a:r>
-              <a:rPr lang="pt-BR" sz="1600" dirty="0">
-                <a:latin typeface="Poppins" panose="020B0502040204020203" pitchFamily="2" charset="0"/>
-                <a:cs typeface="Poppins" panose="020B0502040204020203" pitchFamily="2" charset="0"/>
-              </a:rPr>
-              <a:t>the properties of the cross-sections  </a:t>
-            </a:r>
-            <a:endParaRPr lang="en-US" sz="1600" dirty="0">
-              <a:latin typeface="Poppins" panose="020B0502040204020203" pitchFamily="2" charset="0"/>
-              <a:cs typeface="Poppins" panose="020B0502040204020203" pitchFamily="2" charset="0"/>
-            </a:endParaRPr>
-          </a:p>
-        </p:txBody>
-      </p:sp>
-      <p:sp>
-        <p:nvSpPr>
-          <p:cNvPr id="17" name="Rectangle: Rounded Corners 16">
-            <a:extLst>
-              <a:ext uri="{FF2B5EF4-FFF2-40B4-BE49-F238E27FC236}">
-                <a16:creationId xmlns:a16="http://schemas.microsoft.com/office/drawing/2014/main" id="{4224D7E6-6639-4988-89F0-BB77D983A70E}"/>
-              </a:ext>
-            </a:extLst>
-          </p:cNvPr>
-          <p:cNvSpPr/>
-          <p:nvPr/>
-        </p:nvSpPr>
-        <p:spPr>
-          <a:xfrm>
-            <a:off x="2056292" y="4079500"/>
-            <a:ext cx="4892464" cy="1284980"/>
-          </a:xfrm>
-          <a:prstGeom prst="roundRect">
-            <a:avLst>
-              <a:gd name="adj" fmla="val 5725"/>
-            </a:avLst>
-          </a:prstGeom>
-          <a:noFill/>
-          <a:ln>
-            <a:solidFill>
-              <a:srgbClr val="FF0000"/>
-            </a:solidFill>
-          </a:ln>
-        </p:spPr>
-        <p:style>
-          <a:lnRef idx="2">
-            <a:schemeClr val="accent1">
-              <a:shade val="50000"/>
-            </a:schemeClr>
-          </a:lnRef>
-          <a:fillRef idx="1">
-            <a:schemeClr val="accent1"/>
-          </a:fillRef>
-          <a:effectRef idx="0">
-            <a:schemeClr val="accent1"/>
-          </a:effectRef>
-          <a:fontRef idx="minor">
-            <a:schemeClr val="lt1"/>
-          </a:fontRef>
-        </p:style>
-        <p:txBody>
-          <a:bodyPr rtlCol="0" anchor="ctr"/>
-          <a:lstStyle/>
-          <a:p>
-            <a:pPr algn="ctr"/>
-            <a:endParaRPr lang="en-US"/>
-          </a:p>
-        </p:txBody>
-      </p:sp>
-      <p:sp>
-        <p:nvSpPr>
-          <p:cNvPr id="24" name="Rectangle: Rounded Corners 23">
-            <a:extLst>
-              <a:ext uri="{FF2B5EF4-FFF2-40B4-BE49-F238E27FC236}">
-                <a16:creationId xmlns:a16="http://schemas.microsoft.com/office/drawing/2014/main" id="{0EEB2A57-9127-46AE-A577-ACACD4D7D9CC}"/>
-              </a:ext>
-            </a:extLst>
-          </p:cNvPr>
-          <p:cNvSpPr/>
-          <p:nvPr/>
-        </p:nvSpPr>
-        <p:spPr>
-          <a:xfrm>
-            <a:off x="7112139" y="4406899"/>
-            <a:ext cx="1735271" cy="1090481"/>
-          </a:xfrm>
-          <a:prstGeom prst="roundRect">
-            <a:avLst/>
-          </a:prstGeom>
-          <a:solidFill>
-            <a:srgbClr val="ECECEC"/>
-          </a:solidFill>
-          <a:ln>
-            <a:solidFill>
-              <a:schemeClr val="bg1">
-                <a:lumMod val="85000"/>
-              </a:schemeClr>
-            </a:solidFill>
-          </a:ln>
-          <a:effectLst>
-            <a:outerShdw blurRad="50800" dist="38100" dir="2700000" algn="tl" rotWithShape="0">
-              <a:prstClr val="black">
-                <a:alpha val="40000"/>
-              </a:prstClr>
-            </a:outerShdw>
-          </a:effectLst>
-        </p:spPr>
-        <p:style>
-          <a:lnRef idx="2">
-            <a:schemeClr val="dk1"/>
-          </a:lnRef>
-          <a:fillRef idx="1">
-            <a:schemeClr val="lt1"/>
-          </a:fillRef>
-          <a:effectRef idx="0">
-            <a:schemeClr val="dk1"/>
-          </a:effectRef>
-          <a:fontRef idx="minor">
-            <a:schemeClr val="dk1"/>
-          </a:fontRef>
-        </p:style>
-        <p:txBody>
-          <a:bodyPr rtlCol="0" anchor="ctr"/>
-          <a:lstStyle/>
-          <a:p>
-            <a:pPr algn="ctr"/>
-            <a:r>
-              <a:rPr lang="pt-BR" sz="1600" b="1" dirty="0">
-                <a:solidFill>
-                  <a:srgbClr val="FF0000"/>
-                </a:solidFill>
-                <a:latin typeface="Poppins" panose="020B0502040204020203" pitchFamily="2" charset="0"/>
-                <a:cs typeface="Poppins" panose="020B0502040204020203" pitchFamily="2" charset="0"/>
-              </a:rPr>
-              <a:t>Results </a:t>
-            </a:r>
-            <a:r>
-              <a:rPr lang="pt-BR" sz="1600" dirty="0">
-                <a:latin typeface="Poppins" panose="020B0502040204020203" pitchFamily="2" charset="0"/>
-                <a:cs typeface="Poppins" panose="020B0502040204020203" pitchFamily="2" charset="0"/>
-              </a:rPr>
-              <a:t>are shown below each section</a:t>
-            </a:r>
-            <a:r>
-              <a:rPr lang="en-US" sz="1600" dirty="0">
-                <a:latin typeface="Poppins" panose="020B0502040204020203" pitchFamily="2" charset="0"/>
-                <a:cs typeface="Poppins" panose="020B0502040204020203" pitchFamily="2" charset="0"/>
-              </a:rPr>
-              <a:t>!</a:t>
-            </a:r>
-            <a:endParaRPr lang="pt-BR" sz="1600" dirty="0">
-              <a:latin typeface="Poppins" panose="020B0502040204020203" pitchFamily="2" charset="0"/>
-              <a:cs typeface="Poppins" panose="020B0502040204020203" pitchFamily="2" charset="0"/>
-            </a:endParaRPr>
-          </a:p>
-        </p:txBody>
-      </p:sp>
-      <p:sp>
-        <p:nvSpPr>
-          <p:cNvPr id="25" name="Rectangle: Rounded Corners 24">
-            <a:extLst>
-              <a:ext uri="{FF2B5EF4-FFF2-40B4-BE49-F238E27FC236}">
-                <a16:creationId xmlns:a16="http://schemas.microsoft.com/office/drawing/2014/main" id="{9D8A978A-5A35-49DF-AA58-40E7D9B12FB0}"/>
-              </a:ext>
-            </a:extLst>
-          </p:cNvPr>
-          <p:cNvSpPr/>
-          <p:nvPr/>
-        </p:nvSpPr>
-        <p:spPr>
-          <a:xfrm>
-            <a:off x="2056292" y="5667945"/>
-            <a:ext cx="4892464" cy="1125228"/>
-          </a:xfrm>
-          <a:prstGeom prst="roundRect">
-            <a:avLst>
-              <a:gd name="adj" fmla="val 6561"/>
-            </a:avLst>
-          </a:prstGeom>
-          <a:noFill/>
-          <a:ln>
-            <a:solidFill>
-              <a:srgbClr val="FF0000"/>
-            </a:solidFill>
-          </a:ln>
-        </p:spPr>
-        <p:style>
-          <a:lnRef idx="2">
-            <a:schemeClr val="accent1">
-              <a:shade val="50000"/>
-            </a:schemeClr>
-          </a:lnRef>
-          <a:fillRef idx="1">
-            <a:schemeClr val="accent1"/>
-          </a:fillRef>
-          <a:effectRef idx="0">
-            <a:schemeClr val="accent1"/>
-          </a:effectRef>
-          <a:fontRef idx="minor">
-            <a:schemeClr val="lt1"/>
-          </a:fontRef>
-        </p:style>
-        <p:txBody>
-          <a:bodyPr rtlCol="0" anchor="ctr"/>
-          <a:lstStyle/>
-          <a:p>
-            <a:pPr algn="ctr"/>
-            <a:endParaRPr lang="en-US"/>
-          </a:p>
-        </p:txBody>
-      </p:sp>
-      <p:sp>
-        <p:nvSpPr>
-          <p:cNvPr id="29" name="Rectangle: Rounded Corners 28">
-            <a:extLst>
-              <a:ext uri="{FF2B5EF4-FFF2-40B4-BE49-F238E27FC236}">
-                <a16:creationId xmlns:a16="http://schemas.microsoft.com/office/drawing/2014/main" id="{26776919-5709-426B-BECC-780CC06CF1A6}"/>
-              </a:ext>
-            </a:extLst>
-          </p:cNvPr>
-          <p:cNvSpPr/>
-          <p:nvPr/>
-        </p:nvSpPr>
-        <p:spPr>
-          <a:xfrm>
-            <a:off x="2031041" y="1963295"/>
-            <a:ext cx="4982533" cy="1208529"/>
-          </a:xfrm>
-          <a:prstGeom prst="roundRect">
-            <a:avLst>
-              <a:gd name="adj" fmla="val 11301"/>
-            </a:avLst>
-          </a:prstGeom>
-          <a:noFill/>
-          <a:ln>
-            <a:solidFill>
-              <a:srgbClr val="FF0000"/>
-            </a:solidFill>
-          </a:ln>
-        </p:spPr>
-        <p:style>
-          <a:lnRef idx="2">
-            <a:schemeClr val="accent1">
-              <a:shade val="50000"/>
-            </a:schemeClr>
-          </a:lnRef>
-          <a:fillRef idx="1">
-            <a:schemeClr val="accent1"/>
-          </a:fillRef>
-          <a:effectRef idx="0">
-            <a:schemeClr val="accent1"/>
-          </a:effectRef>
-          <a:fontRef idx="minor">
-            <a:schemeClr val="lt1"/>
-          </a:fontRef>
-        </p:style>
-        <p:txBody>
-          <a:bodyPr rtlCol="0" anchor="ctr"/>
-          <a:lstStyle/>
-          <a:p>
-            <a:pPr algn="ctr"/>
-            <a:endParaRPr lang="en-US"/>
-          </a:p>
-        </p:txBody>
-      </p:sp>
     </p:spTree>
     <p:extLst>
       <p:ext uri="{BB962C8B-B14F-4D97-AF65-F5344CB8AC3E}">

--- a/help.pptx
+++ b/help.pptx
@@ -6,7 +6,10 @@
   </p:sldMasterIdLst>
   <p:sldIdLst>
     <p:sldId id="256" r:id="rId2"/>
-    <p:sldId id="257" r:id="rId3"/>
+    <p:sldId id="258" r:id="rId3"/>
+    <p:sldId id="257" r:id="rId4"/>
+    <p:sldId id="259" r:id="rId5"/>
+    <p:sldId id="260" r:id="rId6"/>
   </p:sldIdLst>
   <p:sldSz cx="9144000" cy="6858000" type="screen4x3"/>
   <p:notesSz cx="6858000" cy="9144000"/>
@@ -244,7 +247,7 @@
           <a:p>
             <a:fld id="{47B723C8-5251-49FE-8326-1E5799E3C82A}" type="datetimeFigureOut">
               <a:rPr lang="en-US" smtClean="0"/>
-              <a:t>11/19/2021</a:t>
+              <a:t>11/23/2021</a:t>
             </a:fld>
             <a:endParaRPr lang="en-US"/>
           </a:p>
@@ -414,7 +417,7 @@
           <a:p>
             <a:fld id="{47B723C8-5251-49FE-8326-1E5799E3C82A}" type="datetimeFigureOut">
               <a:rPr lang="en-US" smtClean="0"/>
-              <a:t>11/19/2021</a:t>
+              <a:t>11/23/2021</a:t>
             </a:fld>
             <a:endParaRPr lang="en-US"/>
           </a:p>
@@ -594,7 +597,7 @@
           <a:p>
             <a:fld id="{47B723C8-5251-49FE-8326-1E5799E3C82A}" type="datetimeFigureOut">
               <a:rPr lang="en-US" smtClean="0"/>
-              <a:t>11/19/2021</a:t>
+              <a:t>11/23/2021</a:t>
             </a:fld>
             <a:endParaRPr lang="en-US"/>
           </a:p>
@@ -764,7 +767,7 @@
           <a:p>
             <a:fld id="{47B723C8-5251-49FE-8326-1E5799E3C82A}" type="datetimeFigureOut">
               <a:rPr lang="en-US" smtClean="0"/>
-              <a:t>11/19/2021</a:t>
+              <a:t>11/23/2021</a:t>
             </a:fld>
             <a:endParaRPr lang="en-US"/>
           </a:p>
@@ -1008,7 +1011,7 @@
           <a:p>
             <a:fld id="{47B723C8-5251-49FE-8326-1E5799E3C82A}" type="datetimeFigureOut">
               <a:rPr lang="en-US" smtClean="0"/>
-              <a:t>11/19/2021</a:t>
+              <a:t>11/23/2021</a:t>
             </a:fld>
             <a:endParaRPr lang="en-US"/>
           </a:p>
@@ -1240,7 +1243,7 @@
           <a:p>
             <a:fld id="{47B723C8-5251-49FE-8326-1E5799E3C82A}" type="datetimeFigureOut">
               <a:rPr lang="en-US" smtClean="0"/>
-              <a:t>11/19/2021</a:t>
+              <a:t>11/23/2021</a:t>
             </a:fld>
             <a:endParaRPr lang="en-US"/>
           </a:p>
@@ -1607,7 +1610,7 @@
           <a:p>
             <a:fld id="{47B723C8-5251-49FE-8326-1E5799E3C82A}" type="datetimeFigureOut">
               <a:rPr lang="en-US" smtClean="0"/>
-              <a:t>11/19/2021</a:t>
+              <a:t>11/23/2021</a:t>
             </a:fld>
             <a:endParaRPr lang="en-US"/>
           </a:p>
@@ -1725,7 +1728,7 @@
           <a:p>
             <a:fld id="{47B723C8-5251-49FE-8326-1E5799E3C82A}" type="datetimeFigureOut">
               <a:rPr lang="en-US" smtClean="0"/>
-              <a:t>11/19/2021</a:t>
+              <a:t>11/23/2021</a:t>
             </a:fld>
             <a:endParaRPr lang="en-US"/>
           </a:p>
@@ -1820,7 +1823,7 @@
           <a:p>
             <a:fld id="{47B723C8-5251-49FE-8326-1E5799E3C82A}" type="datetimeFigureOut">
               <a:rPr lang="en-US" smtClean="0"/>
-              <a:t>11/19/2021</a:t>
+              <a:t>11/23/2021</a:t>
             </a:fld>
             <a:endParaRPr lang="en-US"/>
           </a:p>
@@ -2097,7 +2100,7 @@
           <a:p>
             <a:fld id="{47B723C8-5251-49FE-8326-1E5799E3C82A}" type="datetimeFigureOut">
               <a:rPr lang="en-US" smtClean="0"/>
-              <a:t>11/19/2021</a:t>
+              <a:t>11/23/2021</a:t>
             </a:fld>
             <a:endParaRPr lang="en-US"/>
           </a:p>
@@ -2354,7 +2357,7 @@
           <a:p>
             <a:fld id="{47B723C8-5251-49FE-8326-1E5799E3C82A}" type="datetimeFigureOut">
               <a:rPr lang="en-US" smtClean="0"/>
-              <a:t>11/19/2021</a:t>
+              <a:t>11/23/2021</a:t>
             </a:fld>
             <a:endParaRPr lang="en-US"/>
           </a:p>
@@ -2567,7 +2570,7 @@
           <a:p>
             <a:fld id="{47B723C8-5251-49FE-8326-1E5799E3C82A}" type="datetimeFigureOut">
               <a:rPr lang="en-US" smtClean="0"/>
-              <a:t>11/19/2021</a:t>
+              <a:t>11/23/2021</a:t>
             </a:fld>
             <a:endParaRPr lang="en-US"/>
           </a:p>
@@ -3593,10 +3596,10 @@
       </p:grpSpPr>
       <p:pic>
         <p:nvPicPr>
-          <p:cNvPr id="5" name="Picture 4">
-            <a:extLst>
-              <a:ext uri="{FF2B5EF4-FFF2-40B4-BE49-F238E27FC236}">
-                <a16:creationId xmlns:a16="http://schemas.microsoft.com/office/drawing/2014/main" id="{16AA3DA1-1AC2-40C6-919C-94AE4370E8F2}"/>
+          <p:cNvPr id="24" name="Picture 23">
+            <a:extLst>
+              <a:ext uri="{FF2B5EF4-FFF2-40B4-BE49-F238E27FC236}">
+                <a16:creationId xmlns:a16="http://schemas.microsoft.com/office/drawing/2014/main" id="{360E4031-EC3F-4C31-A56E-C2AF29854048}"/>
               </a:ext>
             </a:extLst>
           </p:cNvPr>
@@ -3605,15 +3608,16 @@
           </p:cNvPicPr>
           <p:nvPr/>
         </p:nvPicPr>
-        <p:blipFill rotWithShape="1">
+        <p:blipFill>
           <a:blip r:embed="rId2"/>
-          <a:srcRect r="1902"/>
-          <a:stretch/>
+          <a:stretch>
+            <a:fillRect/>
+          </a:stretch>
         </p:blipFill>
         <p:spPr>
           <a:xfrm>
-            <a:off x="0" y="739752"/>
-            <a:ext cx="8970088" cy="5378496"/>
+            <a:off x="-352299" y="-216512"/>
+            <a:ext cx="9964285" cy="7083865"/>
           </a:xfrm>
           <a:prstGeom prst="rect">
             <a:avLst/>
@@ -3622,10 +3626,10 @@
       </p:pic>
       <p:pic>
         <p:nvPicPr>
-          <p:cNvPr id="6" name="Graphic 5" descr="Arrow: Slight curve with solid fill">
-            <a:extLst>
-              <a:ext uri="{FF2B5EF4-FFF2-40B4-BE49-F238E27FC236}">
-                <a16:creationId xmlns:a16="http://schemas.microsoft.com/office/drawing/2014/main" id="{B404A1CC-2A1A-4D78-94B8-BC5395E8B658}"/>
+          <p:cNvPr id="14" name="Graphic 13" descr="Arrow: Slight curve with solid fill">
+            <a:extLst>
+              <a:ext uri="{FF2B5EF4-FFF2-40B4-BE49-F238E27FC236}">
+                <a16:creationId xmlns:a16="http://schemas.microsoft.com/office/drawing/2014/main" id="{2968B320-F087-48D8-8A4D-7408DA3643ED}"/>
               </a:ext>
             </a:extLst>
           </p:cNvPr>
@@ -3650,9 +3654,9 @@
           </a:stretch>
         </p:blipFill>
         <p:spPr>
-          <a:xfrm rot="583993">
-            <a:off x="1276718" y="2901676"/>
-            <a:ext cx="914400" cy="914400"/>
+          <a:xfrm rot="20999578" flipH="1">
+            <a:off x="4428177" y="3309041"/>
+            <a:ext cx="1219834" cy="914400"/>
           </a:xfrm>
           <a:prstGeom prst="rect">
             <a:avLst/>
@@ -3668,10 +3672,10 @@
       </p:pic>
       <p:sp>
         <p:nvSpPr>
-          <p:cNvPr id="7" name="Rectangle: Rounded Corners 6">
-            <a:extLst>
-              <a:ext uri="{FF2B5EF4-FFF2-40B4-BE49-F238E27FC236}">
-                <a16:creationId xmlns:a16="http://schemas.microsoft.com/office/drawing/2014/main" id="{3FD08604-4068-41D0-95CF-6C6C745A04AA}"/>
+          <p:cNvPr id="16" name="Rectangle: Rounded Corners 15">
+            <a:extLst>
+              <a:ext uri="{FF2B5EF4-FFF2-40B4-BE49-F238E27FC236}">
+                <a16:creationId xmlns:a16="http://schemas.microsoft.com/office/drawing/2014/main" id="{96E546C7-9A00-4A60-93B5-8A7AE842158C}"/>
               </a:ext>
             </a:extLst>
           </p:cNvPr>
@@ -3680,8 +3684,108 @@
         </p:nvSpPr>
         <p:spPr>
           <a:xfrm>
-            <a:off x="66680" y="1939626"/>
-            <a:ext cx="1987401" cy="1169415"/>
+            <a:off x="372347" y="2263367"/>
+            <a:ext cx="4091011" cy="3005750"/>
+          </a:xfrm>
+          <a:prstGeom prst="roundRect">
+            <a:avLst>
+              <a:gd name="adj" fmla="val 7231"/>
+            </a:avLst>
+          </a:prstGeom>
+          <a:noFill/>
+          <a:ln>
+            <a:solidFill>
+              <a:srgbClr val="FF0000"/>
+            </a:solidFill>
+          </a:ln>
+        </p:spPr>
+        <p:style>
+          <a:lnRef idx="2">
+            <a:schemeClr val="accent1">
+              <a:shade val="50000"/>
+            </a:schemeClr>
+          </a:lnRef>
+          <a:fillRef idx="1">
+            <a:schemeClr val="accent1"/>
+          </a:fillRef>
+          <a:effectRef idx="0">
+            <a:schemeClr val="accent1"/>
+          </a:effectRef>
+          <a:fontRef idx="minor">
+            <a:schemeClr val="lt1"/>
+          </a:fontRef>
+        </p:style>
+        <p:txBody>
+          <a:bodyPr rtlCol="0" anchor="ctr"/>
+          <a:lstStyle/>
+          <a:p>
+            <a:pPr algn="ctr"/>
+            <a:endParaRPr lang="en-US"/>
+          </a:p>
+        </p:txBody>
+      </p:sp>
+      <p:pic>
+        <p:nvPicPr>
+          <p:cNvPr id="17" name="Graphic 16" descr="Arrow: Slight curve with solid fill">
+            <a:extLst>
+              <a:ext uri="{FF2B5EF4-FFF2-40B4-BE49-F238E27FC236}">
+                <a16:creationId xmlns:a16="http://schemas.microsoft.com/office/drawing/2014/main" id="{C0642939-0EEC-4C39-8DDD-B5A5BA66629B}"/>
+              </a:ext>
+            </a:extLst>
+          </p:cNvPr>
+          <p:cNvPicPr>
+            <a:picLocks noChangeAspect="1"/>
+          </p:cNvPicPr>
+          <p:nvPr/>
+        </p:nvPicPr>
+        <p:blipFill>
+          <a:blip r:embed="rId3">
+            <a:extLst>
+              <a:ext uri="{28A0092B-C50C-407E-A947-70E740481C1C}">
+                <a14:useLocalDpi xmlns:a14="http://schemas.microsoft.com/office/drawing/2010/main" val="0"/>
+              </a:ext>
+              <a:ext uri="{96DAC541-7B7A-43D3-8B79-37D633B846F1}">
+                <asvg:svgBlip xmlns:asvg="http://schemas.microsoft.com/office/drawing/2016/SVG/main" r:embed="rId4"/>
+              </a:ext>
+            </a:extLst>
+          </a:blip>
+          <a:stretch>
+            <a:fillRect/>
+          </a:stretch>
+        </p:blipFill>
+        <p:spPr>
+          <a:xfrm rot="2103912" flipH="1">
+            <a:off x="5665325" y="2030794"/>
+            <a:ext cx="1219834" cy="914400"/>
+          </a:xfrm>
+          <a:prstGeom prst="rect">
+            <a:avLst/>
+          </a:prstGeom>
+          <a:effectLst>
+            <a:outerShdw blurRad="50800" dist="38100" dir="2700000" algn="tl" rotWithShape="0">
+              <a:prstClr val="black">
+                <a:alpha val="40000"/>
+              </a:prstClr>
+            </a:outerShdw>
+          </a:effectLst>
+        </p:spPr>
+      </p:pic>
+      <p:sp>
+        <p:nvSpPr>
+          <p:cNvPr id="18" name="Rectangle: Rounded Corners 17">
+            <a:extLst>
+              <a:ext uri="{FF2B5EF4-FFF2-40B4-BE49-F238E27FC236}">
+                <a16:creationId xmlns:a16="http://schemas.microsoft.com/office/drawing/2014/main" id="{BA6CE3EB-A49A-4D59-868A-5A608015B315}"/>
+              </a:ext>
+            </a:extLst>
+          </p:cNvPr>
+          <p:cNvSpPr/>
+          <p:nvPr/>
+        </p:nvSpPr>
+        <p:spPr>
+          <a:xfrm>
+            <a:off x="4680644" y="2870265"/>
+            <a:ext cx="1735272" cy="641559"/>
           </a:xfrm>
           <a:prstGeom prst="roundRect">
             <a:avLst/>
@@ -3731,26 +3835,12 @@
                 <a:latin typeface="Poppins" panose="020B0502040204020203" pitchFamily="2" charset="0"/>
                 <a:cs typeface="Poppins" panose="020B0502040204020203" pitchFamily="2" charset="0"/>
               </a:rPr>
-              <a:t>Start here!</a:t>
-            </a:r>
-            <a:r>
-              <a:rPr lang="pt-BR" sz="1600" dirty="0">
-                <a:latin typeface="Poppins" panose="020B0502040204020203" pitchFamily="2" charset="0"/>
-                <a:cs typeface="Poppins" panose="020B0502040204020203" pitchFamily="2" charset="0"/>
-              </a:rPr>
-              <a:t> </a:t>
-            </a:r>
-          </a:p>
-          <a:p>
-            <a:pPr algn="ctr"/>
-            <a:r>
-              <a:rPr lang="pt-BR" sz="1400" dirty="0">
-                <a:latin typeface="Poppins" panose="020B0502040204020203" pitchFamily="2" charset="0"/>
-                <a:cs typeface="Poppins" panose="020B0502040204020203" pitchFamily="2" charset="0"/>
-              </a:rPr>
-              <a:t>Choose a cross-sections to calculate</a:t>
-            </a:r>
-            <a:endParaRPr lang="en-US" sz="1600" dirty="0">
+              <a:t>User input</a:t>
+            </a:r>
+            <a:endParaRPr lang="en-US" sz="1600" b="1" dirty="0">
+              <a:solidFill>
+                <a:srgbClr val="FF0000"/>
+              </a:solidFill>
               <a:latin typeface="Poppins" panose="020B0502040204020203" pitchFamily="2" charset="0"/>
               <a:cs typeface="Poppins" panose="020B0502040204020203" pitchFamily="2" charset="0"/>
             </a:endParaRPr>
@@ -3759,10 +3849,10 @@
       </p:sp>
       <p:sp>
         <p:nvSpPr>
-          <p:cNvPr id="8" name="Rectangle: Rounded Corners 7">
-            <a:extLst>
-              <a:ext uri="{FF2B5EF4-FFF2-40B4-BE49-F238E27FC236}">
-                <a16:creationId xmlns:a16="http://schemas.microsoft.com/office/drawing/2014/main" id="{9DF88446-7CF7-46EC-9344-AEEDDB7B1357}"/>
+          <p:cNvPr id="19" name="Rectangle: Rounded Corners 18">
+            <a:extLst>
+              <a:ext uri="{FF2B5EF4-FFF2-40B4-BE49-F238E27FC236}">
+                <a16:creationId xmlns:a16="http://schemas.microsoft.com/office/drawing/2014/main" id="{A37445F5-DAFE-4C2D-8D75-73285616CAD0}"/>
               </a:ext>
             </a:extLst>
           </p:cNvPr>
@@ -3771,108 +3861,8 @@
         </p:nvSpPr>
         <p:spPr>
           <a:xfrm>
-            <a:off x="2231395" y="2962241"/>
-            <a:ext cx="1010280" cy="1222410"/>
-          </a:xfrm>
-          <a:prstGeom prst="roundRect">
-            <a:avLst>
-              <a:gd name="adj" fmla="val 6397"/>
-            </a:avLst>
-          </a:prstGeom>
-          <a:noFill/>
-          <a:ln>
-            <a:solidFill>
-              <a:srgbClr val="FF0000"/>
-            </a:solidFill>
-          </a:ln>
-        </p:spPr>
-        <p:style>
-          <a:lnRef idx="2">
-            <a:schemeClr val="accent1">
-              <a:shade val="50000"/>
-            </a:schemeClr>
-          </a:lnRef>
-          <a:fillRef idx="1">
-            <a:schemeClr val="accent1"/>
-          </a:fillRef>
-          <a:effectRef idx="0">
-            <a:schemeClr val="accent1"/>
-          </a:effectRef>
-          <a:fontRef idx="minor">
-            <a:schemeClr val="lt1"/>
-          </a:fontRef>
-        </p:style>
-        <p:txBody>
-          <a:bodyPr rtlCol="0" anchor="ctr"/>
-          <a:lstStyle/>
-          <a:p>
-            <a:pPr algn="ctr"/>
-            <a:endParaRPr lang="en-US"/>
-          </a:p>
-        </p:txBody>
-      </p:sp>
-      <p:pic>
-        <p:nvPicPr>
-          <p:cNvPr id="9" name="Graphic 8" descr="Arrow: Counter-clockwise curve with solid fill">
-            <a:extLst>
-              <a:ext uri="{FF2B5EF4-FFF2-40B4-BE49-F238E27FC236}">
-                <a16:creationId xmlns:a16="http://schemas.microsoft.com/office/drawing/2014/main" id="{D052274C-9E5D-48C3-B744-C2DEB230FC8D}"/>
-              </a:ext>
-            </a:extLst>
-          </p:cNvPr>
-          <p:cNvPicPr>
-            <a:picLocks noChangeAspect="1"/>
-          </p:cNvPicPr>
-          <p:nvPr/>
-        </p:nvPicPr>
-        <p:blipFill>
-          <a:blip r:embed="rId5">
-            <a:extLst>
-              <a:ext uri="{28A0092B-C50C-407E-A947-70E740481C1C}">
-                <a14:useLocalDpi xmlns:a14="http://schemas.microsoft.com/office/drawing/2010/main" val="0"/>
-              </a:ext>
-              <a:ext uri="{96DAC541-7B7A-43D3-8B79-37D633B846F1}">
-                <asvg:svgBlip xmlns:asvg="http://schemas.microsoft.com/office/drawing/2016/SVG/main" r:embed="rId6"/>
-              </a:ext>
-            </a:extLst>
-          </a:blip>
-          <a:stretch>
-            <a:fillRect/>
-          </a:stretch>
-        </p:blipFill>
-        <p:spPr>
-          <a:xfrm rot="18414779">
-            <a:off x="6814243" y="2173071"/>
-            <a:ext cx="1177454" cy="1188143"/>
-          </a:xfrm>
-          <a:prstGeom prst="rect">
-            <a:avLst/>
-          </a:prstGeom>
-          <a:effectLst>
-            <a:outerShdw blurRad="50800" dist="38100" dir="2700000" algn="tl" rotWithShape="0">
-              <a:prstClr val="black">
-                <a:alpha val="40000"/>
-              </a:prstClr>
-            </a:outerShdw>
-          </a:effectLst>
-        </p:spPr>
-      </p:pic>
-      <p:sp>
-        <p:nvSpPr>
-          <p:cNvPr id="10" name="Rectangle: Rounded Corners 9">
-            <a:extLst>
-              <a:ext uri="{FF2B5EF4-FFF2-40B4-BE49-F238E27FC236}">
-                <a16:creationId xmlns:a16="http://schemas.microsoft.com/office/drawing/2014/main" id="{D45AA669-4154-484E-811D-EFC07A1BD260}"/>
-              </a:ext>
-            </a:extLst>
-          </p:cNvPr>
-          <p:cNvSpPr/>
-          <p:nvPr/>
-        </p:nvSpPr>
-        <p:spPr>
-          <a:xfrm>
-            <a:off x="6912605" y="3017502"/>
-            <a:ext cx="1937345" cy="1494452"/>
+            <a:off x="6801065" y="2462238"/>
+            <a:ext cx="1778995" cy="915320"/>
           </a:xfrm>
           <a:prstGeom prst="roundRect">
             <a:avLst/>
@@ -3915,16 +3905,6 @@
           <a:p>
             <a:pPr algn="ctr"/>
             <a:r>
-              <a:rPr lang="pt-BR" sz="1600" dirty="0">
-                <a:solidFill>
-                  <a:schemeClr val="tx1"/>
-                </a:solidFill>
-                <a:latin typeface="Poppins" panose="020B0502040204020203" pitchFamily="2" charset="0"/>
-                <a:cs typeface="Poppins" panose="020B0502040204020203" pitchFamily="2" charset="0"/>
-              </a:rPr>
-              <a:t>The </a:t>
-            </a:r>
-            <a:r>
               <a:rPr lang="pt-BR" sz="1600" b="1" dirty="0">
                 <a:solidFill>
                   <a:srgbClr val="FF0000"/>
@@ -3932,27 +3912,21 @@
                 <a:latin typeface="Poppins" panose="020B0502040204020203" pitchFamily="2" charset="0"/>
                 <a:cs typeface="Poppins" panose="020B0502040204020203" pitchFamily="2" charset="0"/>
               </a:rPr>
-              <a:t>plots</a:t>
-            </a:r>
-            <a:r>
-              <a:rPr lang="pt-BR" sz="1600" dirty="0">
-                <a:solidFill>
-                  <a:schemeClr val="tx1"/>
-                </a:solidFill>
-                <a:latin typeface="Poppins" panose="020B0502040204020203" pitchFamily="2" charset="0"/>
-                <a:cs typeface="Poppins" panose="020B0502040204020203" pitchFamily="2" charset="0"/>
-              </a:rPr>
-              <a:t> will show how each dimension affects each result!</a:t>
-            </a:r>
-          </a:p>
-        </p:txBody>
-      </p:sp>
-      <p:sp>
-        <p:nvSpPr>
-          <p:cNvPr id="11" name="Rectangle: Rounded Corners 10">
-            <a:extLst>
-              <a:ext uri="{FF2B5EF4-FFF2-40B4-BE49-F238E27FC236}">
-                <a16:creationId xmlns:a16="http://schemas.microsoft.com/office/drawing/2014/main" id="{4F6E8492-94D4-4B1D-AA48-975D771C82AC}"/>
+              <a:t>Properties comparison</a:t>
+            </a:r>
+            <a:endParaRPr lang="en-US" sz="1600" dirty="0">
+              <a:latin typeface="Poppins" panose="020B0502040204020203" pitchFamily="2" charset="0"/>
+              <a:cs typeface="Poppins" panose="020B0502040204020203" pitchFamily="2" charset="0"/>
+            </a:endParaRPr>
+          </a:p>
+        </p:txBody>
+      </p:sp>
+      <p:sp>
+        <p:nvSpPr>
+          <p:cNvPr id="20" name="Rectangle: Rounded Corners 19">
+            <a:extLst>
+              <a:ext uri="{FF2B5EF4-FFF2-40B4-BE49-F238E27FC236}">
+                <a16:creationId xmlns:a16="http://schemas.microsoft.com/office/drawing/2014/main" id="{89E63ED5-630F-43AA-8465-4A3776A72BA9}"/>
               </a:ext>
             </a:extLst>
           </p:cNvPr>
@@ -3961,108 +3935,8 @@
         </p:nvSpPr>
         <p:spPr>
           <a:xfrm>
-            <a:off x="3399356" y="2071738"/>
-            <a:ext cx="3437214" cy="3357512"/>
-          </a:xfrm>
-          <a:prstGeom prst="roundRect">
-            <a:avLst>
-              <a:gd name="adj" fmla="val 3547"/>
-            </a:avLst>
-          </a:prstGeom>
-          <a:noFill/>
-          <a:ln>
-            <a:solidFill>
-              <a:srgbClr val="FF0000"/>
-            </a:solidFill>
-          </a:ln>
-        </p:spPr>
-        <p:style>
-          <a:lnRef idx="2">
-            <a:schemeClr val="accent1">
-              <a:shade val="50000"/>
-            </a:schemeClr>
-          </a:lnRef>
-          <a:fillRef idx="1">
-            <a:schemeClr val="accent1"/>
-          </a:fillRef>
-          <a:effectRef idx="0">
-            <a:schemeClr val="accent1"/>
-          </a:effectRef>
-          <a:fontRef idx="minor">
-            <a:schemeClr val="lt1"/>
-          </a:fontRef>
-        </p:style>
-        <p:txBody>
-          <a:bodyPr rtlCol="0" anchor="ctr"/>
-          <a:lstStyle/>
-          <a:p>
-            <a:pPr algn="ctr"/>
-            <a:endParaRPr lang="en-US"/>
-          </a:p>
-        </p:txBody>
-      </p:sp>
-      <p:pic>
-        <p:nvPicPr>
-          <p:cNvPr id="12" name="Graphic 11" descr="Arrow: Counter-clockwise curve with solid fill">
-            <a:extLst>
-              <a:ext uri="{FF2B5EF4-FFF2-40B4-BE49-F238E27FC236}">
-                <a16:creationId xmlns:a16="http://schemas.microsoft.com/office/drawing/2014/main" id="{D253C75C-8DF5-4D0B-AB98-FCE12F42F05E}"/>
-              </a:ext>
-            </a:extLst>
-          </p:cNvPr>
-          <p:cNvPicPr>
-            <a:picLocks noChangeAspect="1"/>
-          </p:cNvPicPr>
-          <p:nvPr/>
-        </p:nvPicPr>
-        <p:blipFill>
-          <a:blip r:embed="rId5">
-            <a:extLst>
-              <a:ext uri="{28A0092B-C50C-407E-A947-70E740481C1C}">
-                <a14:useLocalDpi xmlns:a14="http://schemas.microsoft.com/office/drawing/2010/main" val="0"/>
-              </a:ext>
-              <a:ext uri="{96DAC541-7B7A-43D3-8B79-37D633B846F1}">
-                <asvg:svgBlip xmlns:asvg="http://schemas.microsoft.com/office/drawing/2016/SVG/main" r:embed="rId6"/>
-              </a:ext>
-            </a:extLst>
-          </a:blip>
-          <a:stretch>
-            <a:fillRect/>
-          </a:stretch>
-        </p:blipFill>
-        <p:spPr>
-          <a:xfrm rot="3078518" flipH="1">
-            <a:off x="1198782" y="4324059"/>
-            <a:ext cx="1029068" cy="1038410"/>
-          </a:xfrm>
-          <a:prstGeom prst="rect">
-            <a:avLst/>
-          </a:prstGeom>
-          <a:effectLst>
-            <a:outerShdw blurRad="50800" dist="38100" dir="2700000" algn="tl" rotWithShape="0">
-              <a:prstClr val="black">
-                <a:alpha val="40000"/>
-              </a:prstClr>
-            </a:outerShdw>
-          </a:effectLst>
-        </p:spPr>
-      </p:pic>
-      <p:sp>
-        <p:nvSpPr>
-          <p:cNvPr id="13" name="Rectangle: Rounded Corners 12">
-            <a:extLst>
-              <a:ext uri="{FF2B5EF4-FFF2-40B4-BE49-F238E27FC236}">
-                <a16:creationId xmlns:a16="http://schemas.microsoft.com/office/drawing/2014/main" id="{206E90ED-E046-4DEE-B163-6D9C988A900E}"/>
-              </a:ext>
-            </a:extLst>
-          </p:cNvPr>
-          <p:cNvSpPr/>
-          <p:nvPr/>
-        </p:nvSpPr>
-        <p:spPr>
-          <a:xfrm>
-            <a:off x="173912" y="5026156"/>
-            <a:ext cx="1735271" cy="865376"/>
+            <a:off x="5352437" y="5388940"/>
+            <a:ext cx="1735271" cy="531574"/>
           </a:xfrm>
           <a:prstGeom prst="roundRect">
             <a:avLst/>
@@ -4112,21 +3986,7 @@
                 <a:latin typeface="Poppins" panose="020B0502040204020203" pitchFamily="2" charset="0"/>
                 <a:cs typeface="Poppins" panose="020B0502040204020203" pitchFamily="2" charset="0"/>
               </a:rPr>
-              <a:t>Results </a:t>
-            </a:r>
-            <a:r>
-              <a:rPr lang="pt-BR" sz="1600" dirty="0">
-                <a:latin typeface="Poppins" panose="020B0502040204020203" pitchFamily="2" charset="0"/>
-                <a:cs typeface="Poppins" panose="020B0502040204020203" pitchFamily="2" charset="0"/>
-              </a:rPr>
-              <a:t>are shown below</a:t>
-            </a:r>
-            <a:r>
-              <a:rPr lang="en-US" sz="1600" dirty="0">
-                <a:latin typeface="Poppins" panose="020B0502040204020203" pitchFamily="2" charset="0"/>
-                <a:cs typeface="Poppins" panose="020B0502040204020203" pitchFamily="2" charset="0"/>
-              </a:rPr>
-              <a:t>!</a:t>
+              <a:t>Results</a:t>
             </a:r>
             <a:endParaRPr lang="pt-BR" sz="1600" dirty="0">
               <a:latin typeface="Poppins" panose="020B0502040204020203" pitchFamily="2" charset="0"/>
@@ -4137,10 +3997,10 @@
       </p:sp>
       <p:sp>
         <p:nvSpPr>
-          <p:cNvPr id="15" name="Rectangle: Rounded Corners 14">
-            <a:extLst>
-              <a:ext uri="{FF2B5EF4-FFF2-40B4-BE49-F238E27FC236}">
-                <a16:creationId xmlns:a16="http://schemas.microsoft.com/office/drawing/2014/main" id="{D21D5A7A-A177-46AE-B712-40DF5A0A80BB}"/>
+          <p:cNvPr id="21" name="Rectangle: Rounded Corners 20">
+            <a:extLst>
+              <a:ext uri="{FF2B5EF4-FFF2-40B4-BE49-F238E27FC236}">
+                <a16:creationId xmlns:a16="http://schemas.microsoft.com/office/drawing/2014/main" id="{E9651CAC-2F98-47E3-929A-321DB5A64BF0}"/>
               </a:ext>
             </a:extLst>
           </p:cNvPr>
@@ -4149,12 +4009,12 @@
         </p:nvSpPr>
         <p:spPr>
           <a:xfrm>
-            <a:off x="2226011" y="4414950"/>
-            <a:ext cx="1010280" cy="1453673"/>
+            <a:off x="372347" y="6096002"/>
+            <a:ext cx="4091011" cy="3005750"/>
           </a:xfrm>
           <a:prstGeom prst="roundRect">
             <a:avLst>
-              <a:gd name="adj" fmla="val 7025"/>
+              <a:gd name="adj" fmla="val 7231"/>
             </a:avLst>
           </a:prstGeom>
           <a:noFill/>
@@ -4189,10 +4049,7041 @@
           </a:p>
         </p:txBody>
       </p:sp>
+      <p:sp>
+        <p:nvSpPr>
+          <p:cNvPr id="22" name="Rectangle: Rounded Corners 21">
+            <a:extLst>
+              <a:ext uri="{FF2B5EF4-FFF2-40B4-BE49-F238E27FC236}">
+                <a16:creationId xmlns:a16="http://schemas.microsoft.com/office/drawing/2014/main" id="{98900EA3-316C-4423-A538-ADA2D58E7426}"/>
+              </a:ext>
+            </a:extLst>
+          </p:cNvPr>
+          <p:cNvSpPr/>
+          <p:nvPr/>
+        </p:nvSpPr>
+        <p:spPr>
+          <a:xfrm>
+            <a:off x="347553" y="65464"/>
+            <a:ext cx="8425255" cy="2025273"/>
+          </a:xfrm>
+          <a:prstGeom prst="roundRect">
+            <a:avLst>
+              <a:gd name="adj" fmla="val 12875"/>
+            </a:avLst>
+          </a:prstGeom>
+          <a:noFill/>
+          <a:ln>
+            <a:solidFill>
+              <a:srgbClr val="FF0000"/>
+            </a:solidFill>
+          </a:ln>
+        </p:spPr>
+        <p:style>
+          <a:lnRef idx="2">
+            <a:schemeClr val="accent1">
+              <a:shade val="50000"/>
+            </a:schemeClr>
+          </a:lnRef>
+          <a:fillRef idx="1">
+            <a:schemeClr val="accent1"/>
+          </a:fillRef>
+          <a:effectRef idx="0">
+            <a:schemeClr val="accent1"/>
+          </a:effectRef>
+          <a:fontRef idx="minor">
+            <a:schemeClr val="lt1"/>
+          </a:fontRef>
+        </p:style>
+        <p:txBody>
+          <a:bodyPr rtlCol="0" anchor="ctr"/>
+          <a:lstStyle/>
+          <a:p>
+            <a:pPr algn="ctr"/>
+            <a:endParaRPr lang="en-US"/>
+          </a:p>
+        </p:txBody>
+      </p:sp>
+      <p:pic>
+        <p:nvPicPr>
+          <p:cNvPr id="23" name="Graphic 22" descr="Arrow: Slight curve with solid fill">
+            <a:extLst>
+              <a:ext uri="{FF2B5EF4-FFF2-40B4-BE49-F238E27FC236}">
+                <a16:creationId xmlns:a16="http://schemas.microsoft.com/office/drawing/2014/main" id="{72D75F1E-AA33-40DD-8BED-EDB6A3123DA8}"/>
+              </a:ext>
+            </a:extLst>
+          </p:cNvPr>
+          <p:cNvPicPr>
+            <a:picLocks noChangeAspect="1"/>
+          </p:cNvPicPr>
+          <p:nvPr/>
+        </p:nvPicPr>
+        <p:blipFill>
+          <a:blip r:embed="rId3">
+            <a:extLst>
+              <a:ext uri="{28A0092B-C50C-407E-A947-70E740481C1C}">
+                <a14:useLocalDpi xmlns:a14="http://schemas.microsoft.com/office/drawing/2010/main" val="0"/>
+              </a:ext>
+              <a:ext uri="{96DAC541-7B7A-43D3-8B79-37D633B846F1}">
+                <asvg:svgBlip xmlns:asvg="http://schemas.microsoft.com/office/drawing/2016/SVG/main" r:embed="rId4"/>
+              </a:ext>
+            </a:extLst>
+          </a:blip>
+          <a:stretch>
+            <a:fillRect/>
+          </a:stretch>
+        </p:blipFill>
+        <p:spPr>
+          <a:xfrm rot="20285167" flipH="1" flipV="1">
+            <a:off x="4165594" y="5295547"/>
+            <a:ext cx="1219834" cy="921727"/>
+          </a:xfrm>
+          <a:prstGeom prst="rect">
+            <a:avLst/>
+          </a:prstGeom>
+          <a:effectLst>
+            <a:outerShdw blurRad="50800" dist="38100" dir="2700000" algn="tl" rotWithShape="0">
+              <a:prstClr val="black">
+                <a:alpha val="40000"/>
+              </a:prstClr>
+            </a:outerShdw>
+          </a:effectLst>
+        </p:spPr>
+      </p:pic>
+    </p:spTree>
+    <p:extLst>
+      <p:ext uri="{BB962C8B-B14F-4D97-AF65-F5344CB8AC3E}">
+        <p14:creationId xmlns:p14="http://schemas.microsoft.com/office/powerpoint/2010/main" val="2033165590"/>
+      </p:ext>
+    </p:extLst>
+  </p:cSld>
+  <p:clrMapOvr>
+    <a:masterClrMapping/>
+  </p:clrMapOvr>
+</p:sld>
+</file>
+
+<file path=ppt/slides/slide3.xml><?xml version="1.0" encoding="utf-8"?>
+<p:sld xmlns:a="http://schemas.openxmlformats.org/drawingml/2006/main" xmlns:r="http://schemas.openxmlformats.org/officeDocument/2006/relationships" xmlns:p="http://schemas.openxmlformats.org/presentationml/2006/main">
+  <p:cSld>
+    <p:spTree>
+      <p:nvGrpSpPr>
+        <p:cNvPr id="1" name=""/>
+        <p:cNvGrpSpPr/>
+        <p:nvPr/>
+      </p:nvGrpSpPr>
+      <p:grpSpPr>
+        <a:xfrm>
+          <a:off x="0" y="0"/>
+          <a:ext cx="0" cy="0"/>
+          <a:chOff x="0" y="0"/>
+          <a:chExt cx="0" cy="0"/>
+        </a:xfrm>
+      </p:grpSpPr>
+      <p:pic>
+        <p:nvPicPr>
+          <p:cNvPr id="5" name="Picture 4">
+            <a:extLst>
+              <a:ext uri="{FF2B5EF4-FFF2-40B4-BE49-F238E27FC236}">
+                <a16:creationId xmlns:a16="http://schemas.microsoft.com/office/drawing/2014/main" id="{16AA3DA1-1AC2-40C6-919C-94AE4370E8F2}"/>
+              </a:ext>
+            </a:extLst>
+          </p:cNvPr>
+          <p:cNvPicPr>
+            <a:picLocks noChangeAspect="1"/>
+          </p:cNvPicPr>
+          <p:nvPr/>
+        </p:nvPicPr>
+        <p:blipFill rotWithShape="1">
+          <a:blip r:embed="rId2"/>
+          <a:srcRect r="1902"/>
+          <a:stretch/>
+        </p:blipFill>
+        <p:spPr>
+          <a:xfrm>
+            <a:off x="0" y="739752"/>
+            <a:ext cx="8970088" cy="5378496"/>
+          </a:xfrm>
+          <a:prstGeom prst="rect">
+            <a:avLst/>
+          </a:prstGeom>
+        </p:spPr>
+      </p:pic>
+      <p:pic>
+        <p:nvPicPr>
+          <p:cNvPr id="6" name="Graphic 5" descr="Arrow: Slight curve with solid fill">
+            <a:extLst>
+              <a:ext uri="{FF2B5EF4-FFF2-40B4-BE49-F238E27FC236}">
+                <a16:creationId xmlns:a16="http://schemas.microsoft.com/office/drawing/2014/main" id="{B404A1CC-2A1A-4D78-94B8-BC5395E8B658}"/>
+              </a:ext>
+            </a:extLst>
+          </p:cNvPr>
+          <p:cNvPicPr>
+            <a:picLocks noChangeAspect="1"/>
+          </p:cNvPicPr>
+          <p:nvPr/>
+        </p:nvPicPr>
+        <p:blipFill>
+          <a:blip r:embed="rId3">
+            <a:extLst>
+              <a:ext uri="{28A0092B-C50C-407E-A947-70E740481C1C}">
+                <a14:useLocalDpi xmlns:a14="http://schemas.microsoft.com/office/drawing/2010/main" val="0"/>
+              </a:ext>
+              <a:ext uri="{96DAC541-7B7A-43D3-8B79-37D633B846F1}">
+                <asvg:svgBlip xmlns:asvg="http://schemas.microsoft.com/office/drawing/2016/SVG/main" r:embed="rId4"/>
+              </a:ext>
+            </a:extLst>
+          </a:blip>
+          <a:stretch>
+            <a:fillRect/>
+          </a:stretch>
+        </p:blipFill>
+        <p:spPr>
+          <a:xfrm rot="583993">
+            <a:off x="1276718" y="2901676"/>
+            <a:ext cx="914400" cy="914400"/>
+          </a:xfrm>
+          <a:prstGeom prst="rect">
+            <a:avLst/>
+          </a:prstGeom>
+          <a:effectLst>
+            <a:outerShdw blurRad="50800" dist="38100" dir="2700000" algn="tl" rotWithShape="0">
+              <a:prstClr val="black">
+                <a:alpha val="40000"/>
+              </a:prstClr>
+            </a:outerShdw>
+          </a:effectLst>
+        </p:spPr>
+      </p:pic>
+      <p:sp>
+        <p:nvSpPr>
+          <p:cNvPr id="7" name="Rectangle: Rounded Corners 6">
+            <a:extLst>
+              <a:ext uri="{FF2B5EF4-FFF2-40B4-BE49-F238E27FC236}">
+                <a16:creationId xmlns:a16="http://schemas.microsoft.com/office/drawing/2014/main" id="{3FD08604-4068-41D0-95CF-6C6C745A04AA}"/>
+              </a:ext>
+            </a:extLst>
+          </p:cNvPr>
+          <p:cNvSpPr/>
+          <p:nvPr/>
+        </p:nvSpPr>
+        <p:spPr>
+          <a:xfrm>
+            <a:off x="66680" y="1939626"/>
+            <a:ext cx="1987401" cy="1169415"/>
+          </a:xfrm>
+          <a:prstGeom prst="roundRect">
+            <a:avLst/>
+          </a:prstGeom>
+          <a:solidFill>
+            <a:srgbClr val="ECECEC"/>
+          </a:solidFill>
+          <a:ln>
+            <a:solidFill>
+              <a:schemeClr val="bg1">
+                <a:lumMod val="85000"/>
+              </a:schemeClr>
+            </a:solidFill>
+          </a:ln>
+          <a:effectLst>
+            <a:outerShdw blurRad="50800" dist="38100" dir="2700000" algn="tl" rotWithShape="0">
+              <a:prstClr val="black">
+                <a:alpha val="40000"/>
+              </a:prstClr>
+            </a:outerShdw>
+          </a:effectLst>
+        </p:spPr>
+        <p:style>
+          <a:lnRef idx="2">
+            <a:schemeClr val="dk1"/>
+          </a:lnRef>
+          <a:fillRef idx="1">
+            <a:schemeClr val="lt1"/>
+          </a:fillRef>
+          <a:effectRef idx="0">
+            <a:schemeClr val="dk1"/>
+          </a:effectRef>
+          <a:fontRef idx="minor">
+            <a:schemeClr val="dk1"/>
+          </a:fontRef>
+        </p:style>
+        <p:txBody>
+          <a:bodyPr rtlCol="0" anchor="ctr"/>
+          <a:lstStyle/>
+          <a:p>
+            <a:pPr algn="ctr"/>
+            <a:r>
+              <a:rPr lang="pt-BR" sz="1600" b="1" dirty="0">
+                <a:solidFill>
+                  <a:srgbClr val="FF0000"/>
+                </a:solidFill>
+                <a:latin typeface="Poppins" panose="020B0502040204020203" pitchFamily="2" charset="0"/>
+                <a:cs typeface="Poppins" panose="020B0502040204020203" pitchFamily="2" charset="0"/>
+              </a:rPr>
+              <a:t>Start here!</a:t>
+            </a:r>
+            <a:r>
+              <a:rPr lang="pt-BR" sz="1600" dirty="0">
+                <a:latin typeface="Poppins" panose="020B0502040204020203" pitchFamily="2" charset="0"/>
+                <a:cs typeface="Poppins" panose="020B0502040204020203" pitchFamily="2" charset="0"/>
+              </a:rPr>
+              <a:t> </a:t>
+            </a:r>
+          </a:p>
+          <a:p>
+            <a:pPr algn="ctr"/>
+            <a:r>
+              <a:rPr lang="pt-BR" sz="1400" dirty="0">
+                <a:latin typeface="Poppins" panose="020B0502040204020203" pitchFamily="2" charset="0"/>
+                <a:cs typeface="Poppins" panose="020B0502040204020203" pitchFamily="2" charset="0"/>
+              </a:rPr>
+              <a:t>Choose a cross-sections to calculate</a:t>
+            </a:r>
+            <a:endParaRPr lang="en-US" sz="1600" dirty="0">
+              <a:latin typeface="Poppins" panose="020B0502040204020203" pitchFamily="2" charset="0"/>
+              <a:cs typeface="Poppins" panose="020B0502040204020203" pitchFamily="2" charset="0"/>
+            </a:endParaRPr>
+          </a:p>
+        </p:txBody>
+      </p:sp>
+      <p:sp>
+        <p:nvSpPr>
+          <p:cNvPr id="8" name="Rectangle: Rounded Corners 7">
+            <a:extLst>
+              <a:ext uri="{FF2B5EF4-FFF2-40B4-BE49-F238E27FC236}">
+                <a16:creationId xmlns:a16="http://schemas.microsoft.com/office/drawing/2014/main" id="{9DF88446-7CF7-46EC-9344-AEEDDB7B1357}"/>
+              </a:ext>
+            </a:extLst>
+          </p:cNvPr>
+          <p:cNvSpPr/>
+          <p:nvPr/>
+        </p:nvSpPr>
+        <p:spPr>
+          <a:xfrm>
+            <a:off x="2231395" y="2962241"/>
+            <a:ext cx="1010280" cy="1222410"/>
+          </a:xfrm>
+          <a:prstGeom prst="roundRect">
+            <a:avLst>
+              <a:gd name="adj" fmla="val 6397"/>
+            </a:avLst>
+          </a:prstGeom>
+          <a:noFill/>
+          <a:ln>
+            <a:solidFill>
+              <a:srgbClr val="FF0000"/>
+            </a:solidFill>
+          </a:ln>
+        </p:spPr>
+        <p:style>
+          <a:lnRef idx="2">
+            <a:schemeClr val="accent1">
+              <a:shade val="50000"/>
+            </a:schemeClr>
+          </a:lnRef>
+          <a:fillRef idx="1">
+            <a:schemeClr val="accent1"/>
+          </a:fillRef>
+          <a:effectRef idx="0">
+            <a:schemeClr val="accent1"/>
+          </a:effectRef>
+          <a:fontRef idx="minor">
+            <a:schemeClr val="lt1"/>
+          </a:fontRef>
+        </p:style>
+        <p:txBody>
+          <a:bodyPr rtlCol="0" anchor="ctr"/>
+          <a:lstStyle/>
+          <a:p>
+            <a:pPr algn="ctr"/>
+            <a:endParaRPr lang="en-US"/>
+          </a:p>
+        </p:txBody>
+      </p:sp>
+      <p:pic>
+        <p:nvPicPr>
+          <p:cNvPr id="9" name="Graphic 8" descr="Arrow: Counter-clockwise curve with solid fill">
+            <a:extLst>
+              <a:ext uri="{FF2B5EF4-FFF2-40B4-BE49-F238E27FC236}">
+                <a16:creationId xmlns:a16="http://schemas.microsoft.com/office/drawing/2014/main" id="{D052274C-9E5D-48C3-B744-C2DEB230FC8D}"/>
+              </a:ext>
+            </a:extLst>
+          </p:cNvPr>
+          <p:cNvPicPr>
+            <a:picLocks noChangeAspect="1"/>
+          </p:cNvPicPr>
+          <p:nvPr/>
+        </p:nvPicPr>
+        <p:blipFill>
+          <a:blip r:embed="rId5">
+            <a:extLst>
+              <a:ext uri="{28A0092B-C50C-407E-A947-70E740481C1C}">
+                <a14:useLocalDpi xmlns:a14="http://schemas.microsoft.com/office/drawing/2010/main" val="0"/>
+              </a:ext>
+              <a:ext uri="{96DAC541-7B7A-43D3-8B79-37D633B846F1}">
+                <asvg:svgBlip xmlns:asvg="http://schemas.microsoft.com/office/drawing/2016/SVG/main" r:embed="rId6"/>
+              </a:ext>
+            </a:extLst>
+          </a:blip>
+          <a:stretch>
+            <a:fillRect/>
+          </a:stretch>
+        </p:blipFill>
+        <p:spPr>
+          <a:xfrm rot="18414779">
+            <a:off x="6814243" y="2173071"/>
+            <a:ext cx="1177454" cy="1188143"/>
+          </a:xfrm>
+          <a:prstGeom prst="rect">
+            <a:avLst/>
+          </a:prstGeom>
+          <a:effectLst>
+            <a:outerShdw blurRad="50800" dist="38100" dir="2700000" algn="tl" rotWithShape="0">
+              <a:prstClr val="black">
+                <a:alpha val="40000"/>
+              </a:prstClr>
+            </a:outerShdw>
+          </a:effectLst>
+        </p:spPr>
+      </p:pic>
+      <p:sp>
+        <p:nvSpPr>
+          <p:cNvPr id="10" name="Rectangle: Rounded Corners 9">
+            <a:extLst>
+              <a:ext uri="{FF2B5EF4-FFF2-40B4-BE49-F238E27FC236}">
+                <a16:creationId xmlns:a16="http://schemas.microsoft.com/office/drawing/2014/main" id="{D45AA669-4154-484E-811D-EFC07A1BD260}"/>
+              </a:ext>
+            </a:extLst>
+          </p:cNvPr>
+          <p:cNvSpPr/>
+          <p:nvPr/>
+        </p:nvSpPr>
+        <p:spPr>
+          <a:xfrm>
+            <a:off x="6912605" y="3017502"/>
+            <a:ext cx="1937345" cy="1494452"/>
+          </a:xfrm>
+          <a:prstGeom prst="roundRect">
+            <a:avLst/>
+          </a:prstGeom>
+          <a:solidFill>
+            <a:srgbClr val="ECECEC"/>
+          </a:solidFill>
+          <a:ln>
+            <a:solidFill>
+              <a:schemeClr val="bg1">
+                <a:lumMod val="85000"/>
+              </a:schemeClr>
+            </a:solidFill>
+          </a:ln>
+          <a:effectLst>
+            <a:outerShdw blurRad="50800" dist="38100" dir="2700000" algn="tl" rotWithShape="0">
+              <a:prstClr val="black">
+                <a:alpha val="40000"/>
+              </a:prstClr>
+            </a:outerShdw>
+          </a:effectLst>
+        </p:spPr>
+        <p:style>
+          <a:lnRef idx="2">
+            <a:schemeClr val="dk1"/>
+          </a:lnRef>
+          <a:fillRef idx="1">
+            <a:schemeClr val="lt1"/>
+          </a:fillRef>
+          <a:effectRef idx="0">
+            <a:schemeClr val="dk1"/>
+          </a:effectRef>
+          <a:fontRef idx="minor">
+            <a:schemeClr val="dk1"/>
+          </a:fontRef>
+        </p:style>
+        <p:txBody>
+          <a:bodyPr rtlCol="0" anchor="ctr"/>
+          <a:lstStyle/>
+          <a:p>
+            <a:pPr algn="ctr"/>
+            <a:r>
+              <a:rPr lang="pt-BR" sz="1600" dirty="0">
+                <a:solidFill>
+                  <a:schemeClr val="tx1"/>
+                </a:solidFill>
+                <a:latin typeface="Poppins" panose="020B0502040204020203" pitchFamily="2" charset="0"/>
+                <a:cs typeface="Poppins" panose="020B0502040204020203" pitchFamily="2" charset="0"/>
+              </a:rPr>
+              <a:t>The </a:t>
+            </a:r>
+            <a:r>
+              <a:rPr lang="pt-BR" sz="1600" b="1" dirty="0">
+                <a:solidFill>
+                  <a:srgbClr val="FF0000"/>
+                </a:solidFill>
+                <a:latin typeface="Poppins" panose="020B0502040204020203" pitchFamily="2" charset="0"/>
+                <a:cs typeface="Poppins" panose="020B0502040204020203" pitchFamily="2" charset="0"/>
+              </a:rPr>
+              <a:t>plots</a:t>
+            </a:r>
+            <a:r>
+              <a:rPr lang="pt-BR" sz="1600" dirty="0">
+                <a:solidFill>
+                  <a:schemeClr val="tx1"/>
+                </a:solidFill>
+                <a:latin typeface="Poppins" panose="020B0502040204020203" pitchFamily="2" charset="0"/>
+                <a:cs typeface="Poppins" panose="020B0502040204020203" pitchFamily="2" charset="0"/>
+              </a:rPr>
+              <a:t> will show how each dimension affects each result!</a:t>
+            </a:r>
+          </a:p>
+        </p:txBody>
+      </p:sp>
+      <p:sp>
+        <p:nvSpPr>
+          <p:cNvPr id="11" name="Rectangle: Rounded Corners 10">
+            <a:extLst>
+              <a:ext uri="{FF2B5EF4-FFF2-40B4-BE49-F238E27FC236}">
+                <a16:creationId xmlns:a16="http://schemas.microsoft.com/office/drawing/2014/main" id="{4F6E8492-94D4-4B1D-AA48-975D771C82AC}"/>
+              </a:ext>
+            </a:extLst>
+          </p:cNvPr>
+          <p:cNvSpPr/>
+          <p:nvPr/>
+        </p:nvSpPr>
+        <p:spPr>
+          <a:xfrm>
+            <a:off x="3399356" y="2071738"/>
+            <a:ext cx="3437214" cy="3357512"/>
+          </a:xfrm>
+          <a:prstGeom prst="roundRect">
+            <a:avLst>
+              <a:gd name="adj" fmla="val 3547"/>
+            </a:avLst>
+          </a:prstGeom>
+          <a:noFill/>
+          <a:ln>
+            <a:solidFill>
+              <a:srgbClr val="FF0000"/>
+            </a:solidFill>
+          </a:ln>
+        </p:spPr>
+        <p:style>
+          <a:lnRef idx="2">
+            <a:schemeClr val="accent1">
+              <a:shade val="50000"/>
+            </a:schemeClr>
+          </a:lnRef>
+          <a:fillRef idx="1">
+            <a:schemeClr val="accent1"/>
+          </a:fillRef>
+          <a:effectRef idx="0">
+            <a:schemeClr val="accent1"/>
+          </a:effectRef>
+          <a:fontRef idx="minor">
+            <a:schemeClr val="lt1"/>
+          </a:fontRef>
+        </p:style>
+        <p:txBody>
+          <a:bodyPr rtlCol="0" anchor="ctr"/>
+          <a:lstStyle/>
+          <a:p>
+            <a:pPr algn="ctr"/>
+            <a:endParaRPr lang="en-US"/>
+          </a:p>
+        </p:txBody>
+      </p:sp>
+      <p:pic>
+        <p:nvPicPr>
+          <p:cNvPr id="12" name="Graphic 11" descr="Arrow: Counter-clockwise curve with solid fill">
+            <a:extLst>
+              <a:ext uri="{FF2B5EF4-FFF2-40B4-BE49-F238E27FC236}">
+                <a16:creationId xmlns:a16="http://schemas.microsoft.com/office/drawing/2014/main" id="{D253C75C-8DF5-4D0B-AB98-FCE12F42F05E}"/>
+              </a:ext>
+            </a:extLst>
+          </p:cNvPr>
+          <p:cNvPicPr>
+            <a:picLocks noChangeAspect="1"/>
+          </p:cNvPicPr>
+          <p:nvPr/>
+        </p:nvPicPr>
+        <p:blipFill>
+          <a:blip r:embed="rId5">
+            <a:extLst>
+              <a:ext uri="{28A0092B-C50C-407E-A947-70E740481C1C}">
+                <a14:useLocalDpi xmlns:a14="http://schemas.microsoft.com/office/drawing/2010/main" val="0"/>
+              </a:ext>
+              <a:ext uri="{96DAC541-7B7A-43D3-8B79-37D633B846F1}">
+                <asvg:svgBlip xmlns:asvg="http://schemas.microsoft.com/office/drawing/2016/SVG/main" r:embed="rId6"/>
+              </a:ext>
+            </a:extLst>
+          </a:blip>
+          <a:stretch>
+            <a:fillRect/>
+          </a:stretch>
+        </p:blipFill>
+        <p:spPr>
+          <a:xfrm rot="3078518" flipH="1">
+            <a:off x="1198782" y="4324059"/>
+            <a:ext cx="1029068" cy="1038410"/>
+          </a:xfrm>
+          <a:prstGeom prst="rect">
+            <a:avLst/>
+          </a:prstGeom>
+          <a:effectLst>
+            <a:outerShdw blurRad="50800" dist="38100" dir="2700000" algn="tl" rotWithShape="0">
+              <a:prstClr val="black">
+                <a:alpha val="40000"/>
+              </a:prstClr>
+            </a:outerShdw>
+          </a:effectLst>
+        </p:spPr>
+      </p:pic>
+      <p:sp>
+        <p:nvSpPr>
+          <p:cNvPr id="13" name="Rectangle: Rounded Corners 12">
+            <a:extLst>
+              <a:ext uri="{FF2B5EF4-FFF2-40B4-BE49-F238E27FC236}">
+                <a16:creationId xmlns:a16="http://schemas.microsoft.com/office/drawing/2014/main" id="{206E90ED-E046-4DEE-B163-6D9C988A900E}"/>
+              </a:ext>
+            </a:extLst>
+          </p:cNvPr>
+          <p:cNvSpPr/>
+          <p:nvPr/>
+        </p:nvSpPr>
+        <p:spPr>
+          <a:xfrm>
+            <a:off x="173912" y="5026156"/>
+            <a:ext cx="1735271" cy="865376"/>
+          </a:xfrm>
+          <a:prstGeom prst="roundRect">
+            <a:avLst/>
+          </a:prstGeom>
+          <a:solidFill>
+            <a:srgbClr val="ECECEC"/>
+          </a:solidFill>
+          <a:ln>
+            <a:solidFill>
+              <a:schemeClr val="bg1">
+                <a:lumMod val="85000"/>
+              </a:schemeClr>
+            </a:solidFill>
+          </a:ln>
+          <a:effectLst>
+            <a:outerShdw blurRad="50800" dist="38100" dir="2700000" algn="tl" rotWithShape="0">
+              <a:prstClr val="black">
+                <a:alpha val="40000"/>
+              </a:prstClr>
+            </a:outerShdw>
+          </a:effectLst>
+        </p:spPr>
+        <p:style>
+          <a:lnRef idx="2">
+            <a:schemeClr val="dk1"/>
+          </a:lnRef>
+          <a:fillRef idx="1">
+            <a:schemeClr val="lt1"/>
+          </a:fillRef>
+          <a:effectRef idx="0">
+            <a:schemeClr val="dk1"/>
+          </a:effectRef>
+          <a:fontRef idx="minor">
+            <a:schemeClr val="dk1"/>
+          </a:fontRef>
+        </p:style>
+        <p:txBody>
+          <a:bodyPr rtlCol="0" anchor="ctr"/>
+          <a:lstStyle/>
+          <a:p>
+            <a:pPr algn="ctr"/>
+            <a:r>
+              <a:rPr lang="pt-BR" sz="1600" b="1" dirty="0">
+                <a:solidFill>
+                  <a:srgbClr val="FF0000"/>
+                </a:solidFill>
+                <a:latin typeface="Poppins" panose="020B0502040204020203" pitchFamily="2" charset="0"/>
+                <a:cs typeface="Poppins" panose="020B0502040204020203" pitchFamily="2" charset="0"/>
+              </a:rPr>
+              <a:t>Results </a:t>
+            </a:r>
+            <a:r>
+              <a:rPr lang="pt-BR" sz="1600" dirty="0">
+                <a:latin typeface="Poppins" panose="020B0502040204020203" pitchFamily="2" charset="0"/>
+                <a:cs typeface="Poppins" panose="020B0502040204020203" pitchFamily="2" charset="0"/>
+              </a:rPr>
+              <a:t>are shown below</a:t>
+            </a:r>
+            <a:r>
+              <a:rPr lang="en-US" sz="1600" dirty="0">
+                <a:latin typeface="Poppins" panose="020B0502040204020203" pitchFamily="2" charset="0"/>
+                <a:cs typeface="Poppins" panose="020B0502040204020203" pitchFamily="2" charset="0"/>
+              </a:rPr>
+              <a:t>!</a:t>
+            </a:r>
+            <a:endParaRPr lang="pt-BR" sz="1600" dirty="0">
+              <a:latin typeface="Poppins" panose="020B0502040204020203" pitchFamily="2" charset="0"/>
+              <a:cs typeface="Poppins" panose="020B0502040204020203" pitchFamily="2" charset="0"/>
+            </a:endParaRPr>
+          </a:p>
+        </p:txBody>
+      </p:sp>
+      <p:sp>
+        <p:nvSpPr>
+          <p:cNvPr id="15" name="Rectangle: Rounded Corners 14">
+            <a:extLst>
+              <a:ext uri="{FF2B5EF4-FFF2-40B4-BE49-F238E27FC236}">
+                <a16:creationId xmlns:a16="http://schemas.microsoft.com/office/drawing/2014/main" id="{D21D5A7A-A177-46AE-B712-40DF5A0A80BB}"/>
+              </a:ext>
+            </a:extLst>
+          </p:cNvPr>
+          <p:cNvSpPr/>
+          <p:nvPr/>
+        </p:nvSpPr>
+        <p:spPr>
+          <a:xfrm>
+            <a:off x="2226011" y="4414950"/>
+            <a:ext cx="1010280" cy="1453673"/>
+          </a:xfrm>
+          <a:prstGeom prst="roundRect">
+            <a:avLst>
+              <a:gd name="adj" fmla="val 7025"/>
+            </a:avLst>
+          </a:prstGeom>
+          <a:noFill/>
+          <a:ln>
+            <a:solidFill>
+              <a:srgbClr val="FF0000"/>
+            </a:solidFill>
+          </a:ln>
+        </p:spPr>
+        <p:style>
+          <a:lnRef idx="2">
+            <a:schemeClr val="accent1">
+              <a:shade val="50000"/>
+            </a:schemeClr>
+          </a:lnRef>
+          <a:fillRef idx="1">
+            <a:schemeClr val="accent1"/>
+          </a:fillRef>
+          <a:effectRef idx="0">
+            <a:schemeClr val="accent1"/>
+          </a:effectRef>
+          <a:fontRef idx="minor">
+            <a:schemeClr val="lt1"/>
+          </a:fontRef>
+        </p:style>
+        <p:txBody>
+          <a:bodyPr rtlCol="0" anchor="ctr"/>
+          <a:lstStyle/>
+          <a:p>
+            <a:pPr algn="ctr"/>
+            <a:endParaRPr lang="en-US"/>
+          </a:p>
+        </p:txBody>
+      </p:sp>
     </p:spTree>
     <p:extLst>
       <p:ext uri="{BB962C8B-B14F-4D97-AF65-F5344CB8AC3E}">
         <p14:creationId xmlns:p14="http://schemas.microsoft.com/office/powerpoint/2010/main" val="433269304"/>
+      </p:ext>
+    </p:extLst>
+  </p:cSld>
+  <p:clrMapOvr>
+    <a:masterClrMapping/>
+  </p:clrMapOvr>
+</p:sld>
+</file>
+
+<file path=ppt/slides/slide4.xml><?xml version="1.0" encoding="utf-8"?>
+<p:sld xmlns:a="http://schemas.openxmlformats.org/drawingml/2006/main" xmlns:r="http://schemas.openxmlformats.org/officeDocument/2006/relationships" xmlns:p="http://schemas.openxmlformats.org/presentationml/2006/main">
+  <p:cSld>
+    <p:spTree>
+      <p:nvGrpSpPr>
+        <p:cNvPr id="1" name=""/>
+        <p:cNvGrpSpPr/>
+        <p:nvPr/>
+      </p:nvGrpSpPr>
+      <p:grpSpPr>
+        <a:xfrm>
+          <a:off x="0" y="0"/>
+          <a:ext cx="0" cy="0"/>
+          <a:chOff x="0" y="0"/>
+          <a:chExt cx="0" cy="0"/>
+        </a:xfrm>
+      </p:grpSpPr>
+      <p:sp>
+        <p:nvSpPr>
+          <p:cNvPr id="163" name="Rectangle 162">
+            <a:extLst>
+              <a:ext uri="{FF2B5EF4-FFF2-40B4-BE49-F238E27FC236}">
+                <a16:creationId xmlns:a16="http://schemas.microsoft.com/office/drawing/2014/main" id="{B9D9E3CC-496F-402D-8726-E1B91F427CF3}"/>
+              </a:ext>
+            </a:extLst>
+          </p:cNvPr>
+          <p:cNvSpPr/>
+          <p:nvPr/>
+        </p:nvSpPr>
+        <p:spPr>
+          <a:xfrm>
+            <a:off x="6168357" y="2177991"/>
+            <a:ext cx="1891711" cy="240903"/>
+          </a:xfrm>
+          <a:prstGeom prst="rect">
+            <a:avLst/>
+          </a:prstGeom>
+          <a:solidFill>
+            <a:schemeClr val="bg1">
+              <a:lumMod val="65000"/>
+            </a:schemeClr>
+          </a:solidFill>
+          <a:ln w="12700">
+            <a:solidFill>
+              <a:schemeClr val="tx1">
+                <a:lumMod val="65000"/>
+                <a:lumOff val="35000"/>
+              </a:schemeClr>
+            </a:solidFill>
+          </a:ln>
+        </p:spPr>
+        <p:style>
+          <a:lnRef idx="2">
+            <a:schemeClr val="accent1">
+              <a:shade val="50000"/>
+            </a:schemeClr>
+          </a:lnRef>
+          <a:fillRef idx="1">
+            <a:schemeClr val="accent1"/>
+          </a:fillRef>
+          <a:effectRef idx="0">
+            <a:schemeClr val="accent1"/>
+          </a:effectRef>
+          <a:fontRef idx="minor">
+            <a:schemeClr val="lt1"/>
+          </a:fontRef>
+        </p:style>
+        <p:txBody>
+          <a:bodyPr rtlCol="0" anchor="ctr"/>
+          <a:lstStyle/>
+          <a:p>
+            <a:pPr algn="ctr"/>
+            <a:endParaRPr lang="en-US"/>
+          </a:p>
+        </p:txBody>
+      </p:sp>
+      <p:sp>
+        <p:nvSpPr>
+          <p:cNvPr id="164" name="Rectangle 163">
+            <a:extLst>
+              <a:ext uri="{FF2B5EF4-FFF2-40B4-BE49-F238E27FC236}">
+                <a16:creationId xmlns:a16="http://schemas.microsoft.com/office/drawing/2014/main" id="{75D3E9CF-EB2A-4DFF-A8FB-EBC91AFE54B5}"/>
+              </a:ext>
+            </a:extLst>
+          </p:cNvPr>
+          <p:cNvSpPr/>
+          <p:nvPr/>
+        </p:nvSpPr>
+        <p:spPr>
+          <a:xfrm>
+            <a:off x="6168356" y="2416391"/>
+            <a:ext cx="1891711" cy="335683"/>
+          </a:xfrm>
+          <a:prstGeom prst="rect">
+            <a:avLst/>
+          </a:prstGeom>
+          <a:solidFill>
+            <a:schemeClr val="bg1">
+              <a:lumMod val="65000"/>
+            </a:schemeClr>
+          </a:solidFill>
+          <a:ln w="12700">
+            <a:solidFill>
+              <a:schemeClr val="tx1">
+                <a:lumMod val="65000"/>
+                <a:lumOff val="35000"/>
+              </a:schemeClr>
+            </a:solidFill>
+          </a:ln>
+        </p:spPr>
+        <p:style>
+          <a:lnRef idx="2">
+            <a:schemeClr val="accent1">
+              <a:shade val="50000"/>
+            </a:schemeClr>
+          </a:lnRef>
+          <a:fillRef idx="1">
+            <a:schemeClr val="accent1"/>
+          </a:fillRef>
+          <a:effectRef idx="0">
+            <a:schemeClr val="accent1"/>
+          </a:effectRef>
+          <a:fontRef idx="minor">
+            <a:schemeClr val="lt1"/>
+          </a:fontRef>
+        </p:style>
+        <p:txBody>
+          <a:bodyPr rtlCol="0" anchor="ctr"/>
+          <a:lstStyle/>
+          <a:p>
+            <a:pPr algn="ctr"/>
+            <a:endParaRPr lang="en-US"/>
+          </a:p>
+        </p:txBody>
+      </p:sp>
+      <p:sp>
+        <p:nvSpPr>
+          <p:cNvPr id="165" name="Rectangle 164">
+            <a:extLst>
+              <a:ext uri="{FF2B5EF4-FFF2-40B4-BE49-F238E27FC236}">
+                <a16:creationId xmlns:a16="http://schemas.microsoft.com/office/drawing/2014/main" id="{0D301302-8843-450D-BDAB-4491B08E9CF7}"/>
+              </a:ext>
+            </a:extLst>
+          </p:cNvPr>
+          <p:cNvSpPr/>
+          <p:nvPr/>
+        </p:nvSpPr>
+        <p:spPr>
+          <a:xfrm>
+            <a:off x="6168355" y="2749571"/>
+            <a:ext cx="1891711" cy="240903"/>
+          </a:xfrm>
+          <a:prstGeom prst="rect">
+            <a:avLst/>
+          </a:prstGeom>
+          <a:solidFill>
+            <a:schemeClr val="bg1">
+              <a:lumMod val="65000"/>
+            </a:schemeClr>
+          </a:solidFill>
+          <a:ln w="12700">
+            <a:solidFill>
+              <a:schemeClr val="tx1">
+                <a:lumMod val="65000"/>
+                <a:lumOff val="35000"/>
+              </a:schemeClr>
+            </a:solidFill>
+          </a:ln>
+        </p:spPr>
+        <p:style>
+          <a:lnRef idx="2">
+            <a:schemeClr val="accent1">
+              <a:shade val="50000"/>
+            </a:schemeClr>
+          </a:lnRef>
+          <a:fillRef idx="1">
+            <a:schemeClr val="accent1"/>
+          </a:fillRef>
+          <a:effectRef idx="0">
+            <a:schemeClr val="accent1"/>
+          </a:effectRef>
+          <a:fontRef idx="minor">
+            <a:schemeClr val="lt1"/>
+          </a:fontRef>
+        </p:style>
+        <p:txBody>
+          <a:bodyPr rtlCol="0" anchor="ctr"/>
+          <a:lstStyle/>
+          <a:p>
+            <a:pPr algn="ctr"/>
+            <a:endParaRPr lang="en-US"/>
+          </a:p>
+        </p:txBody>
+      </p:sp>
+      <p:sp>
+        <p:nvSpPr>
+          <p:cNvPr id="162" name="Rectangle 161">
+            <a:extLst>
+              <a:ext uri="{FF2B5EF4-FFF2-40B4-BE49-F238E27FC236}">
+                <a16:creationId xmlns:a16="http://schemas.microsoft.com/office/drawing/2014/main" id="{50875E52-5DAB-4936-811A-6F347BF845D5}"/>
+              </a:ext>
+            </a:extLst>
+          </p:cNvPr>
+          <p:cNvSpPr/>
+          <p:nvPr/>
+        </p:nvSpPr>
+        <p:spPr>
+          <a:xfrm>
+            <a:off x="1881161" y="4788021"/>
+            <a:ext cx="1891708" cy="665195"/>
+          </a:xfrm>
+          <a:prstGeom prst="rect">
+            <a:avLst/>
+          </a:prstGeom>
+          <a:solidFill>
+            <a:schemeClr val="bg1">
+              <a:lumMod val="85000"/>
+            </a:schemeClr>
+          </a:solidFill>
+          <a:ln w="19050">
+            <a:solidFill>
+              <a:schemeClr val="tx1">
+                <a:lumMod val="65000"/>
+                <a:lumOff val="35000"/>
+              </a:schemeClr>
+            </a:solidFill>
+          </a:ln>
+        </p:spPr>
+        <p:style>
+          <a:lnRef idx="2">
+            <a:schemeClr val="accent1">
+              <a:shade val="50000"/>
+            </a:schemeClr>
+          </a:lnRef>
+          <a:fillRef idx="1">
+            <a:schemeClr val="accent1"/>
+          </a:fillRef>
+          <a:effectRef idx="0">
+            <a:schemeClr val="accent1"/>
+          </a:effectRef>
+          <a:fontRef idx="minor">
+            <a:schemeClr val="lt1"/>
+          </a:fontRef>
+        </p:style>
+        <p:txBody>
+          <a:bodyPr rtlCol="0" anchor="ctr"/>
+          <a:lstStyle/>
+          <a:p>
+            <a:pPr algn="ctr"/>
+            <a:endParaRPr lang="en-US"/>
+          </a:p>
+        </p:txBody>
+      </p:sp>
+      <p:sp>
+        <p:nvSpPr>
+          <p:cNvPr id="80" name="Parallelogram 79">
+            <a:extLst>
+              <a:ext uri="{FF2B5EF4-FFF2-40B4-BE49-F238E27FC236}">
+                <a16:creationId xmlns:a16="http://schemas.microsoft.com/office/drawing/2014/main" id="{F019F6E0-7238-4D4D-B97B-DD853C26BF01}"/>
+              </a:ext>
+            </a:extLst>
+          </p:cNvPr>
+          <p:cNvSpPr/>
+          <p:nvPr/>
+        </p:nvSpPr>
+        <p:spPr>
+          <a:xfrm rot="21308107" flipV="1">
+            <a:off x="531404" y="1628406"/>
+            <a:ext cx="3579398" cy="1642762"/>
+          </a:xfrm>
+          <a:prstGeom prst="parallelogram">
+            <a:avLst>
+              <a:gd name="adj" fmla="val 187313"/>
+            </a:avLst>
+          </a:prstGeom>
+          <a:solidFill>
+            <a:schemeClr val="bg1">
+              <a:lumMod val="85000"/>
+            </a:schemeClr>
+          </a:solidFill>
+          <a:ln>
+            <a:noFill/>
+          </a:ln>
+        </p:spPr>
+        <p:style>
+          <a:lnRef idx="2">
+            <a:schemeClr val="accent1">
+              <a:shade val="50000"/>
+            </a:schemeClr>
+          </a:lnRef>
+          <a:fillRef idx="1">
+            <a:schemeClr val="accent1"/>
+          </a:fillRef>
+          <a:effectRef idx="0">
+            <a:schemeClr val="accent1"/>
+          </a:effectRef>
+          <a:fontRef idx="minor">
+            <a:schemeClr val="lt1"/>
+          </a:fontRef>
+        </p:style>
+        <p:txBody>
+          <a:bodyPr rtlCol="0" anchor="ctr"/>
+          <a:lstStyle/>
+          <a:p>
+            <a:pPr algn="ctr"/>
+            <a:endParaRPr lang="en-US"/>
+          </a:p>
+        </p:txBody>
+      </p:sp>
+      <p:sp>
+        <p:nvSpPr>
+          <p:cNvPr id="81" name="Parallelogram 80">
+            <a:extLst>
+              <a:ext uri="{FF2B5EF4-FFF2-40B4-BE49-F238E27FC236}">
+                <a16:creationId xmlns:a16="http://schemas.microsoft.com/office/drawing/2014/main" id="{654A4518-7272-4C8B-9ADE-5891C88437BD}"/>
+              </a:ext>
+            </a:extLst>
+          </p:cNvPr>
+          <p:cNvSpPr/>
+          <p:nvPr/>
+        </p:nvSpPr>
+        <p:spPr>
+          <a:xfrm rot="21308107" flipV="1">
+            <a:off x="1031194" y="1590769"/>
+            <a:ext cx="3579398" cy="1642762"/>
+          </a:xfrm>
+          <a:prstGeom prst="parallelogram">
+            <a:avLst>
+              <a:gd name="adj" fmla="val 187313"/>
+            </a:avLst>
+          </a:prstGeom>
+          <a:solidFill>
+            <a:schemeClr val="bg1">
+              <a:lumMod val="85000"/>
+            </a:schemeClr>
+          </a:solidFill>
+          <a:ln>
+            <a:noFill/>
+          </a:ln>
+        </p:spPr>
+        <p:style>
+          <a:lnRef idx="2">
+            <a:schemeClr val="accent1">
+              <a:shade val="50000"/>
+            </a:schemeClr>
+          </a:lnRef>
+          <a:fillRef idx="1">
+            <a:schemeClr val="accent1"/>
+          </a:fillRef>
+          <a:effectRef idx="0">
+            <a:schemeClr val="accent1"/>
+          </a:effectRef>
+          <a:fontRef idx="minor">
+            <a:schemeClr val="lt1"/>
+          </a:fontRef>
+        </p:style>
+        <p:txBody>
+          <a:bodyPr rtlCol="0" anchor="ctr"/>
+          <a:lstStyle/>
+          <a:p>
+            <a:pPr algn="ctr"/>
+            <a:endParaRPr lang="en-US"/>
+          </a:p>
+        </p:txBody>
+      </p:sp>
+      <p:sp>
+        <p:nvSpPr>
+          <p:cNvPr id="83" name="Parallelogram 82">
+            <a:extLst>
+              <a:ext uri="{FF2B5EF4-FFF2-40B4-BE49-F238E27FC236}">
+                <a16:creationId xmlns:a16="http://schemas.microsoft.com/office/drawing/2014/main" id="{B281A948-A188-43A0-9BB1-566E3B5E5009}"/>
+              </a:ext>
+            </a:extLst>
+          </p:cNvPr>
+          <p:cNvSpPr/>
+          <p:nvPr/>
+        </p:nvSpPr>
+        <p:spPr>
+          <a:xfrm rot="21257887" flipH="1" flipV="1">
+            <a:off x="4006415" y="2872008"/>
+            <a:ext cx="350093" cy="535947"/>
+          </a:xfrm>
+          <a:prstGeom prst="parallelogram">
+            <a:avLst>
+              <a:gd name="adj" fmla="val 15074"/>
+            </a:avLst>
+          </a:prstGeom>
+          <a:solidFill>
+            <a:schemeClr val="bg1">
+              <a:lumMod val="75000"/>
+            </a:schemeClr>
+          </a:solidFill>
+          <a:ln>
+            <a:noFill/>
+          </a:ln>
+        </p:spPr>
+        <p:style>
+          <a:lnRef idx="2">
+            <a:schemeClr val="accent1">
+              <a:shade val="50000"/>
+            </a:schemeClr>
+          </a:lnRef>
+          <a:fillRef idx="1">
+            <a:schemeClr val="accent1"/>
+          </a:fillRef>
+          <a:effectRef idx="0">
+            <a:schemeClr val="accent1"/>
+          </a:effectRef>
+          <a:fontRef idx="minor">
+            <a:schemeClr val="lt1"/>
+          </a:fontRef>
+        </p:style>
+        <p:txBody>
+          <a:bodyPr rtlCol="0" anchor="ctr"/>
+          <a:lstStyle/>
+          <a:p>
+            <a:pPr algn="ctr"/>
+            <a:endParaRPr lang="en-US"/>
+          </a:p>
+        </p:txBody>
+      </p:sp>
+      <p:sp>
+        <p:nvSpPr>
+          <p:cNvPr id="90" name="Parallelogram 89">
+            <a:extLst>
+              <a:ext uri="{FF2B5EF4-FFF2-40B4-BE49-F238E27FC236}">
+                <a16:creationId xmlns:a16="http://schemas.microsoft.com/office/drawing/2014/main" id="{AA5488F8-A537-4392-AD7D-85AEF6E57F28}"/>
+              </a:ext>
+            </a:extLst>
+          </p:cNvPr>
+          <p:cNvSpPr/>
+          <p:nvPr/>
+        </p:nvSpPr>
+        <p:spPr>
+          <a:xfrm rot="16200000" flipV="1">
+            <a:off x="3747352" y="3041852"/>
+            <a:ext cx="364815" cy="503787"/>
+          </a:xfrm>
+          <a:prstGeom prst="parallelogram">
+            <a:avLst>
+              <a:gd name="adj" fmla="val 10205"/>
+            </a:avLst>
+          </a:prstGeom>
+          <a:solidFill>
+            <a:schemeClr val="bg1">
+              <a:lumMod val="75000"/>
+            </a:schemeClr>
+          </a:solidFill>
+          <a:ln>
+            <a:noFill/>
+          </a:ln>
+        </p:spPr>
+        <p:style>
+          <a:lnRef idx="2">
+            <a:schemeClr val="accent1">
+              <a:shade val="50000"/>
+            </a:schemeClr>
+          </a:lnRef>
+          <a:fillRef idx="1">
+            <a:schemeClr val="accent1"/>
+          </a:fillRef>
+          <a:effectRef idx="0">
+            <a:schemeClr val="accent1"/>
+          </a:effectRef>
+          <a:fontRef idx="minor">
+            <a:schemeClr val="lt1"/>
+          </a:fontRef>
+        </p:style>
+        <p:txBody>
+          <a:bodyPr rtlCol="0" anchor="ctr"/>
+          <a:lstStyle/>
+          <a:p>
+            <a:pPr algn="ctr"/>
+            <a:endParaRPr lang="en-US"/>
+          </a:p>
+        </p:txBody>
+      </p:sp>
+      <p:sp>
+        <p:nvSpPr>
+          <p:cNvPr id="91" name="Parallelogram 90">
+            <a:extLst>
+              <a:ext uri="{FF2B5EF4-FFF2-40B4-BE49-F238E27FC236}">
+                <a16:creationId xmlns:a16="http://schemas.microsoft.com/office/drawing/2014/main" id="{38B23137-CA54-4C88-974C-6164D86A413E}"/>
+              </a:ext>
+            </a:extLst>
+          </p:cNvPr>
+          <p:cNvSpPr/>
+          <p:nvPr/>
+        </p:nvSpPr>
+        <p:spPr>
+          <a:xfrm rot="16200000" flipV="1">
+            <a:off x="4249731" y="3004472"/>
+            <a:ext cx="364815" cy="503787"/>
+          </a:xfrm>
+          <a:prstGeom prst="parallelogram">
+            <a:avLst>
+              <a:gd name="adj" fmla="val 10205"/>
+            </a:avLst>
+          </a:prstGeom>
+          <a:solidFill>
+            <a:schemeClr val="bg1">
+              <a:lumMod val="75000"/>
+            </a:schemeClr>
+          </a:solidFill>
+          <a:ln>
+            <a:noFill/>
+          </a:ln>
+        </p:spPr>
+        <p:style>
+          <a:lnRef idx="2">
+            <a:schemeClr val="accent1">
+              <a:shade val="50000"/>
+            </a:schemeClr>
+          </a:lnRef>
+          <a:fillRef idx="1">
+            <a:schemeClr val="accent1"/>
+          </a:fillRef>
+          <a:effectRef idx="0">
+            <a:schemeClr val="accent1"/>
+          </a:effectRef>
+          <a:fontRef idx="minor">
+            <a:schemeClr val="lt1"/>
+          </a:fontRef>
+        </p:style>
+        <p:txBody>
+          <a:bodyPr rtlCol="0" anchor="ctr"/>
+          <a:lstStyle/>
+          <a:p>
+            <a:pPr algn="ctr"/>
+            <a:endParaRPr lang="en-US"/>
+          </a:p>
+        </p:txBody>
+      </p:sp>
+      <p:sp>
+        <p:nvSpPr>
+          <p:cNvPr id="82" name="Parallelogram 81">
+            <a:extLst>
+              <a:ext uri="{FF2B5EF4-FFF2-40B4-BE49-F238E27FC236}">
+                <a16:creationId xmlns:a16="http://schemas.microsoft.com/office/drawing/2014/main" id="{4FAFEC41-639C-486D-95D8-97434FDC91A6}"/>
+              </a:ext>
+            </a:extLst>
+          </p:cNvPr>
+          <p:cNvSpPr/>
+          <p:nvPr/>
+        </p:nvSpPr>
+        <p:spPr>
+          <a:xfrm rot="16200000" flipH="1" flipV="1">
+            <a:off x="1610355" y="719984"/>
+            <a:ext cx="1638552" cy="3210236"/>
+          </a:xfrm>
+          <a:prstGeom prst="parallelogram">
+            <a:avLst>
+              <a:gd name="adj" fmla="val 84839"/>
+            </a:avLst>
+          </a:prstGeom>
+          <a:solidFill>
+            <a:schemeClr val="bg1">
+              <a:lumMod val="65000"/>
+            </a:schemeClr>
+          </a:solidFill>
+          <a:ln>
+            <a:noFill/>
+          </a:ln>
+        </p:spPr>
+        <p:style>
+          <a:lnRef idx="2">
+            <a:schemeClr val="accent1">
+              <a:shade val="50000"/>
+            </a:schemeClr>
+          </a:lnRef>
+          <a:fillRef idx="1">
+            <a:schemeClr val="accent1"/>
+          </a:fillRef>
+          <a:effectRef idx="0">
+            <a:schemeClr val="accent1"/>
+          </a:effectRef>
+          <a:fontRef idx="minor">
+            <a:schemeClr val="lt1"/>
+          </a:fontRef>
+        </p:style>
+        <p:txBody>
+          <a:bodyPr rtlCol="0" anchor="ctr"/>
+          <a:lstStyle/>
+          <a:p>
+            <a:pPr algn="ctr"/>
+            <a:endParaRPr lang="en-US"/>
+          </a:p>
+        </p:txBody>
+      </p:sp>
+      <p:sp>
+        <p:nvSpPr>
+          <p:cNvPr id="84" name="Parallelogram 83">
+            <a:extLst>
+              <a:ext uri="{FF2B5EF4-FFF2-40B4-BE49-F238E27FC236}">
+                <a16:creationId xmlns:a16="http://schemas.microsoft.com/office/drawing/2014/main" id="{C3B2CBCF-6A12-4DA6-9009-A0549BB42859}"/>
+              </a:ext>
+            </a:extLst>
+          </p:cNvPr>
+          <p:cNvSpPr/>
+          <p:nvPr/>
+        </p:nvSpPr>
+        <p:spPr>
+          <a:xfrm rot="16200000" flipH="1" flipV="1">
+            <a:off x="1234712" y="1023387"/>
+            <a:ext cx="1688576" cy="3210236"/>
+          </a:xfrm>
+          <a:prstGeom prst="parallelogram">
+            <a:avLst>
+              <a:gd name="adj" fmla="val 81258"/>
+            </a:avLst>
+          </a:prstGeom>
+          <a:solidFill>
+            <a:schemeClr val="bg1">
+              <a:lumMod val="65000"/>
+            </a:schemeClr>
+          </a:solidFill>
+          <a:ln>
+            <a:noFill/>
+          </a:ln>
+        </p:spPr>
+        <p:style>
+          <a:lnRef idx="2">
+            <a:schemeClr val="accent1">
+              <a:shade val="50000"/>
+            </a:schemeClr>
+          </a:lnRef>
+          <a:fillRef idx="1">
+            <a:schemeClr val="accent1"/>
+          </a:fillRef>
+          <a:effectRef idx="0">
+            <a:schemeClr val="accent1"/>
+          </a:effectRef>
+          <a:fontRef idx="minor">
+            <a:schemeClr val="lt1"/>
+          </a:fontRef>
+        </p:style>
+        <p:txBody>
+          <a:bodyPr rtlCol="0" anchor="ctr"/>
+          <a:lstStyle/>
+          <a:p>
+            <a:pPr algn="ctr"/>
+            <a:endParaRPr lang="en-US"/>
+          </a:p>
+        </p:txBody>
+      </p:sp>
+      <p:sp>
+        <p:nvSpPr>
+          <p:cNvPr id="85" name="Parallelogram 84">
+            <a:extLst>
+              <a:ext uri="{FF2B5EF4-FFF2-40B4-BE49-F238E27FC236}">
+                <a16:creationId xmlns:a16="http://schemas.microsoft.com/office/drawing/2014/main" id="{BE9AAEEF-A95C-4114-B618-5EADFAD84230}"/>
+              </a:ext>
+            </a:extLst>
+          </p:cNvPr>
+          <p:cNvSpPr/>
+          <p:nvPr/>
+        </p:nvSpPr>
+        <p:spPr>
+          <a:xfrm rot="16200000" flipH="1" flipV="1">
+            <a:off x="1229519" y="242475"/>
+            <a:ext cx="1688575" cy="3210236"/>
+          </a:xfrm>
+          <a:prstGeom prst="parallelogram">
+            <a:avLst>
+              <a:gd name="adj" fmla="val 81258"/>
+            </a:avLst>
+          </a:prstGeom>
+          <a:solidFill>
+            <a:schemeClr val="bg1">
+              <a:lumMod val="65000"/>
+            </a:schemeClr>
+          </a:solidFill>
+          <a:ln>
+            <a:noFill/>
+          </a:ln>
+        </p:spPr>
+        <p:style>
+          <a:lnRef idx="2">
+            <a:schemeClr val="accent1">
+              <a:shade val="50000"/>
+            </a:schemeClr>
+          </a:lnRef>
+          <a:fillRef idx="1">
+            <a:schemeClr val="accent1"/>
+          </a:fillRef>
+          <a:effectRef idx="0">
+            <a:schemeClr val="accent1"/>
+          </a:effectRef>
+          <a:fontRef idx="minor">
+            <a:schemeClr val="lt1"/>
+          </a:fontRef>
+        </p:style>
+        <p:txBody>
+          <a:bodyPr rtlCol="0" anchor="ctr"/>
+          <a:lstStyle/>
+          <a:p>
+            <a:pPr algn="ctr"/>
+            <a:endParaRPr lang="en-US"/>
+          </a:p>
+        </p:txBody>
+      </p:sp>
+      <p:sp>
+        <p:nvSpPr>
+          <p:cNvPr id="86" name="Parallelogram 85">
+            <a:extLst>
+              <a:ext uri="{FF2B5EF4-FFF2-40B4-BE49-F238E27FC236}">
+                <a16:creationId xmlns:a16="http://schemas.microsoft.com/office/drawing/2014/main" id="{DE24FE99-D14A-41CA-93D5-F2DD451C1187}"/>
+              </a:ext>
+            </a:extLst>
+          </p:cNvPr>
+          <p:cNvSpPr/>
+          <p:nvPr/>
+        </p:nvSpPr>
+        <p:spPr>
+          <a:xfrm rot="16200000" flipH="1" flipV="1">
+            <a:off x="1616226" y="478268"/>
+            <a:ext cx="1638552" cy="3210236"/>
+          </a:xfrm>
+          <a:prstGeom prst="parallelogram">
+            <a:avLst>
+              <a:gd name="adj" fmla="val 84839"/>
+            </a:avLst>
+          </a:prstGeom>
+          <a:solidFill>
+            <a:schemeClr val="bg1">
+              <a:lumMod val="65000"/>
+            </a:schemeClr>
+          </a:solidFill>
+          <a:ln>
+            <a:noFill/>
+          </a:ln>
+        </p:spPr>
+        <p:style>
+          <a:lnRef idx="2">
+            <a:schemeClr val="accent1">
+              <a:shade val="50000"/>
+            </a:schemeClr>
+          </a:lnRef>
+          <a:fillRef idx="1">
+            <a:schemeClr val="accent1"/>
+          </a:fillRef>
+          <a:effectRef idx="0">
+            <a:schemeClr val="accent1"/>
+          </a:effectRef>
+          <a:fontRef idx="minor">
+            <a:schemeClr val="lt1"/>
+          </a:fontRef>
+        </p:style>
+        <p:txBody>
+          <a:bodyPr rtlCol="0" anchor="ctr"/>
+          <a:lstStyle/>
+          <a:p>
+            <a:pPr algn="ctr"/>
+            <a:endParaRPr lang="en-US"/>
+          </a:p>
+        </p:txBody>
+      </p:sp>
+      <p:sp>
+        <p:nvSpPr>
+          <p:cNvPr id="87" name="Parallelogram 86">
+            <a:extLst>
+              <a:ext uri="{FF2B5EF4-FFF2-40B4-BE49-F238E27FC236}">
+                <a16:creationId xmlns:a16="http://schemas.microsoft.com/office/drawing/2014/main" id="{41D4BEAB-5D00-491A-90EB-8C0C408EA1FE}"/>
+              </a:ext>
+            </a:extLst>
+          </p:cNvPr>
+          <p:cNvSpPr/>
+          <p:nvPr/>
+        </p:nvSpPr>
+        <p:spPr>
+          <a:xfrm rot="16200000" flipV="1">
+            <a:off x="3748376" y="2257161"/>
+            <a:ext cx="364815" cy="503787"/>
+          </a:xfrm>
+          <a:prstGeom prst="parallelogram">
+            <a:avLst>
+              <a:gd name="adj" fmla="val 10205"/>
+            </a:avLst>
+          </a:prstGeom>
+          <a:solidFill>
+            <a:schemeClr val="bg1">
+              <a:lumMod val="75000"/>
+            </a:schemeClr>
+          </a:solidFill>
+          <a:ln>
+            <a:noFill/>
+          </a:ln>
+        </p:spPr>
+        <p:style>
+          <a:lnRef idx="2">
+            <a:schemeClr val="accent1">
+              <a:shade val="50000"/>
+            </a:schemeClr>
+          </a:lnRef>
+          <a:fillRef idx="1">
+            <a:schemeClr val="accent1"/>
+          </a:fillRef>
+          <a:effectRef idx="0">
+            <a:schemeClr val="accent1"/>
+          </a:effectRef>
+          <a:fontRef idx="minor">
+            <a:schemeClr val="lt1"/>
+          </a:fontRef>
+        </p:style>
+        <p:txBody>
+          <a:bodyPr rtlCol="0" anchor="ctr"/>
+          <a:lstStyle/>
+          <a:p>
+            <a:pPr algn="ctr"/>
+            <a:endParaRPr lang="en-US"/>
+          </a:p>
+        </p:txBody>
+      </p:sp>
+      <p:sp>
+        <p:nvSpPr>
+          <p:cNvPr id="88" name="Parallelogram 87">
+            <a:extLst>
+              <a:ext uri="{FF2B5EF4-FFF2-40B4-BE49-F238E27FC236}">
+                <a16:creationId xmlns:a16="http://schemas.microsoft.com/office/drawing/2014/main" id="{0F3ABE26-ADC7-4759-83CF-DF96EC7F73CA}"/>
+              </a:ext>
+            </a:extLst>
+          </p:cNvPr>
+          <p:cNvSpPr/>
+          <p:nvPr/>
+        </p:nvSpPr>
+        <p:spPr>
+          <a:xfrm rot="21257887" flipH="1" flipV="1">
+            <a:off x="4006415" y="2342714"/>
+            <a:ext cx="350093" cy="535947"/>
+          </a:xfrm>
+          <a:prstGeom prst="parallelogram">
+            <a:avLst>
+              <a:gd name="adj" fmla="val 15074"/>
+            </a:avLst>
+          </a:prstGeom>
+          <a:solidFill>
+            <a:schemeClr val="bg1">
+              <a:lumMod val="75000"/>
+            </a:schemeClr>
+          </a:solidFill>
+          <a:ln>
+            <a:noFill/>
+          </a:ln>
+        </p:spPr>
+        <p:style>
+          <a:lnRef idx="2">
+            <a:schemeClr val="accent1">
+              <a:shade val="50000"/>
+            </a:schemeClr>
+          </a:lnRef>
+          <a:fillRef idx="1">
+            <a:schemeClr val="accent1"/>
+          </a:fillRef>
+          <a:effectRef idx="0">
+            <a:schemeClr val="accent1"/>
+          </a:effectRef>
+          <a:fontRef idx="minor">
+            <a:schemeClr val="lt1"/>
+          </a:fontRef>
+        </p:style>
+        <p:txBody>
+          <a:bodyPr rtlCol="0" anchor="ctr"/>
+          <a:lstStyle/>
+          <a:p>
+            <a:pPr algn="ctr"/>
+            <a:endParaRPr lang="en-US"/>
+          </a:p>
+        </p:txBody>
+      </p:sp>
+      <p:sp>
+        <p:nvSpPr>
+          <p:cNvPr id="89" name="Parallelogram 88">
+            <a:extLst>
+              <a:ext uri="{FF2B5EF4-FFF2-40B4-BE49-F238E27FC236}">
+                <a16:creationId xmlns:a16="http://schemas.microsoft.com/office/drawing/2014/main" id="{C1DC4EAB-2D71-4A79-A1FC-0F0D7168EED6}"/>
+              </a:ext>
+            </a:extLst>
+          </p:cNvPr>
+          <p:cNvSpPr/>
+          <p:nvPr/>
+        </p:nvSpPr>
+        <p:spPr>
+          <a:xfrm rot="16200000" flipV="1">
+            <a:off x="4250947" y="2219524"/>
+            <a:ext cx="364815" cy="503787"/>
+          </a:xfrm>
+          <a:prstGeom prst="parallelogram">
+            <a:avLst>
+              <a:gd name="adj" fmla="val 10205"/>
+            </a:avLst>
+          </a:prstGeom>
+          <a:solidFill>
+            <a:schemeClr val="bg1">
+              <a:lumMod val="75000"/>
+            </a:schemeClr>
+          </a:solidFill>
+          <a:ln>
+            <a:noFill/>
+          </a:ln>
+        </p:spPr>
+        <p:style>
+          <a:lnRef idx="2">
+            <a:schemeClr val="accent1">
+              <a:shade val="50000"/>
+            </a:schemeClr>
+          </a:lnRef>
+          <a:fillRef idx="1">
+            <a:schemeClr val="accent1"/>
+          </a:fillRef>
+          <a:effectRef idx="0">
+            <a:schemeClr val="accent1"/>
+          </a:effectRef>
+          <a:fontRef idx="minor">
+            <a:schemeClr val="lt1"/>
+          </a:fontRef>
+        </p:style>
+        <p:txBody>
+          <a:bodyPr rtlCol="0" anchor="ctr"/>
+          <a:lstStyle/>
+          <a:p>
+            <a:pPr algn="ctr"/>
+            <a:endParaRPr lang="en-US"/>
+          </a:p>
+        </p:txBody>
+      </p:sp>
+      <p:sp>
+        <p:nvSpPr>
+          <p:cNvPr id="92" name="Parallelogram 91">
+            <a:extLst>
+              <a:ext uri="{FF2B5EF4-FFF2-40B4-BE49-F238E27FC236}">
+                <a16:creationId xmlns:a16="http://schemas.microsoft.com/office/drawing/2014/main" id="{424A1D7F-FAF5-4662-B3D4-6CB21C9200F6}"/>
+              </a:ext>
+            </a:extLst>
+          </p:cNvPr>
+          <p:cNvSpPr/>
+          <p:nvPr/>
+        </p:nvSpPr>
+        <p:spPr>
+          <a:xfrm rot="21308107" flipV="1">
+            <a:off x="537127" y="847494"/>
+            <a:ext cx="3579398" cy="1642762"/>
+          </a:xfrm>
+          <a:prstGeom prst="parallelogram">
+            <a:avLst>
+              <a:gd name="adj" fmla="val 187313"/>
+            </a:avLst>
+          </a:prstGeom>
+          <a:solidFill>
+            <a:schemeClr val="bg1">
+              <a:lumMod val="85000"/>
+            </a:schemeClr>
+          </a:solidFill>
+          <a:ln>
+            <a:noFill/>
+          </a:ln>
+        </p:spPr>
+        <p:style>
+          <a:lnRef idx="2">
+            <a:schemeClr val="accent1">
+              <a:shade val="50000"/>
+            </a:schemeClr>
+          </a:lnRef>
+          <a:fillRef idx="1">
+            <a:schemeClr val="accent1"/>
+          </a:fillRef>
+          <a:effectRef idx="0">
+            <a:schemeClr val="accent1"/>
+          </a:effectRef>
+          <a:fontRef idx="minor">
+            <a:schemeClr val="lt1"/>
+          </a:fontRef>
+        </p:style>
+        <p:txBody>
+          <a:bodyPr rtlCol="0" anchor="ctr"/>
+          <a:lstStyle/>
+          <a:p>
+            <a:pPr algn="ctr"/>
+            <a:endParaRPr lang="en-US"/>
+          </a:p>
+        </p:txBody>
+      </p:sp>
+      <p:sp>
+        <p:nvSpPr>
+          <p:cNvPr id="93" name="Parallelogram 92">
+            <a:extLst>
+              <a:ext uri="{FF2B5EF4-FFF2-40B4-BE49-F238E27FC236}">
+                <a16:creationId xmlns:a16="http://schemas.microsoft.com/office/drawing/2014/main" id="{5568D124-6413-4BAC-B616-EA9B10B1660D}"/>
+              </a:ext>
+            </a:extLst>
+          </p:cNvPr>
+          <p:cNvSpPr/>
+          <p:nvPr/>
+        </p:nvSpPr>
+        <p:spPr>
+          <a:xfrm rot="21308107" flipV="1">
+            <a:off x="1036917" y="809857"/>
+            <a:ext cx="3579398" cy="1642762"/>
+          </a:xfrm>
+          <a:prstGeom prst="parallelogram">
+            <a:avLst>
+              <a:gd name="adj" fmla="val 187313"/>
+            </a:avLst>
+          </a:prstGeom>
+          <a:solidFill>
+            <a:schemeClr val="bg1">
+              <a:lumMod val="85000"/>
+            </a:schemeClr>
+          </a:solidFill>
+          <a:ln>
+            <a:noFill/>
+          </a:ln>
+        </p:spPr>
+        <p:style>
+          <a:lnRef idx="2">
+            <a:schemeClr val="accent1">
+              <a:shade val="50000"/>
+            </a:schemeClr>
+          </a:lnRef>
+          <a:fillRef idx="1">
+            <a:schemeClr val="accent1"/>
+          </a:fillRef>
+          <a:effectRef idx="0">
+            <a:schemeClr val="accent1"/>
+          </a:effectRef>
+          <a:fontRef idx="minor">
+            <a:schemeClr val="lt1"/>
+          </a:fontRef>
+        </p:style>
+        <p:txBody>
+          <a:bodyPr rtlCol="0" anchor="ctr"/>
+          <a:lstStyle/>
+          <a:p>
+            <a:pPr algn="ctr"/>
+            <a:endParaRPr lang="en-US"/>
+          </a:p>
+        </p:txBody>
+      </p:sp>
+      <p:cxnSp>
+        <p:nvCxnSpPr>
+          <p:cNvPr id="30" name="Straight Arrow Connector 29">
+            <a:extLst>
+              <a:ext uri="{FF2B5EF4-FFF2-40B4-BE49-F238E27FC236}">
+                <a16:creationId xmlns:a16="http://schemas.microsoft.com/office/drawing/2014/main" id="{BF58CF0F-C68A-43B7-87C1-D760E71BCC78}"/>
+              </a:ext>
+            </a:extLst>
+          </p:cNvPr>
+          <p:cNvCxnSpPr>
+            <a:cxnSpLocks/>
+          </p:cNvCxnSpPr>
+          <p:nvPr/>
+        </p:nvCxnSpPr>
+        <p:spPr>
+          <a:xfrm flipV="1">
+            <a:off x="3452003" y="4800432"/>
+            <a:ext cx="0" cy="338688"/>
+          </a:xfrm>
+          <a:prstGeom prst="straightConnector1">
+            <a:avLst/>
+          </a:prstGeom>
+          <a:ln w="19050">
+            <a:solidFill>
+              <a:schemeClr val="tx1"/>
+            </a:solidFill>
+            <a:tailEnd type="triangle"/>
+          </a:ln>
+        </p:spPr>
+        <p:style>
+          <a:lnRef idx="1">
+            <a:schemeClr val="accent1"/>
+          </a:lnRef>
+          <a:fillRef idx="0">
+            <a:schemeClr val="accent1"/>
+          </a:fillRef>
+          <a:effectRef idx="0">
+            <a:schemeClr val="accent1"/>
+          </a:effectRef>
+          <a:fontRef idx="minor">
+            <a:schemeClr val="tx1"/>
+          </a:fontRef>
+        </p:style>
+      </p:cxnSp>
+      <p:sp>
+        <p:nvSpPr>
+          <p:cNvPr id="97" name="TextBox 96">
+            <a:extLst>
+              <a:ext uri="{FF2B5EF4-FFF2-40B4-BE49-F238E27FC236}">
+                <a16:creationId xmlns:a16="http://schemas.microsoft.com/office/drawing/2014/main" id="{BAC58702-28E3-451F-8629-AD4632243F0C}"/>
+              </a:ext>
+            </a:extLst>
+          </p:cNvPr>
+          <p:cNvSpPr txBox="1"/>
+          <p:nvPr/>
+        </p:nvSpPr>
+        <p:spPr>
+          <a:xfrm>
+            <a:off x="5451177" y="2622219"/>
+            <a:ext cx="392668" cy="307777"/>
+          </a:xfrm>
+          <a:prstGeom prst="rect">
+            <a:avLst/>
+          </a:prstGeom>
+          <a:noFill/>
+        </p:spPr>
+        <p:txBody>
+          <a:bodyPr wrap="square" rtlCol="0">
+            <a:spAutoFit/>
+          </a:bodyPr>
+          <a:lstStyle/>
+          <a:p>
+            <a:r>
+              <a:rPr lang="pt-BR" sz="1400" dirty="0">
+                <a:solidFill>
+                  <a:schemeClr val="accent1"/>
+                </a:solidFill>
+              </a:rPr>
+              <a:t>M</a:t>
+            </a:r>
+            <a:r>
+              <a:rPr lang="pt-BR" sz="1400" baseline="-25000" dirty="0">
+                <a:solidFill>
+                  <a:schemeClr val="accent1"/>
+                </a:solidFill>
+              </a:rPr>
+              <a:t>x</a:t>
+            </a:r>
+          </a:p>
+        </p:txBody>
+      </p:sp>
+      <p:sp>
+        <p:nvSpPr>
+          <p:cNvPr id="103" name="TextBox 102">
+            <a:extLst>
+              <a:ext uri="{FF2B5EF4-FFF2-40B4-BE49-F238E27FC236}">
+                <a16:creationId xmlns:a16="http://schemas.microsoft.com/office/drawing/2014/main" id="{0E527DF9-A2EA-453F-AC6A-726EB5E688D3}"/>
+              </a:ext>
+            </a:extLst>
+          </p:cNvPr>
+          <p:cNvSpPr txBox="1"/>
+          <p:nvPr/>
+        </p:nvSpPr>
+        <p:spPr>
+          <a:xfrm>
+            <a:off x="4149705" y="3398685"/>
+            <a:ext cx="320866" cy="307777"/>
+          </a:xfrm>
+          <a:prstGeom prst="rect">
+            <a:avLst/>
+          </a:prstGeom>
+          <a:noFill/>
+        </p:spPr>
+        <p:txBody>
+          <a:bodyPr wrap="square" rtlCol="0">
+            <a:spAutoFit/>
+          </a:bodyPr>
+          <a:lstStyle/>
+          <a:p>
+            <a:r>
+              <a:rPr lang="pt-BR" sz="1400" dirty="0"/>
+              <a:t>y</a:t>
+            </a:r>
+            <a:endParaRPr lang="pt-BR" sz="1400" baseline="-25000" dirty="0"/>
+          </a:p>
+        </p:txBody>
+      </p:sp>
+      <p:sp>
+        <p:nvSpPr>
+          <p:cNvPr id="104" name="TextBox 103">
+            <a:extLst>
+              <a:ext uri="{FF2B5EF4-FFF2-40B4-BE49-F238E27FC236}">
+                <a16:creationId xmlns:a16="http://schemas.microsoft.com/office/drawing/2014/main" id="{C29DC9B7-0B36-494E-BA9E-CE2A3B06A008}"/>
+              </a:ext>
+            </a:extLst>
+          </p:cNvPr>
+          <p:cNvSpPr txBox="1"/>
+          <p:nvPr/>
+        </p:nvSpPr>
+        <p:spPr>
+          <a:xfrm>
+            <a:off x="4149705" y="1984659"/>
+            <a:ext cx="320866" cy="307777"/>
+          </a:xfrm>
+          <a:prstGeom prst="rect">
+            <a:avLst/>
+          </a:prstGeom>
+          <a:noFill/>
+        </p:spPr>
+        <p:txBody>
+          <a:bodyPr wrap="square" rtlCol="0">
+            <a:spAutoFit/>
+          </a:bodyPr>
+          <a:lstStyle/>
+          <a:p>
+            <a:r>
+              <a:rPr lang="pt-BR" sz="1400" dirty="0"/>
+              <a:t>y</a:t>
+            </a:r>
+            <a:endParaRPr lang="pt-BR" sz="1400" baseline="-25000" dirty="0"/>
+          </a:p>
+        </p:txBody>
+      </p:sp>
+      <p:cxnSp>
+        <p:nvCxnSpPr>
+          <p:cNvPr id="64" name="Straight Connector 63">
+            <a:extLst>
+              <a:ext uri="{FF2B5EF4-FFF2-40B4-BE49-F238E27FC236}">
+                <a16:creationId xmlns:a16="http://schemas.microsoft.com/office/drawing/2014/main" id="{D538D8CA-8CD1-4598-845C-07892B07C399}"/>
+              </a:ext>
+            </a:extLst>
+          </p:cNvPr>
+          <p:cNvCxnSpPr>
+            <a:cxnSpLocks/>
+          </p:cNvCxnSpPr>
+          <p:nvPr/>
+        </p:nvCxnSpPr>
+        <p:spPr>
+          <a:xfrm flipH="1">
+            <a:off x="3366361" y="2816916"/>
+            <a:ext cx="1601250" cy="143241"/>
+          </a:xfrm>
+          <a:prstGeom prst="line">
+            <a:avLst/>
+          </a:prstGeom>
+          <a:ln w="19050">
+            <a:prstDash val="dash"/>
+          </a:ln>
+        </p:spPr>
+        <p:style>
+          <a:lnRef idx="1">
+            <a:schemeClr val="dk1"/>
+          </a:lnRef>
+          <a:fillRef idx="0">
+            <a:schemeClr val="dk1"/>
+          </a:fillRef>
+          <a:effectRef idx="0">
+            <a:schemeClr val="dk1"/>
+          </a:effectRef>
+          <a:fontRef idx="minor">
+            <a:schemeClr val="tx1"/>
+          </a:fontRef>
+        </p:style>
+      </p:cxnSp>
+      <p:cxnSp>
+        <p:nvCxnSpPr>
+          <p:cNvPr id="114" name="Straight Connector 113">
+            <a:extLst>
+              <a:ext uri="{FF2B5EF4-FFF2-40B4-BE49-F238E27FC236}">
+                <a16:creationId xmlns:a16="http://schemas.microsoft.com/office/drawing/2014/main" id="{9CD62450-458F-418A-BE7B-BC7B17F662C3}"/>
+              </a:ext>
+            </a:extLst>
+          </p:cNvPr>
+          <p:cNvCxnSpPr>
+            <a:cxnSpLocks/>
+          </p:cNvCxnSpPr>
+          <p:nvPr/>
+        </p:nvCxnSpPr>
+        <p:spPr>
+          <a:xfrm flipV="1">
+            <a:off x="4154310" y="2144217"/>
+            <a:ext cx="23762" cy="1438898"/>
+          </a:xfrm>
+          <a:prstGeom prst="line">
+            <a:avLst/>
+          </a:prstGeom>
+          <a:ln w="19050">
+            <a:prstDash val="dash"/>
+          </a:ln>
+        </p:spPr>
+        <p:style>
+          <a:lnRef idx="1">
+            <a:schemeClr val="dk1"/>
+          </a:lnRef>
+          <a:fillRef idx="0">
+            <a:schemeClr val="dk1"/>
+          </a:fillRef>
+          <a:effectRef idx="0">
+            <a:schemeClr val="dk1"/>
+          </a:effectRef>
+          <a:fontRef idx="minor">
+            <a:schemeClr val="tx1"/>
+          </a:fontRef>
+        </p:style>
+      </p:cxnSp>
+      <p:sp>
+        <p:nvSpPr>
+          <p:cNvPr id="119" name="TextBox 118">
+            <a:extLst>
+              <a:ext uri="{FF2B5EF4-FFF2-40B4-BE49-F238E27FC236}">
+                <a16:creationId xmlns:a16="http://schemas.microsoft.com/office/drawing/2014/main" id="{F874CBDF-3E67-4003-B9AD-ABD7AA92131B}"/>
+              </a:ext>
+            </a:extLst>
+          </p:cNvPr>
+          <p:cNvSpPr txBox="1"/>
+          <p:nvPr/>
+        </p:nvSpPr>
+        <p:spPr>
+          <a:xfrm>
+            <a:off x="4758933" y="2537573"/>
+            <a:ext cx="320866" cy="307777"/>
+          </a:xfrm>
+          <a:prstGeom prst="rect">
+            <a:avLst/>
+          </a:prstGeom>
+          <a:noFill/>
+        </p:spPr>
+        <p:txBody>
+          <a:bodyPr wrap="square" rtlCol="0">
+            <a:spAutoFit/>
+          </a:bodyPr>
+          <a:lstStyle/>
+          <a:p>
+            <a:r>
+              <a:rPr lang="pt-BR" sz="1400" dirty="0"/>
+              <a:t>x</a:t>
+            </a:r>
+            <a:endParaRPr lang="pt-BR" sz="1400" baseline="-25000" dirty="0"/>
+          </a:p>
+        </p:txBody>
+      </p:sp>
+      <p:sp>
+        <p:nvSpPr>
+          <p:cNvPr id="120" name="TextBox 119">
+            <a:extLst>
+              <a:ext uri="{FF2B5EF4-FFF2-40B4-BE49-F238E27FC236}">
+                <a16:creationId xmlns:a16="http://schemas.microsoft.com/office/drawing/2014/main" id="{8B7F90EB-7B14-4B7A-8091-AB7D47594843}"/>
+              </a:ext>
+            </a:extLst>
+          </p:cNvPr>
+          <p:cNvSpPr txBox="1"/>
+          <p:nvPr/>
+        </p:nvSpPr>
+        <p:spPr>
+          <a:xfrm>
+            <a:off x="3299570" y="2709777"/>
+            <a:ext cx="320866" cy="307777"/>
+          </a:xfrm>
+          <a:prstGeom prst="rect">
+            <a:avLst/>
+          </a:prstGeom>
+          <a:noFill/>
+        </p:spPr>
+        <p:txBody>
+          <a:bodyPr wrap="square" rtlCol="0">
+            <a:spAutoFit/>
+          </a:bodyPr>
+          <a:lstStyle/>
+          <a:p>
+            <a:r>
+              <a:rPr lang="pt-BR" sz="1400" dirty="0"/>
+              <a:t>x</a:t>
+            </a:r>
+            <a:endParaRPr lang="pt-BR" sz="1400" baseline="-25000" dirty="0"/>
+          </a:p>
+        </p:txBody>
+      </p:sp>
+      <p:cxnSp>
+        <p:nvCxnSpPr>
+          <p:cNvPr id="121" name="Straight Connector 120">
+            <a:extLst>
+              <a:ext uri="{FF2B5EF4-FFF2-40B4-BE49-F238E27FC236}">
+                <a16:creationId xmlns:a16="http://schemas.microsoft.com/office/drawing/2014/main" id="{228399DF-BCAC-4BD1-8669-97D8DD02585E}"/>
+              </a:ext>
+            </a:extLst>
+          </p:cNvPr>
+          <p:cNvCxnSpPr>
+            <a:cxnSpLocks/>
+          </p:cNvCxnSpPr>
+          <p:nvPr/>
+        </p:nvCxnSpPr>
+        <p:spPr>
+          <a:xfrm>
+            <a:off x="470492" y="2090938"/>
+            <a:ext cx="3207182" cy="1381855"/>
+          </a:xfrm>
+          <a:prstGeom prst="line">
+            <a:avLst/>
+          </a:prstGeom>
+          <a:solidFill>
+            <a:schemeClr val="bg1">
+              <a:lumMod val="75000"/>
+            </a:schemeClr>
+          </a:solidFill>
+          <a:ln w="12700">
+            <a:solidFill>
+              <a:schemeClr val="tx1">
+                <a:lumMod val="65000"/>
+                <a:lumOff val="35000"/>
+              </a:schemeClr>
+            </a:solidFill>
+          </a:ln>
+        </p:spPr>
+        <p:style>
+          <a:lnRef idx="2">
+            <a:schemeClr val="accent1">
+              <a:shade val="50000"/>
+            </a:schemeClr>
+          </a:lnRef>
+          <a:fillRef idx="1">
+            <a:schemeClr val="accent1"/>
+          </a:fillRef>
+          <a:effectRef idx="0">
+            <a:schemeClr val="accent1"/>
+          </a:effectRef>
+          <a:fontRef idx="minor">
+            <a:schemeClr val="lt1"/>
+          </a:fontRef>
+        </p:style>
+      </p:cxnSp>
+      <p:cxnSp>
+        <p:nvCxnSpPr>
+          <p:cNvPr id="124" name="Straight Connector 123">
+            <a:extLst>
+              <a:ext uri="{FF2B5EF4-FFF2-40B4-BE49-F238E27FC236}">
+                <a16:creationId xmlns:a16="http://schemas.microsoft.com/office/drawing/2014/main" id="{EFE33A7F-7866-4364-9D49-A1361A38B027}"/>
+              </a:ext>
+            </a:extLst>
+          </p:cNvPr>
+          <p:cNvCxnSpPr>
+            <a:cxnSpLocks/>
+          </p:cNvCxnSpPr>
+          <p:nvPr/>
+        </p:nvCxnSpPr>
+        <p:spPr>
+          <a:xfrm>
+            <a:off x="474046" y="1772175"/>
+            <a:ext cx="3207182" cy="1381855"/>
+          </a:xfrm>
+          <a:prstGeom prst="line">
+            <a:avLst/>
+          </a:prstGeom>
+          <a:solidFill>
+            <a:schemeClr val="bg1">
+              <a:lumMod val="75000"/>
+            </a:schemeClr>
+          </a:solidFill>
+          <a:ln w="12700">
+            <a:solidFill>
+              <a:schemeClr val="tx1">
+                <a:lumMod val="65000"/>
+                <a:lumOff val="35000"/>
+              </a:schemeClr>
+            </a:solidFill>
+          </a:ln>
+        </p:spPr>
+        <p:style>
+          <a:lnRef idx="2">
+            <a:schemeClr val="accent1">
+              <a:shade val="50000"/>
+            </a:schemeClr>
+          </a:lnRef>
+          <a:fillRef idx="1">
+            <a:schemeClr val="accent1"/>
+          </a:fillRef>
+          <a:effectRef idx="0">
+            <a:schemeClr val="accent1"/>
+          </a:effectRef>
+          <a:fontRef idx="minor">
+            <a:schemeClr val="lt1"/>
+          </a:fontRef>
+        </p:style>
+      </p:cxnSp>
+      <p:cxnSp>
+        <p:nvCxnSpPr>
+          <p:cNvPr id="125" name="Straight Connector 124">
+            <a:extLst>
+              <a:ext uri="{FF2B5EF4-FFF2-40B4-BE49-F238E27FC236}">
+                <a16:creationId xmlns:a16="http://schemas.microsoft.com/office/drawing/2014/main" id="{A0D72BE6-6DD3-49F8-80D1-37DA33136514}"/>
+              </a:ext>
+            </a:extLst>
+          </p:cNvPr>
+          <p:cNvCxnSpPr>
+            <a:cxnSpLocks/>
+          </p:cNvCxnSpPr>
+          <p:nvPr/>
+        </p:nvCxnSpPr>
+        <p:spPr>
+          <a:xfrm>
+            <a:off x="466913" y="1317657"/>
+            <a:ext cx="3207182" cy="1381855"/>
+          </a:xfrm>
+          <a:prstGeom prst="line">
+            <a:avLst/>
+          </a:prstGeom>
+          <a:solidFill>
+            <a:schemeClr val="bg1">
+              <a:lumMod val="75000"/>
+            </a:schemeClr>
+          </a:solidFill>
+          <a:ln w="12700">
+            <a:solidFill>
+              <a:schemeClr val="tx1">
+                <a:lumMod val="65000"/>
+                <a:lumOff val="35000"/>
+              </a:schemeClr>
+            </a:solidFill>
+          </a:ln>
+        </p:spPr>
+        <p:style>
+          <a:lnRef idx="2">
+            <a:schemeClr val="accent1">
+              <a:shade val="50000"/>
+            </a:schemeClr>
+          </a:lnRef>
+          <a:fillRef idx="1">
+            <a:schemeClr val="accent1"/>
+          </a:fillRef>
+          <a:effectRef idx="0">
+            <a:schemeClr val="accent1"/>
+          </a:effectRef>
+          <a:fontRef idx="minor">
+            <a:schemeClr val="lt1"/>
+          </a:fontRef>
+        </p:style>
+      </p:cxnSp>
+      <p:cxnSp>
+        <p:nvCxnSpPr>
+          <p:cNvPr id="126" name="Straight Connector 125">
+            <a:extLst>
+              <a:ext uri="{FF2B5EF4-FFF2-40B4-BE49-F238E27FC236}">
+                <a16:creationId xmlns:a16="http://schemas.microsoft.com/office/drawing/2014/main" id="{62E9B0FF-87DA-4DBC-9425-F43F3C1ED705}"/>
+              </a:ext>
+            </a:extLst>
+          </p:cNvPr>
+          <p:cNvCxnSpPr>
+            <a:cxnSpLocks/>
+          </p:cNvCxnSpPr>
+          <p:nvPr/>
+        </p:nvCxnSpPr>
+        <p:spPr>
+          <a:xfrm>
+            <a:off x="472791" y="1005664"/>
+            <a:ext cx="3207182" cy="1381855"/>
+          </a:xfrm>
+          <a:prstGeom prst="line">
+            <a:avLst/>
+          </a:prstGeom>
+          <a:solidFill>
+            <a:schemeClr val="bg1">
+              <a:lumMod val="75000"/>
+            </a:schemeClr>
+          </a:solidFill>
+          <a:ln w="12700">
+            <a:solidFill>
+              <a:schemeClr val="tx1">
+                <a:lumMod val="65000"/>
+                <a:lumOff val="35000"/>
+              </a:schemeClr>
+            </a:solidFill>
+          </a:ln>
+        </p:spPr>
+        <p:style>
+          <a:lnRef idx="2">
+            <a:schemeClr val="accent1">
+              <a:shade val="50000"/>
+            </a:schemeClr>
+          </a:lnRef>
+          <a:fillRef idx="1">
+            <a:schemeClr val="accent1"/>
+          </a:fillRef>
+          <a:effectRef idx="0">
+            <a:schemeClr val="accent1"/>
+          </a:effectRef>
+          <a:fontRef idx="minor">
+            <a:schemeClr val="lt1"/>
+          </a:fontRef>
+        </p:style>
+      </p:cxnSp>
+      <p:cxnSp>
+        <p:nvCxnSpPr>
+          <p:cNvPr id="127" name="Straight Connector 126">
+            <a:extLst>
+              <a:ext uri="{FF2B5EF4-FFF2-40B4-BE49-F238E27FC236}">
+                <a16:creationId xmlns:a16="http://schemas.microsoft.com/office/drawing/2014/main" id="{3A6E2DF8-F23F-4745-83C2-DC521451A66C}"/>
+              </a:ext>
+            </a:extLst>
+          </p:cNvPr>
+          <p:cNvCxnSpPr>
+            <a:cxnSpLocks/>
+          </p:cNvCxnSpPr>
+          <p:nvPr/>
+        </p:nvCxnSpPr>
+        <p:spPr>
+          <a:xfrm>
+            <a:off x="1475733" y="918266"/>
+            <a:ext cx="3207182" cy="1381855"/>
+          </a:xfrm>
+          <a:prstGeom prst="line">
+            <a:avLst/>
+          </a:prstGeom>
+          <a:solidFill>
+            <a:schemeClr val="bg1">
+              <a:lumMod val="75000"/>
+            </a:schemeClr>
+          </a:solidFill>
+          <a:ln w="12700">
+            <a:solidFill>
+              <a:schemeClr val="tx1">
+                <a:lumMod val="65000"/>
+                <a:lumOff val="35000"/>
+              </a:schemeClr>
+            </a:solidFill>
+          </a:ln>
+        </p:spPr>
+        <p:style>
+          <a:lnRef idx="2">
+            <a:schemeClr val="accent1">
+              <a:shade val="50000"/>
+            </a:schemeClr>
+          </a:lnRef>
+          <a:fillRef idx="1">
+            <a:schemeClr val="accent1"/>
+          </a:fillRef>
+          <a:effectRef idx="0">
+            <a:schemeClr val="accent1"/>
+          </a:effectRef>
+          <a:fontRef idx="minor">
+            <a:schemeClr val="lt1"/>
+          </a:fontRef>
+        </p:style>
+      </p:cxnSp>
+      <p:cxnSp>
+        <p:nvCxnSpPr>
+          <p:cNvPr id="128" name="Straight Connector 127">
+            <a:extLst>
+              <a:ext uri="{FF2B5EF4-FFF2-40B4-BE49-F238E27FC236}">
+                <a16:creationId xmlns:a16="http://schemas.microsoft.com/office/drawing/2014/main" id="{A1344626-8401-4EDE-9B58-7EF667B02204}"/>
+              </a:ext>
+            </a:extLst>
+          </p:cNvPr>
+          <p:cNvCxnSpPr>
+            <a:cxnSpLocks/>
+          </p:cNvCxnSpPr>
+          <p:nvPr/>
+        </p:nvCxnSpPr>
+        <p:spPr>
+          <a:xfrm>
+            <a:off x="814922" y="1752333"/>
+            <a:ext cx="3207182" cy="1381855"/>
+          </a:xfrm>
+          <a:prstGeom prst="line">
+            <a:avLst/>
+          </a:prstGeom>
+          <a:solidFill>
+            <a:schemeClr val="bg1">
+              <a:lumMod val="75000"/>
+            </a:schemeClr>
+          </a:solidFill>
+          <a:ln w="12700">
+            <a:solidFill>
+              <a:schemeClr val="tx1">
+                <a:lumMod val="65000"/>
+                <a:lumOff val="35000"/>
+              </a:schemeClr>
+            </a:solidFill>
+          </a:ln>
+        </p:spPr>
+        <p:style>
+          <a:lnRef idx="2">
+            <a:schemeClr val="accent1">
+              <a:shade val="50000"/>
+            </a:schemeClr>
+          </a:lnRef>
+          <a:fillRef idx="1">
+            <a:schemeClr val="accent1"/>
+          </a:fillRef>
+          <a:effectRef idx="0">
+            <a:schemeClr val="accent1"/>
+          </a:effectRef>
+          <a:fontRef idx="minor">
+            <a:schemeClr val="lt1"/>
+          </a:fontRef>
+        </p:style>
+      </p:cxnSp>
+      <p:cxnSp>
+        <p:nvCxnSpPr>
+          <p:cNvPr id="129" name="Straight Connector 128">
+            <a:extLst>
+              <a:ext uri="{FF2B5EF4-FFF2-40B4-BE49-F238E27FC236}">
+                <a16:creationId xmlns:a16="http://schemas.microsoft.com/office/drawing/2014/main" id="{52ECF6BB-D315-4A99-9106-26D68E3F0194}"/>
+              </a:ext>
+            </a:extLst>
+          </p:cNvPr>
+          <p:cNvCxnSpPr>
+            <a:cxnSpLocks/>
+          </p:cNvCxnSpPr>
+          <p:nvPr/>
+        </p:nvCxnSpPr>
+        <p:spPr>
+          <a:xfrm>
+            <a:off x="824512" y="1468167"/>
+            <a:ext cx="0" cy="284166"/>
+          </a:xfrm>
+          <a:prstGeom prst="line">
+            <a:avLst/>
+          </a:prstGeom>
+          <a:solidFill>
+            <a:schemeClr val="bg1">
+              <a:lumMod val="75000"/>
+            </a:schemeClr>
+          </a:solidFill>
+          <a:ln w="12700">
+            <a:solidFill>
+              <a:schemeClr val="tx1">
+                <a:lumMod val="65000"/>
+                <a:lumOff val="35000"/>
+              </a:schemeClr>
+            </a:solidFill>
+          </a:ln>
+        </p:spPr>
+        <p:style>
+          <a:lnRef idx="2">
+            <a:schemeClr val="accent1">
+              <a:shade val="50000"/>
+            </a:schemeClr>
+          </a:lnRef>
+          <a:fillRef idx="1">
+            <a:schemeClr val="accent1"/>
+          </a:fillRef>
+          <a:effectRef idx="0">
+            <a:schemeClr val="accent1"/>
+          </a:effectRef>
+          <a:fontRef idx="minor">
+            <a:schemeClr val="lt1"/>
+          </a:fontRef>
+        </p:style>
+      </p:cxnSp>
+      <p:cxnSp>
+        <p:nvCxnSpPr>
+          <p:cNvPr id="133" name="Straight Connector 132">
+            <a:extLst>
+              <a:ext uri="{FF2B5EF4-FFF2-40B4-BE49-F238E27FC236}">
+                <a16:creationId xmlns:a16="http://schemas.microsoft.com/office/drawing/2014/main" id="{53F35D24-7078-4B62-BCC5-B9DCC31E8FA2}"/>
+              </a:ext>
+            </a:extLst>
+          </p:cNvPr>
+          <p:cNvCxnSpPr>
+            <a:cxnSpLocks/>
+          </p:cNvCxnSpPr>
+          <p:nvPr/>
+        </p:nvCxnSpPr>
+        <p:spPr>
+          <a:xfrm>
+            <a:off x="472955" y="1776143"/>
+            <a:ext cx="0" cy="314795"/>
+          </a:xfrm>
+          <a:prstGeom prst="line">
+            <a:avLst/>
+          </a:prstGeom>
+          <a:solidFill>
+            <a:schemeClr val="bg1">
+              <a:lumMod val="75000"/>
+            </a:schemeClr>
+          </a:solidFill>
+          <a:ln w="12700">
+            <a:solidFill>
+              <a:schemeClr val="tx1">
+                <a:lumMod val="65000"/>
+                <a:lumOff val="35000"/>
+              </a:schemeClr>
+            </a:solidFill>
+          </a:ln>
+        </p:spPr>
+        <p:style>
+          <a:lnRef idx="2">
+            <a:schemeClr val="accent1">
+              <a:shade val="50000"/>
+            </a:schemeClr>
+          </a:lnRef>
+          <a:fillRef idx="1">
+            <a:schemeClr val="accent1"/>
+          </a:fillRef>
+          <a:effectRef idx="0">
+            <a:schemeClr val="accent1"/>
+          </a:effectRef>
+          <a:fontRef idx="minor">
+            <a:schemeClr val="lt1"/>
+          </a:fontRef>
+        </p:style>
+      </p:cxnSp>
+      <p:cxnSp>
+        <p:nvCxnSpPr>
+          <p:cNvPr id="135" name="Straight Connector 134">
+            <a:extLst>
+              <a:ext uri="{FF2B5EF4-FFF2-40B4-BE49-F238E27FC236}">
+                <a16:creationId xmlns:a16="http://schemas.microsoft.com/office/drawing/2014/main" id="{C80F4FB6-FDC7-4A46-A8EC-D6221FD43171}"/>
+              </a:ext>
+            </a:extLst>
+          </p:cNvPr>
+          <p:cNvCxnSpPr>
+            <a:cxnSpLocks/>
+          </p:cNvCxnSpPr>
+          <p:nvPr/>
+        </p:nvCxnSpPr>
+        <p:spPr>
+          <a:xfrm>
+            <a:off x="471268" y="1003305"/>
+            <a:ext cx="0" cy="314795"/>
+          </a:xfrm>
+          <a:prstGeom prst="line">
+            <a:avLst/>
+          </a:prstGeom>
+          <a:solidFill>
+            <a:schemeClr val="bg1">
+              <a:lumMod val="75000"/>
+            </a:schemeClr>
+          </a:solidFill>
+          <a:ln w="12700">
+            <a:solidFill>
+              <a:schemeClr val="tx1">
+                <a:lumMod val="65000"/>
+                <a:lumOff val="35000"/>
+              </a:schemeClr>
+            </a:solidFill>
+          </a:ln>
+        </p:spPr>
+        <p:style>
+          <a:lnRef idx="2">
+            <a:schemeClr val="accent1">
+              <a:shade val="50000"/>
+            </a:schemeClr>
+          </a:lnRef>
+          <a:fillRef idx="1">
+            <a:schemeClr val="accent1"/>
+          </a:fillRef>
+          <a:effectRef idx="0">
+            <a:schemeClr val="accent1"/>
+          </a:effectRef>
+          <a:fontRef idx="minor">
+            <a:schemeClr val="lt1"/>
+          </a:fontRef>
+        </p:style>
+      </p:cxnSp>
+      <p:cxnSp>
+        <p:nvCxnSpPr>
+          <p:cNvPr id="136" name="Straight Connector 135">
+            <a:extLst>
+              <a:ext uri="{FF2B5EF4-FFF2-40B4-BE49-F238E27FC236}">
+                <a16:creationId xmlns:a16="http://schemas.microsoft.com/office/drawing/2014/main" id="{00AB23D4-A29E-4A4D-9EC7-BE01D4E35C3C}"/>
+              </a:ext>
+            </a:extLst>
+          </p:cNvPr>
+          <p:cNvCxnSpPr>
+            <a:cxnSpLocks/>
+          </p:cNvCxnSpPr>
+          <p:nvPr/>
+        </p:nvCxnSpPr>
+        <p:spPr>
+          <a:xfrm flipH="1">
+            <a:off x="4026618" y="2668122"/>
+            <a:ext cx="6762" cy="468000"/>
+          </a:xfrm>
+          <a:prstGeom prst="line">
+            <a:avLst/>
+          </a:prstGeom>
+          <a:solidFill>
+            <a:schemeClr val="bg1">
+              <a:lumMod val="75000"/>
+            </a:schemeClr>
+          </a:solidFill>
+          <a:ln w="12700">
+            <a:solidFill>
+              <a:schemeClr val="tx1">
+                <a:lumMod val="65000"/>
+                <a:lumOff val="35000"/>
+              </a:schemeClr>
+            </a:solidFill>
+          </a:ln>
+        </p:spPr>
+        <p:style>
+          <a:lnRef idx="2">
+            <a:schemeClr val="accent1">
+              <a:shade val="50000"/>
+            </a:schemeClr>
+          </a:lnRef>
+          <a:fillRef idx="1">
+            <a:schemeClr val="accent1"/>
+          </a:fillRef>
+          <a:effectRef idx="0">
+            <a:schemeClr val="accent1"/>
+          </a:effectRef>
+          <a:fontRef idx="minor">
+            <a:schemeClr val="lt1"/>
+          </a:fontRef>
+        </p:style>
+      </p:cxnSp>
+      <p:cxnSp>
+        <p:nvCxnSpPr>
+          <p:cNvPr id="137" name="Straight Connector 136">
+            <a:extLst>
+              <a:ext uri="{FF2B5EF4-FFF2-40B4-BE49-F238E27FC236}">
+                <a16:creationId xmlns:a16="http://schemas.microsoft.com/office/drawing/2014/main" id="{C0A4F1F7-14A0-4BBA-A7B3-8E5DAAD1D989}"/>
+              </a:ext>
+            </a:extLst>
+          </p:cNvPr>
+          <p:cNvCxnSpPr>
+            <a:cxnSpLocks/>
+          </p:cNvCxnSpPr>
+          <p:nvPr/>
+        </p:nvCxnSpPr>
+        <p:spPr>
+          <a:xfrm>
+            <a:off x="3675218" y="3158089"/>
+            <a:ext cx="0" cy="314795"/>
+          </a:xfrm>
+          <a:prstGeom prst="line">
+            <a:avLst/>
+          </a:prstGeom>
+          <a:solidFill>
+            <a:schemeClr val="bg1">
+              <a:lumMod val="75000"/>
+            </a:schemeClr>
+          </a:solidFill>
+          <a:ln w="12700">
+            <a:solidFill>
+              <a:schemeClr val="tx1">
+                <a:lumMod val="65000"/>
+                <a:lumOff val="35000"/>
+              </a:schemeClr>
+            </a:solidFill>
+          </a:ln>
+        </p:spPr>
+        <p:style>
+          <a:lnRef idx="2">
+            <a:schemeClr val="accent1">
+              <a:shade val="50000"/>
+            </a:schemeClr>
+          </a:lnRef>
+          <a:fillRef idx="1">
+            <a:schemeClr val="accent1"/>
+          </a:fillRef>
+          <a:effectRef idx="0">
+            <a:schemeClr val="accent1"/>
+          </a:effectRef>
+          <a:fontRef idx="minor">
+            <a:schemeClr val="lt1"/>
+          </a:fontRef>
+        </p:style>
+      </p:cxnSp>
+      <p:cxnSp>
+        <p:nvCxnSpPr>
+          <p:cNvPr id="138" name="Straight Connector 137">
+            <a:extLst>
+              <a:ext uri="{FF2B5EF4-FFF2-40B4-BE49-F238E27FC236}">
+                <a16:creationId xmlns:a16="http://schemas.microsoft.com/office/drawing/2014/main" id="{68DD090E-2E37-4204-BA6D-C25282847D39}"/>
+              </a:ext>
+            </a:extLst>
+          </p:cNvPr>
+          <p:cNvCxnSpPr>
+            <a:cxnSpLocks/>
+          </p:cNvCxnSpPr>
+          <p:nvPr/>
+        </p:nvCxnSpPr>
+        <p:spPr>
+          <a:xfrm>
+            <a:off x="3673531" y="2385251"/>
+            <a:ext cx="0" cy="314795"/>
+          </a:xfrm>
+          <a:prstGeom prst="line">
+            <a:avLst/>
+          </a:prstGeom>
+          <a:solidFill>
+            <a:schemeClr val="bg1">
+              <a:lumMod val="75000"/>
+            </a:schemeClr>
+          </a:solidFill>
+          <a:ln w="12700">
+            <a:solidFill>
+              <a:schemeClr val="tx1">
+                <a:lumMod val="65000"/>
+                <a:lumOff val="35000"/>
+              </a:schemeClr>
+            </a:solidFill>
+          </a:ln>
+        </p:spPr>
+        <p:style>
+          <a:lnRef idx="2">
+            <a:schemeClr val="accent1">
+              <a:shade val="50000"/>
+            </a:schemeClr>
+          </a:lnRef>
+          <a:fillRef idx="1">
+            <a:schemeClr val="accent1"/>
+          </a:fillRef>
+          <a:effectRef idx="0">
+            <a:schemeClr val="accent1"/>
+          </a:effectRef>
+          <a:fontRef idx="minor">
+            <a:schemeClr val="lt1"/>
+          </a:fontRef>
+        </p:style>
+      </p:cxnSp>
+      <p:cxnSp>
+        <p:nvCxnSpPr>
+          <p:cNvPr id="139" name="Straight Connector 138">
+            <a:extLst>
+              <a:ext uri="{FF2B5EF4-FFF2-40B4-BE49-F238E27FC236}">
+                <a16:creationId xmlns:a16="http://schemas.microsoft.com/office/drawing/2014/main" id="{40EDE48E-DCA1-49E4-B131-2F149C0A67EA}"/>
+              </a:ext>
+            </a:extLst>
+          </p:cNvPr>
+          <p:cNvCxnSpPr>
+            <a:cxnSpLocks/>
+          </p:cNvCxnSpPr>
+          <p:nvPr/>
+        </p:nvCxnSpPr>
+        <p:spPr>
+          <a:xfrm>
+            <a:off x="4680444" y="3073958"/>
+            <a:ext cx="0" cy="314795"/>
+          </a:xfrm>
+          <a:prstGeom prst="line">
+            <a:avLst/>
+          </a:prstGeom>
+          <a:solidFill>
+            <a:schemeClr val="bg1">
+              <a:lumMod val="75000"/>
+            </a:schemeClr>
+          </a:solidFill>
+          <a:ln w="12700">
+            <a:solidFill>
+              <a:schemeClr val="tx1">
+                <a:lumMod val="65000"/>
+                <a:lumOff val="35000"/>
+              </a:schemeClr>
+            </a:solidFill>
+          </a:ln>
+        </p:spPr>
+        <p:style>
+          <a:lnRef idx="2">
+            <a:schemeClr val="accent1">
+              <a:shade val="50000"/>
+            </a:schemeClr>
+          </a:lnRef>
+          <a:fillRef idx="1">
+            <a:schemeClr val="accent1"/>
+          </a:fillRef>
+          <a:effectRef idx="0">
+            <a:schemeClr val="accent1"/>
+          </a:effectRef>
+          <a:fontRef idx="minor">
+            <a:schemeClr val="lt1"/>
+          </a:fontRef>
+        </p:style>
+      </p:cxnSp>
+      <p:cxnSp>
+        <p:nvCxnSpPr>
+          <p:cNvPr id="140" name="Straight Connector 139">
+            <a:extLst>
+              <a:ext uri="{FF2B5EF4-FFF2-40B4-BE49-F238E27FC236}">
+                <a16:creationId xmlns:a16="http://schemas.microsoft.com/office/drawing/2014/main" id="{37E1D975-1C8B-4738-ADD1-EFC35BC86C83}"/>
+              </a:ext>
+            </a:extLst>
+          </p:cNvPr>
+          <p:cNvCxnSpPr>
+            <a:cxnSpLocks/>
+          </p:cNvCxnSpPr>
+          <p:nvPr/>
+        </p:nvCxnSpPr>
+        <p:spPr>
+          <a:xfrm>
+            <a:off x="4682915" y="2300121"/>
+            <a:ext cx="0" cy="314795"/>
+          </a:xfrm>
+          <a:prstGeom prst="line">
+            <a:avLst/>
+          </a:prstGeom>
+          <a:solidFill>
+            <a:schemeClr val="bg1">
+              <a:lumMod val="75000"/>
+            </a:schemeClr>
+          </a:solidFill>
+          <a:ln w="12700">
+            <a:solidFill>
+              <a:schemeClr val="tx1">
+                <a:lumMod val="65000"/>
+                <a:lumOff val="35000"/>
+              </a:schemeClr>
+            </a:solidFill>
+          </a:ln>
+        </p:spPr>
+        <p:style>
+          <a:lnRef idx="2">
+            <a:schemeClr val="accent1">
+              <a:shade val="50000"/>
+            </a:schemeClr>
+          </a:lnRef>
+          <a:fillRef idx="1">
+            <a:schemeClr val="accent1"/>
+          </a:fillRef>
+          <a:effectRef idx="0">
+            <a:schemeClr val="accent1"/>
+          </a:effectRef>
+          <a:fontRef idx="minor">
+            <a:schemeClr val="lt1"/>
+          </a:fontRef>
+        </p:style>
+      </p:cxnSp>
+      <p:cxnSp>
+        <p:nvCxnSpPr>
+          <p:cNvPr id="142" name="Straight Connector 141">
+            <a:extLst>
+              <a:ext uri="{FF2B5EF4-FFF2-40B4-BE49-F238E27FC236}">
+                <a16:creationId xmlns:a16="http://schemas.microsoft.com/office/drawing/2014/main" id="{909306FB-A219-472D-BE17-0A8D350775F4}"/>
+              </a:ext>
+            </a:extLst>
+          </p:cNvPr>
+          <p:cNvCxnSpPr>
+            <a:cxnSpLocks/>
+          </p:cNvCxnSpPr>
+          <p:nvPr/>
+        </p:nvCxnSpPr>
+        <p:spPr>
+          <a:xfrm flipH="1">
+            <a:off x="4317253" y="2639075"/>
+            <a:ext cx="6762" cy="468000"/>
+          </a:xfrm>
+          <a:prstGeom prst="line">
+            <a:avLst/>
+          </a:prstGeom>
+          <a:solidFill>
+            <a:schemeClr val="bg1">
+              <a:lumMod val="75000"/>
+            </a:schemeClr>
+          </a:solidFill>
+          <a:ln w="12700">
+            <a:solidFill>
+              <a:schemeClr val="tx1">
+                <a:lumMod val="65000"/>
+                <a:lumOff val="35000"/>
+              </a:schemeClr>
+            </a:solidFill>
+          </a:ln>
+        </p:spPr>
+        <p:style>
+          <a:lnRef idx="2">
+            <a:schemeClr val="accent1">
+              <a:shade val="50000"/>
+            </a:schemeClr>
+          </a:lnRef>
+          <a:fillRef idx="1">
+            <a:schemeClr val="accent1"/>
+          </a:fillRef>
+          <a:effectRef idx="0">
+            <a:schemeClr val="accent1"/>
+          </a:effectRef>
+          <a:fontRef idx="minor">
+            <a:schemeClr val="lt1"/>
+          </a:fontRef>
+        </p:style>
+      </p:cxnSp>
+      <p:cxnSp>
+        <p:nvCxnSpPr>
+          <p:cNvPr id="143" name="Straight Connector 142">
+            <a:extLst>
+              <a:ext uri="{FF2B5EF4-FFF2-40B4-BE49-F238E27FC236}">
+                <a16:creationId xmlns:a16="http://schemas.microsoft.com/office/drawing/2014/main" id="{D1C79350-9CAD-40F2-BC00-EE9527FCB75F}"/>
+              </a:ext>
+            </a:extLst>
+          </p:cNvPr>
+          <p:cNvCxnSpPr>
+            <a:cxnSpLocks/>
+          </p:cNvCxnSpPr>
+          <p:nvPr/>
+        </p:nvCxnSpPr>
+        <p:spPr>
+          <a:xfrm flipH="1">
+            <a:off x="3677675" y="3388745"/>
+            <a:ext cx="999573" cy="78796"/>
+          </a:xfrm>
+          <a:prstGeom prst="line">
+            <a:avLst/>
+          </a:prstGeom>
+          <a:solidFill>
+            <a:schemeClr val="bg1">
+              <a:lumMod val="75000"/>
+            </a:schemeClr>
+          </a:solidFill>
+          <a:ln w="12700">
+            <a:solidFill>
+              <a:schemeClr val="tx1">
+                <a:lumMod val="65000"/>
+                <a:lumOff val="35000"/>
+              </a:schemeClr>
+            </a:solidFill>
+          </a:ln>
+        </p:spPr>
+        <p:style>
+          <a:lnRef idx="2">
+            <a:schemeClr val="accent1">
+              <a:shade val="50000"/>
+            </a:schemeClr>
+          </a:lnRef>
+          <a:fillRef idx="1">
+            <a:schemeClr val="accent1"/>
+          </a:fillRef>
+          <a:effectRef idx="0">
+            <a:schemeClr val="accent1"/>
+          </a:effectRef>
+          <a:fontRef idx="minor">
+            <a:schemeClr val="lt1"/>
+          </a:fontRef>
+        </p:style>
+      </p:cxnSp>
+      <p:cxnSp>
+        <p:nvCxnSpPr>
+          <p:cNvPr id="148" name="Straight Connector 147">
+            <a:extLst>
+              <a:ext uri="{FF2B5EF4-FFF2-40B4-BE49-F238E27FC236}">
+                <a16:creationId xmlns:a16="http://schemas.microsoft.com/office/drawing/2014/main" id="{9DF5B1A8-8011-4FED-95E2-E38A70E7C5AB}"/>
+              </a:ext>
+            </a:extLst>
+          </p:cNvPr>
+          <p:cNvCxnSpPr>
+            <a:cxnSpLocks/>
+          </p:cNvCxnSpPr>
+          <p:nvPr/>
+        </p:nvCxnSpPr>
+        <p:spPr>
+          <a:xfrm flipH="1">
+            <a:off x="3679809" y="2301506"/>
+            <a:ext cx="999573" cy="78796"/>
+          </a:xfrm>
+          <a:prstGeom prst="line">
+            <a:avLst/>
+          </a:prstGeom>
+          <a:solidFill>
+            <a:schemeClr val="bg1">
+              <a:lumMod val="75000"/>
+            </a:schemeClr>
+          </a:solidFill>
+          <a:ln w="12700">
+            <a:solidFill>
+              <a:schemeClr val="tx1">
+                <a:lumMod val="65000"/>
+                <a:lumOff val="35000"/>
+              </a:schemeClr>
+            </a:solidFill>
+          </a:ln>
+        </p:spPr>
+        <p:style>
+          <a:lnRef idx="2">
+            <a:schemeClr val="accent1">
+              <a:shade val="50000"/>
+            </a:schemeClr>
+          </a:lnRef>
+          <a:fillRef idx="1">
+            <a:schemeClr val="accent1"/>
+          </a:fillRef>
+          <a:effectRef idx="0">
+            <a:schemeClr val="accent1"/>
+          </a:effectRef>
+          <a:fontRef idx="minor">
+            <a:schemeClr val="lt1"/>
+          </a:fontRef>
+        </p:style>
+      </p:cxnSp>
+      <p:cxnSp>
+        <p:nvCxnSpPr>
+          <p:cNvPr id="149" name="Straight Connector 148">
+            <a:extLst>
+              <a:ext uri="{FF2B5EF4-FFF2-40B4-BE49-F238E27FC236}">
+                <a16:creationId xmlns:a16="http://schemas.microsoft.com/office/drawing/2014/main" id="{24D0E12D-9665-4992-896C-8435DD9667D1}"/>
+              </a:ext>
+            </a:extLst>
+          </p:cNvPr>
+          <p:cNvCxnSpPr>
+            <a:cxnSpLocks/>
+          </p:cNvCxnSpPr>
+          <p:nvPr/>
+        </p:nvCxnSpPr>
+        <p:spPr>
+          <a:xfrm flipH="1">
+            <a:off x="3663184" y="2672890"/>
+            <a:ext cx="373148" cy="29415"/>
+          </a:xfrm>
+          <a:prstGeom prst="line">
+            <a:avLst/>
+          </a:prstGeom>
+          <a:solidFill>
+            <a:schemeClr val="bg1">
+              <a:lumMod val="75000"/>
+            </a:schemeClr>
+          </a:solidFill>
+          <a:ln w="12700">
+            <a:solidFill>
+              <a:schemeClr val="tx1">
+                <a:lumMod val="65000"/>
+                <a:lumOff val="35000"/>
+              </a:schemeClr>
+            </a:solidFill>
+          </a:ln>
+        </p:spPr>
+        <p:style>
+          <a:lnRef idx="2">
+            <a:schemeClr val="accent1">
+              <a:shade val="50000"/>
+            </a:schemeClr>
+          </a:lnRef>
+          <a:fillRef idx="1">
+            <a:schemeClr val="accent1"/>
+          </a:fillRef>
+          <a:effectRef idx="0">
+            <a:schemeClr val="accent1"/>
+          </a:effectRef>
+          <a:fontRef idx="minor">
+            <a:schemeClr val="lt1"/>
+          </a:fontRef>
+        </p:style>
+      </p:cxnSp>
+      <p:cxnSp>
+        <p:nvCxnSpPr>
+          <p:cNvPr id="152" name="Straight Connector 151">
+            <a:extLst>
+              <a:ext uri="{FF2B5EF4-FFF2-40B4-BE49-F238E27FC236}">
+                <a16:creationId xmlns:a16="http://schemas.microsoft.com/office/drawing/2014/main" id="{E52D5A9B-437D-4E56-A374-59116C254A47}"/>
+              </a:ext>
+            </a:extLst>
+          </p:cNvPr>
+          <p:cNvCxnSpPr>
+            <a:cxnSpLocks/>
+          </p:cNvCxnSpPr>
+          <p:nvPr/>
+        </p:nvCxnSpPr>
+        <p:spPr>
+          <a:xfrm flipH="1">
+            <a:off x="4317253" y="2613311"/>
+            <a:ext cx="373148" cy="29415"/>
+          </a:xfrm>
+          <a:prstGeom prst="line">
+            <a:avLst/>
+          </a:prstGeom>
+          <a:solidFill>
+            <a:schemeClr val="bg1">
+              <a:lumMod val="75000"/>
+            </a:schemeClr>
+          </a:solidFill>
+          <a:ln w="12700">
+            <a:solidFill>
+              <a:schemeClr val="tx1">
+                <a:lumMod val="65000"/>
+                <a:lumOff val="35000"/>
+              </a:schemeClr>
+            </a:solidFill>
+          </a:ln>
+        </p:spPr>
+        <p:style>
+          <a:lnRef idx="2">
+            <a:schemeClr val="accent1">
+              <a:shade val="50000"/>
+            </a:schemeClr>
+          </a:lnRef>
+          <a:fillRef idx="1">
+            <a:schemeClr val="accent1"/>
+          </a:fillRef>
+          <a:effectRef idx="0">
+            <a:schemeClr val="accent1"/>
+          </a:effectRef>
+          <a:fontRef idx="minor">
+            <a:schemeClr val="lt1"/>
+          </a:fontRef>
+        </p:style>
+      </p:cxnSp>
+      <p:cxnSp>
+        <p:nvCxnSpPr>
+          <p:cNvPr id="153" name="Straight Connector 152">
+            <a:extLst>
+              <a:ext uri="{FF2B5EF4-FFF2-40B4-BE49-F238E27FC236}">
+                <a16:creationId xmlns:a16="http://schemas.microsoft.com/office/drawing/2014/main" id="{1792C045-22CB-4513-B96F-CD82D787C26F}"/>
+              </a:ext>
+            </a:extLst>
+          </p:cNvPr>
+          <p:cNvCxnSpPr>
+            <a:cxnSpLocks/>
+          </p:cNvCxnSpPr>
+          <p:nvPr/>
+        </p:nvCxnSpPr>
+        <p:spPr>
+          <a:xfrm flipH="1">
+            <a:off x="3679973" y="3132288"/>
+            <a:ext cx="351721" cy="21614"/>
+          </a:xfrm>
+          <a:prstGeom prst="line">
+            <a:avLst/>
+          </a:prstGeom>
+          <a:solidFill>
+            <a:schemeClr val="bg1">
+              <a:lumMod val="75000"/>
+            </a:schemeClr>
+          </a:solidFill>
+          <a:ln w="12700">
+            <a:solidFill>
+              <a:schemeClr val="tx1">
+                <a:lumMod val="65000"/>
+                <a:lumOff val="35000"/>
+              </a:schemeClr>
+            </a:solidFill>
+          </a:ln>
+        </p:spPr>
+        <p:style>
+          <a:lnRef idx="2">
+            <a:schemeClr val="accent1">
+              <a:shade val="50000"/>
+            </a:schemeClr>
+          </a:lnRef>
+          <a:fillRef idx="1">
+            <a:schemeClr val="accent1"/>
+          </a:fillRef>
+          <a:effectRef idx="0">
+            <a:schemeClr val="accent1"/>
+          </a:effectRef>
+          <a:fontRef idx="minor">
+            <a:schemeClr val="lt1"/>
+          </a:fontRef>
+        </p:style>
+      </p:cxnSp>
+      <p:cxnSp>
+        <p:nvCxnSpPr>
+          <p:cNvPr id="154" name="Straight Connector 153">
+            <a:extLst>
+              <a:ext uri="{FF2B5EF4-FFF2-40B4-BE49-F238E27FC236}">
+                <a16:creationId xmlns:a16="http://schemas.microsoft.com/office/drawing/2014/main" id="{8C82D903-0892-477A-BAF6-ACF8C24A8F27}"/>
+              </a:ext>
+            </a:extLst>
+          </p:cNvPr>
+          <p:cNvCxnSpPr>
+            <a:cxnSpLocks/>
+          </p:cNvCxnSpPr>
+          <p:nvPr/>
+        </p:nvCxnSpPr>
+        <p:spPr>
+          <a:xfrm flipH="1">
+            <a:off x="4312615" y="3072709"/>
+            <a:ext cx="373148" cy="29415"/>
+          </a:xfrm>
+          <a:prstGeom prst="line">
+            <a:avLst/>
+          </a:prstGeom>
+          <a:solidFill>
+            <a:schemeClr val="bg1">
+              <a:lumMod val="75000"/>
+            </a:schemeClr>
+          </a:solidFill>
+          <a:ln w="12700">
+            <a:solidFill>
+              <a:schemeClr val="tx1">
+                <a:lumMod val="65000"/>
+                <a:lumOff val="35000"/>
+              </a:schemeClr>
+            </a:solidFill>
+          </a:ln>
+        </p:spPr>
+        <p:style>
+          <a:lnRef idx="2">
+            <a:schemeClr val="accent1">
+              <a:shade val="50000"/>
+            </a:schemeClr>
+          </a:lnRef>
+          <a:fillRef idx="1">
+            <a:schemeClr val="accent1"/>
+          </a:fillRef>
+          <a:effectRef idx="0">
+            <a:schemeClr val="accent1"/>
+          </a:effectRef>
+          <a:fontRef idx="minor">
+            <a:schemeClr val="lt1"/>
+          </a:fontRef>
+        </p:style>
+      </p:cxnSp>
+      <p:cxnSp>
+        <p:nvCxnSpPr>
+          <p:cNvPr id="156" name="Straight Connector 155">
+            <a:extLst>
+              <a:ext uri="{FF2B5EF4-FFF2-40B4-BE49-F238E27FC236}">
+                <a16:creationId xmlns:a16="http://schemas.microsoft.com/office/drawing/2014/main" id="{33DB3A14-82EC-492F-BAA6-F6D0700F6EB0}"/>
+              </a:ext>
+            </a:extLst>
+          </p:cNvPr>
+          <p:cNvCxnSpPr>
+            <a:cxnSpLocks/>
+          </p:cNvCxnSpPr>
+          <p:nvPr/>
+        </p:nvCxnSpPr>
+        <p:spPr>
+          <a:xfrm flipH="1" flipV="1">
+            <a:off x="4324015" y="2922069"/>
+            <a:ext cx="343935" cy="150635"/>
+          </a:xfrm>
+          <a:prstGeom prst="line">
+            <a:avLst/>
+          </a:prstGeom>
+          <a:solidFill>
+            <a:schemeClr val="bg1">
+              <a:lumMod val="75000"/>
+            </a:schemeClr>
+          </a:solidFill>
+          <a:ln w="12700">
+            <a:solidFill>
+              <a:schemeClr val="tx1">
+                <a:lumMod val="65000"/>
+                <a:lumOff val="35000"/>
+              </a:schemeClr>
+            </a:solidFill>
+          </a:ln>
+        </p:spPr>
+        <p:style>
+          <a:lnRef idx="2">
+            <a:schemeClr val="accent1">
+              <a:shade val="50000"/>
+            </a:schemeClr>
+          </a:lnRef>
+          <a:fillRef idx="1">
+            <a:schemeClr val="accent1"/>
+          </a:fillRef>
+          <a:effectRef idx="0">
+            <a:schemeClr val="accent1"/>
+          </a:effectRef>
+          <a:fontRef idx="minor">
+            <a:schemeClr val="lt1"/>
+          </a:fontRef>
+        </p:style>
+      </p:cxnSp>
+      <p:cxnSp>
+        <p:nvCxnSpPr>
+          <p:cNvPr id="159" name="Straight Connector 158">
+            <a:extLst>
+              <a:ext uri="{FF2B5EF4-FFF2-40B4-BE49-F238E27FC236}">
+                <a16:creationId xmlns:a16="http://schemas.microsoft.com/office/drawing/2014/main" id="{8014937C-BE5F-44AC-BA8B-A541F9AC2C0F}"/>
+              </a:ext>
+            </a:extLst>
+          </p:cNvPr>
+          <p:cNvCxnSpPr>
+            <a:cxnSpLocks/>
+          </p:cNvCxnSpPr>
+          <p:nvPr/>
+        </p:nvCxnSpPr>
+        <p:spPr>
+          <a:xfrm flipH="1">
+            <a:off x="482869" y="1753567"/>
+            <a:ext cx="351721" cy="21614"/>
+          </a:xfrm>
+          <a:prstGeom prst="line">
+            <a:avLst/>
+          </a:prstGeom>
+          <a:solidFill>
+            <a:schemeClr val="bg1">
+              <a:lumMod val="75000"/>
+            </a:schemeClr>
+          </a:solidFill>
+          <a:ln w="12700">
+            <a:solidFill>
+              <a:schemeClr val="tx1">
+                <a:lumMod val="65000"/>
+                <a:lumOff val="35000"/>
+              </a:schemeClr>
+            </a:solidFill>
+          </a:ln>
+        </p:spPr>
+        <p:style>
+          <a:lnRef idx="2">
+            <a:schemeClr val="accent1">
+              <a:shade val="50000"/>
+            </a:schemeClr>
+          </a:lnRef>
+          <a:fillRef idx="1">
+            <a:schemeClr val="accent1"/>
+          </a:fillRef>
+          <a:effectRef idx="0">
+            <a:schemeClr val="accent1"/>
+          </a:effectRef>
+          <a:fontRef idx="minor">
+            <a:schemeClr val="lt1"/>
+          </a:fontRef>
+        </p:style>
+      </p:cxnSp>
+      <p:cxnSp>
+        <p:nvCxnSpPr>
+          <p:cNvPr id="160" name="Straight Connector 159">
+            <a:extLst>
+              <a:ext uri="{FF2B5EF4-FFF2-40B4-BE49-F238E27FC236}">
+                <a16:creationId xmlns:a16="http://schemas.microsoft.com/office/drawing/2014/main" id="{50C83B68-F95B-4A1E-AB0E-18893E5173D5}"/>
+              </a:ext>
+            </a:extLst>
+          </p:cNvPr>
+          <p:cNvCxnSpPr>
+            <a:cxnSpLocks/>
+          </p:cNvCxnSpPr>
+          <p:nvPr/>
+        </p:nvCxnSpPr>
+        <p:spPr>
+          <a:xfrm flipH="1">
+            <a:off x="472792" y="918266"/>
+            <a:ext cx="1000608" cy="82917"/>
+          </a:xfrm>
+          <a:prstGeom prst="line">
+            <a:avLst/>
+          </a:prstGeom>
+          <a:solidFill>
+            <a:schemeClr val="bg1">
+              <a:lumMod val="75000"/>
+            </a:schemeClr>
+          </a:solidFill>
+          <a:ln w="12700">
+            <a:solidFill>
+              <a:schemeClr val="tx1">
+                <a:lumMod val="65000"/>
+                <a:lumOff val="35000"/>
+              </a:schemeClr>
+            </a:solidFill>
+          </a:ln>
+        </p:spPr>
+        <p:style>
+          <a:lnRef idx="2">
+            <a:schemeClr val="accent1">
+              <a:shade val="50000"/>
+            </a:schemeClr>
+          </a:lnRef>
+          <a:fillRef idx="1">
+            <a:schemeClr val="accent1"/>
+          </a:fillRef>
+          <a:effectRef idx="0">
+            <a:schemeClr val="accent1"/>
+          </a:effectRef>
+          <a:fontRef idx="minor">
+            <a:schemeClr val="lt1"/>
+          </a:fontRef>
+        </p:style>
+      </p:cxnSp>
+      <p:cxnSp>
+        <p:nvCxnSpPr>
+          <p:cNvPr id="166" name="Straight Connector 165">
+            <a:extLst>
+              <a:ext uri="{FF2B5EF4-FFF2-40B4-BE49-F238E27FC236}">
+                <a16:creationId xmlns:a16="http://schemas.microsoft.com/office/drawing/2014/main" id="{E89A05FC-F2E5-47D1-AF82-3A74EB123447}"/>
+              </a:ext>
+            </a:extLst>
+          </p:cNvPr>
+          <p:cNvCxnSpPr>
+            <a:cxnSpLocks/>
+          </p:cNvCxnSpPr>
+          <p:nvPr/>
+        </p:nvCxnSpPr>
+        <p:spPr>
+          <a:xfrm flipH="1">
+            <a:off x="1692998" y="5120619"/>
+            <a:ext cx="2338697" cy="0"/>
+          </a:xfrm>
+          <a:prstGeom prst="line">
+            <a:avLst/>
+          </a:prstGeom>
+          <a:ln w="19050">
+            <a:prstDash val="dash"/>
+          </a:ln>
+        </p:spPr>
+        <p:style>
+          <a:lnRef idx="1">
+            <a:schemeClr val="dk1"/>
+          </a:lnRef>
+          <a:fillRef idx="0">
+            <a:schemeClr val="dk1"/>
+          </a:fillRef>
+          <a:effectRef idx="0">
+            <a:schemeClr val="dk1"/>
+          </a:effectRef>
+          <a:fontRef idx="minor">
+            <a:schemeClr val="tx1"/>
+          </a:fontRef>
+        </p:style>
+      </p:cxnSp>
+      <p:cxnSp>
+        <p:nvCxnSpPr>
+          <p:cNvPr id="169" name="Straight Connector 168">
+            <a:extLst>
+              <a:ext uri="{FF2B5EF4-FFF2-40B4-BE49-F238E27FC236}">
+                <a16:creationId xmlns:a16="http://schemas.microsoft.com/office/drawing/2014/main" id="{1BF2450C-ECFE-435B-924F-F9389FE1B0D9}"/>
+              </a:ext>
+            </a:extLst>
+          </p:cNvPr>
+          <p:cNvCxnSpPr>
+            <a:cxnSpLocks/>
+          </p:cNvCxnSpPr>
+          <p:nvPr/>
+        </p:nvCxnSpPr>
+        <p:spPr>
+          <a:xfrm flipH="1">
+            <a:off x="6060525" y="2584232"/>
+            <a:ext cx="2171847" cy="0"/>
+          </a:xfrm>
+          <a:prstGeom prst="line">
+            <a:avLst/>
+          </a:prstGeom>
+          <a:ln w="19050">
+            <a:prstDash val="dash"/>
+          </a:ln>
+        </p:spPr>
+        <p:style>
+          <a:lnRef idx="1">
+            <a:schemeClr val="dk1"/>
+          </a:lnRef>
+          <a:fillRef idx="0">
+            <a:schemeClr val="dk1"/>
+          </a:fillRef>
+          <a:effectRef idx="0">
+            <a:schemeClr val="dk1"/>
+          </a:effectRef>
+          <a:fontRef idx="minor">
+            <a:schemeClr val="tx1"/>
+          </a:fontRef>
+        </p:style>
+      </p:cxnSp>
+      <p:sp>
+        <p:nvSpPr>
+          <p:cNvPr id="172" name="TextBox 171">
+            <a:extLst>
+              <a:ext uri="{FF2B5EF4-FFF2-40B4-BE49-F238E27FC236}">
+                <a16:creationId xmlns:a16="http://schemas.microsoft.com/office/drawing/2014/main" id="{AA6820EE-503F-4301-87A3-DD7E48671EF5}"/>
+              </a:ext>
+            </a:extLst>
+          </p:cNvPr>
+          <p:cNvSpPr txBox="1"/>
+          <p:nvPr/>
+        </p:nvSpPr>
+        <p:spPr>
+          <a:xfrm>
+            <a:off x="3452003" y="4800432"/>
+            <a:ext cx="320866" cy="307777"/>
+          </a:xfrm>
+          <a:prstGeom prst="rect">
+            <a:avLst/>
+          </a:prstGeom>
+          <a:noFill/>
+        </p:spPr>
+        <p:txBody>
+          <a:bodyPr wrap="square" rtlCol="0">
+            <a:spAutoFit/>
+          </a:bodyPr>
+          <a:lstStyle/>
+          <a:p>
+            <a:r>
+              <a:rPr lang="pt-BR" sz="1400" dirty="0"/>
+              <a:t>c</a:t>
+            </a:r>
+            <a:r>
+              <a:rPr lang="pt-BR" sz="1400" baseline="-25000" dirty="0"/>
+              <a:t>y</a:t>
+            </a:r>
+          </a:p>
+        </p:txBody>
+      </p:sp>
+      <p:cxnSp>
+        <p:nvCxnSpPr>
+          <p:cNvPr id="175" name="Straight Arrow Connector 174">
+            <a:extLst>
+              <a:ext uri="{FF2B5EF4-FFF2-40B4-BE49-F238E27FC236}">
+                <a16:creationId xmlns:a16="http://schemas.microsoft.com/office/drawing/2014/main" id="{DEB2C96F-A522-4675-ADFE-69FDE972A731}"/>
+              </a:ext>
+            </a:extLst>
+          </p:cNvPr>
+          <p:cNvCxnSpPr>
+            <a:cxnSpLocks/>
+          </p:cNvCxnSpPr>
+          <p:nvPr/>
+        </p:nvCxnSpPr>
+        <p:spPr>
+          <a:xfrm flipV="1">
+            <a:off x="7735428" y="2177991"/>
+            <a:ext cx="0" cy="412333"/>
+          </a:xfrm>
+          <a:prstGeom prst="straightConnector1">
+            <a:avLst/>
+          </a:prstGeom>
+          <a:ln w="19050">
+            <a:solidFill>
+              <a:schemeClr val="tx1"/>
+            </a:solidFill>
+            <a:tailEnd type="triangle"/>
+          </a:ln>
+        </p:spPr>
+        <p:style>
+          <a:lnRef idx="1">
+            <a:schemeClr val="accent1"/>
+          </a:lnRef>
+          <a:fillRef idx="0">
+            <a:schemeClr val="accent1"/>
+          </a:fillRef>
+          <a:effectRef idx="0">
+            <a:schemeClr val="accent1"/>
+          </a:effectRef>
+          <a:fontRef idx="minor">
+            <a:schemeClr val="tx1"/>
+          </a:fontRef>
+        </p:style>
+      </p:cxnSp>
+      <p:sp>
+        <p:nvSpPr>
+          <p:cNvPr id="176" name="TextBox 175">
+            <a:extLst>
+              <a:ext uri="{FF2B5EF4-FFF2-40B4-BE49-F238E27FC236}">
+                <a16:creationId xmlns:a16="http://schemas.microsoft.com/office/drawing/2014/main" id="{46EB09C9-E9C4-4DFD-A602-8F361E1F8C79}"/>
+              </a:ext>
+            </a:extLst>
+          </p:cNvPr>
+          <p:cNvSpPr txBox="1"/>
+          <p:nvPr/>
+        </p:nvSpPr>
+        <p:spPr>
+          <a:xfrm>
+            <a:off x="7735428" y="2125613"/>
+            <a:ext cx="320866" cy="307777"/>
+          </a:xfrm>
+          <a:prstGeom prst="rect">
+            <a:avLst/>
+          </a:prstGeom>
+          <a:noFill/>
+        </p:spPr>
+        <p:txBody>
+          <a:bodyPr wrap="square" rtlCol="0">
+            <a:spAutoFit/>
+          </a:bodyPr>
+          <a:lstStyle/>
+          <a:p>
+            <a:r>
+              <a:rPr lang="pt-BR" sz="1400" dirty="0"/>
+              <a:t>c</a:t>
+            </a:r>
+            <a:r>
+              <a:rPr lang="pt-BR" sz="1400" baseline="-25000" dirty="0"/>
+              <a:t>x</a:t>
+            </a:r>
+          </a:p>
+        </p:txBody>
+      </p:sp>
+      <p:sp>
+        <p:nvSpPr>
+          <p:cNvPr id="179" name="Arc 178">
+            <a:extLst>
+              <a:ext uri="{FF2B5EF4-FFF2-40B4-BE49-F238E27FC236}">
+                <a16:creationId xmlns:a16="http://schemas.microsoft.com/office/drawing/2014/main" id="{569B5B60-61F2-4168-9573-4468972F6A87}"/>
+              </a:ext>
+            </a:extLst>
+          </p:cNvPr>
+          <p:cNvSpPr/>
+          <p:nvPr/>
+        </p:nvSpPr>
+        <p:spPr>
+          <a:xfrm rot="2786912">
+            <a:off x="7449639" y="2108808"/>
+            <a:ext cx="999573" cy="1014966"/>
+          </a:xfrm>
+          <a:prstGeom prst="arc">
+            <a:avLst/>
+          </a:prstGeom>
+          <a:ln w="19050">
+            <a:solidFill>
+              <a:schemeClr val="accent1"/>
+            </a:solidFill>
+            <a:tailEnd type="triangle"/>
+          </a:ln>
+        </p:spPr>
+        <p:style>
+          <a:lnRef idx="1">
+            <a:schemeClr val="accent1"/>
+          </a:lnRef>
+          <a:fillRef idx="0">
+            <a:schemeClr val="accent1"/>
+          </a:fillRef>
+          <a:effectRef idx="0">
+            <a:schemeClr val="accent1"/>
+          </a:effectRef>
+          <a:fontRef idx="minor">
+            <a:schemeClr val="tx1"/>
+          </a:fontRef>
+        </p:style>
+        <p:txBody>
+          <a:bodyPr rtlCol="0" anchor="ctr"/>
+          <a:lstStyle/>
+          <a:p>
+            <a:pPr algn="ctr"/>
+            <a:endParaRPr lang="en-US"/>
+          </a:p>
+        </p:txBody>
+      </p:sp>
+      <p:sp>
+        <p:nvSpPr>
+          <p:cNvPr id="180" name="Arc 179">
+            <a:extLst>
+              <a:ext uri="{FF2B5EF4-FFF2-40B4-BE49-F238E27FC236}">
+                <a16:creationId xmlns:a16="http://schemas.microsoft.com/office/drawing/2014/main" id="{D248432D-871D-4F69-98DA-6BE486DECDD2}"/>
+              </a:ext>
+            </a:extLst>
+          </p:cNvPr>
+          <p:cNvSpPr/>
+          <p:nvPr/>
+        </p:nvSpPr>
+        <p:spPr>
+          <a:xfrm rot="18780103" flipH="1">
+            <a:off x="5806957" y="2061528"/>
+            <a:ext cx="999573" cy="1014966"/>
+          </a:xfrm>
+          <a:prstGeom prst="arc">
+            <a:avLst/>
+          </a:prstGeom>
+          <a:ln w="19050">
+            <a:solidFill>
+              <a:schemeClr val="accent1"/>
+            </a:solidFill>
+            <a:tailEnd type="triangle"/>
+          </a:ln>
+        </p:spPr>
+        <p:style>
+          <a:lnRef idx="1">
+            <a:schemeClr val="accent1"/>
+          </a:lnRef>
+          <a:fillRef idx="0">
+            <a:schemeClr val="accent1"/>
+          </a:fillRef>
+          <a:effectRef idx="0">
+            <a:schemeClr val="accent1"/>
+          </a:effectRef>
+          <a:fontRef idx="minor">
+            <a:schemeClr val="tx1"/>
+          </a:fontRef>
+        </p:style>
+        <p:txBody>
+          <a:bodyPr rtlCol="0" anchor="ctr"/>
+          <a:lstStyle/>
+          <a:p>
+            <a:pPr algn="ctr"/>
+            <a:endParaRPr lang="en-US"/>
+          </a:p>
+        </p:txBody>
+      </p:sp>
+      <p:sp>
+        <p:nvSpPr>
+          <p:cNvPr id="182" name="TextBox 181">
+            <a:extLst>
+              <a:ext uri="{FF2B5EF4-FFF2-40B4-BE49-F238E27FC236}">
+                <a16:creationId xmlns:a16="http://schemas.microsoft.com/office/drawing/2014/main" id="{FF24F8DA-D20B-4EFF-A013-F8CF0D143796}"/>
+              </a:ext>
+            </a:extLst>
+          </p:cNvPr>
+          <p:cNvSpPr txBox="1"/>
+          <p:nvPr/>
+        </p:nvSpPr>
+        <p:spPr>
+          <a:xfrm>
+            <a:off x="946464" y="4097130"/>
+            <a:ext cx="1343320" cy="369332"/>
+          </a:xfrm>
+          <a:prstGeom prst="rect">
+            <a:avLst/>
+          </a:prstGeom>
+          <a:noFill/>
+        </p:spPr>
+        <p:txBody>
+          <a:bodyPr wrap="square" rtlCol="0">
+            <a:spAutoFit/>
+          </a:bodyPr>
+          <a:lstStyle/>
+          <a:p>
+            <a:r>
+              <a:rPr lang="en-US" dirty="0"/>
+              <a:t>Top view:</a:t>
+            </a:r>
+          </a:p>
+        </p:txBody>
+      </p:sp>
+      <p:grpSp>
+        <p:nvGrpSpPr>
+          <p:cNvPr id="184" name="Group 183">
+            <a:extLst>
+              <a:ext uri="{FF2B5EF4-FFF2-40B4-BE49-F238E27FC236}">
+                <a16:creationId xmlns:a16="http://schemas.microsoft.com/office/drawing/2014/main" id="{2118C007-B8DE-4427-897F-BB3E8FB32644}"/>
+              </a:ext>
+            </a:extLst>
+          </p:cNvPr>
+          <p:cNvGrpSpPr/>
+          <p:nvPr/>
+        </p:nvGrpSpPr>
+        <p:grpSpPr>
+          <a:xfrm>
+            <a:off x="6621293" y="4578306"/>
+            <a:ext cx="779689" cy="1011681"/>
+            <a:chOff x="522463" y="318161"/>
+            <a:chExt cx="779689" cy="1011681"/>
+          </a:xfrm>
+        </p:grpSpPr>
+        <p:grpSp>
+          <p:nvGrpSpPr>
+            <p:cNvPr id="185" name="Group 184">
+              <a:extLst>
+                <a:ext uri="{FF2B5EF4-FFF2-40B4-BE49-F238E27FC236}">
+                  <a16:creationId xmlns:a16="http://schemas.microsoft.com/office/drawing/2014/main" id="{1987796A-3DBF-4F0D-9CEC-C6A1708A013E}"/>
+                </a:ext>
+              </a:extLst>
+            </p:cNvPr>
+            <p:cNvGrpSpPr/>
+            <p:nvPr/>
+          </p:nvGrpSpPr>
+          <p:grpSpPr>
+            <a:xfrm>
+              <a:off x="522463" y="318161"/>
+              <a:ext cx="779689" cy="1011681"/>
+              <a:chOff x="522463" y="318161"/>
+              <a:chExt cx="779689" cy="1011681"/>
+            </a:xfrm>
+          </p:grpSpPr>
+          <p:sp>
+            <p:nvSpPr>
+              <p:cNvPr id="191" name="Rectangle 190">
+                <a:extLst>
+                  <a:ext uri="{FF2B5EF4-FFF2-40B4-BE49-F238E27FC236}">
+                    <a16:creationId xmlns:a16="http://schemas.microsoft.com/office/drawing/2014/main" id="{B0480A74-5FE0-4E0C-8539-63EB6007A104}"/>
+                  </a:ext>
+                </a:extLst>
+              </p:cNvPr>
+              <p:cNvSpPr/>
+              <p:nvPr/>
+            </p:nvSpPr>
+            <p:spPr>
+              <a:xfrm>
+                <a:off x="531132" y="1093305"/>
+                <a:ext cx="771020" cy="236537"/>
+              </a:xfrm>
+              <a:prstGeom prst="rect">
+                <a:avLst/>
+              </a:prstGeom>
+              <a:solidFill>
+                <a:schemeClr val="bg1">
+                  <a:lumMod val="75000"/>
+                </a:schemeClr>
+              </a:solidFill>
+              <a:ln w="57150">
+                <a:noFill/>
+              </a:ln>
+            </p:spPr>
+            <p:style>
+              <a:lnRef idx="2">
+                <a:schemeClr val="accent1">
+                  <a:shade val="50000"/>
+                </a:schemeClr>
+              </a:lnRef>
+              <a:fillRef idx="1">
+                <a:schemeClr val="accent1"/>
+              </a:fillRef>
+              <a:effectRef idx="0">
+                <a:schemeClr val="accent1"/>
+              </a:effectRef>
+              <a:fontRef idx="minor">
+                <a:schemeClr val="lt1"/>
+              </a:fontRef>
+            </p:style>
+            <p:txBody>
+              <a:bodyPr rot="0" spcFirstLastPara="0" vertOverflow="overflow" horzOverflow="overflow" vert="horz" wrap="square" lIns="91440" tIns="45720" rIns="91440" bIns="45720" numCol="1" spcCol="0" rtlCol="0" fromWordArt="0" anchor="ctr" anchorCtr="0" forceAA="0" compatLnSpc="1">
+                <a:prstTxWarp prst="textNoShape">
+                  <a:avLst/>
+                </a:prstTxWarp>
+                <a:noAutofit/>
+              </a:bodyPr>
+              <a:lstStyle/>
+              <a:p>
+                <a:pPr algn="ctr"/>
+                <a:endParaRPr lang="pt-BR"/>
+              </a:p>
+            </p:txBody>
+          </p:sp>
+          <p:sp>
+            <p:nvSpPr>
+              <p:cNvPr id="192" name="Rectangle 191">
+                <a:extLst>
+                  <a:ext uri="{FF2B5EF4-FFF2-40B4-BE49-F238E27FC236}">
+                    <a16:creationId xmlns:a16="http://schemas.microsoft.com/office/drawing/2014/main" id="{8F0CE943-4923-4CB2-80D5-16072B8BCAE7}"/>
+                  </a:ext>
+                </a:extLst>
+              </p:cNvPr>
+              <p:cNvSpPr/>
+              <p:nvPr/>
+            </p:nvSpPr>
+            <p:spPr>
+              <a:xfrm>
+                <a:off x="531132" y="321982"/>
+                <a:ext cx="771020" cy="236537"/>
+              </a:xfrm>
+              <a:prstGeom prst="rect">
+                <a:avLst/>
+              </a:prstGeom>
+              <a:solidFill>
+                <a:schemeClr val="bg1">
+                  <a:lumMod val="75000"/>
+                </a:schemeClr>
+              </a:solidFill>
+              <a:ln w="57150">
+                <a:noFill/>
+              </a:ln>
+            </p:spPr>
+            <p:style>
+              <a:lnRef idx="2">
+                <a:schemeClr val="accent1">
+                  <a:shade val="50000"/>
+                </a:schemeClr>
+              </a:lnRef>
+              <a:fillRef idx="1">
+                <a:schemeClr val="accent1"/>
+              </a:fillRef>
+              <a:effectRef idx="0">
+                <a:schemeClr val="accent1"/>
+              </a:effectRef>
+              <a:fontRef idx="minor">
+                <a:schemeClr val="lt1"/>
+              </a:fontRef>
+            </p:style>
+            <p:txBody>
+              <a:bodyPr rot="0" spcFirstLastPara="0" vertOverflow="overflow" horzOverflow="overflow" vert="horz" wrap="square" lIns="91440" tIns="45720" rIns="91440" bIns="45720" numCol="1" spcCol="0" rtlCol="0" fromWordArt="0" anchor="ctr" anchorCtr="0" forceAA="0" compatLnSpc="1">
+                <a:prstTxWarp prst="textNoShape">
+                  <a:avLst/>
+                </a:prstTxWarp>
+                <a:noAutofit/>
+              </a:bodyPr>
+              <a:lstStyle/>
+              <a:p>
+                <a:pPr algn="ctr"/>
+                <a:endParaRPr lang="pt-BR"/>
+              </a:p>
+            </p:txBody>
+          </p:sp>
+          <p:sp>
+            <p:nvSpPr>
+              <p:cNvPr id="193" name="Rectangle 192">
+                <a:extLst>
+                  <a:ext uri="{FF2B5EF4-FFF2-40B4-BE49-F238E27FC236}">
+                    <a16:creationId xmlns:a16="http://schemas.microsoft.com/office/drawing/2014/main" id="{330AB879-7F94-452F-A134-05103FF75674}"/>
+                  </a:ext>
+                </a:extLst>
+              </p:cNvPr>
+              <p:cNvSpPr/>
+              <p:nvPr/>
+            </p:nvSpPr>
+            <p:spPr>
+              <a:xfrm>
+                <a:off x="796618" y="321983"/>
+                <a:ext cx="251972" cy="1000856"/>
+              </a:xfrm>
+              <a:prstGeom prst="rect">
+                <a:avLst/>
+              </a:prstGeom>
+              <a:solidFill>
+                <a:schemeClr val="bg1">
+                  <a:lumMod val="75000"/>
+                </a:schemeClr>
+              </a:solidFill>
+              <a:ln w="57150">
+                <a:noFill/>
+              </a:ln>
+            </p:spPr>
+            <p:style>
+              <a:lnRef idx="2">
+                <a:schemeClr val="accent1">
+                  <a:shade val="50000"/>
+                </a:schemeClr>
+              </a:lnRef>
+              <a:fillRef idx="1">
+                <a:schemeClr val="accent1"/>
+              </a:fillRef>
+              <a:effectRef idx="0">
+                <a:schemeClr val="accent1"/>
+              </a:effectRef>
+              <a:fontRef idx="minor">
+                <a:schemeClr val="lt1"/>
+              </a:fontRef>
+            </p:style>
+            <p:txBody>
+              <a:bodyPr rot="0" spcFirstLastPara="0" vertOverflow="overflow" horzOverflow="overflow" vert="horz" wrap="square" lIns="91440" tIns="45720" rIns="91440" bIns="45720" numCol="1" spcCol="0" rtlCol="0" fromWordArt="0" anchor="ctr" anchorCtr="0" forceAA="0" compatLnSpc="1">
+                <a:prstTxWarp prst="textNoShape">
+                  <a:avLst/>
+                </a:prstTxWarp>
+                <a:noAutofit/>
+              </a:bodyPr>
+              <a:lstStyle/>
+              <a:p>
+                <a:pPr algn="ctr"/>
+                <a:endParaRPr lang="pt-BR"/>
+              </a:p>
+            </p:txBody>
+          </p:sp>
+          <p:cxnSp>
+            <p:nvCxnSpPr>
+              <p:cNvPr id="194" name="Straight Connector 193">
+                <a:extLst>
+                  <a:ext uri="{FF2B5EF4-FFF2-40B4-BE49-F238E27FC236}">
+                    <a16:creationId xmlns:a16="http://schemas.microsoft.com/office/drawing/2014/main" id="{0CB06B92-46BA-40FF-AB74-1730E5100231}"/>
+                  </a:ext>
+                </a:extLst>
+              </p:cNvPr>
+              <p:cNvCxnSpPr>
+                <a:cxnSpLocks/>
+              </p:cNvCxnSpPr>
+              <p:nvPr/>
+            </p:nvCxnSpPr>
+            <p:spPr>
+              <a:xfrm flipH="1">
+                <a:off x="1296601" y="318161"/>
+                <a:ext cx="0" cy="236089"/>
+              </a:xfrm>
+              <a:prstGeom prst="line">
+                <a:avLst/>
+              </a:prstGeom>
+              <a:solidFill>
+                <a:schemeClr val="bg1">
+                  <a:lumMod val="75000"/>
+                </a:schemeClr>
+              </a:solidFill>
+              <a:ln w="19050">
+                <a:solidFill>
+                  <a:schemeClr val="tx1">
+                    <a:lumMod val="65000"/>
+                    <a:lumOff val="35000"/>
+                  </a:schemeClr>
+                </a:solidFill>
+              </a:ln>
+            </p:spPr>
+            <p:style>
+              <a:lnRef idx="2">
+                <a:schemeClr val="accent1">
+                  <a:shade val="50000"/>
+                </a:schemeClr>
+              </a:lnRef>
+              <a:fillRef idx="1">
+                <a:schemeClr val="accent1"/>
+              </a:fillRef>
+              <a:effectRef idx="0">
+                <a:schemeClr val="accent1"/>
+              </a:effectRef>
+              <a:fontRef idx="minor">
+                <a:schemeClr val="lt1"/>
+              </a:fontRef>
+            </p:style>
+          </p:cxnSp>
+          <p:cxnSp>
+            <p:nvCxnSpPr>
+              <p:cNvPr id="195" name="Straight Connector 194">
+                <a:extLst>
+                  <a:ext uri="{FF2B5EF4-FFF2-40B4-BE49-F238E27FC236}">
+                    <a16:creationId xmlns:a16="http://schemas.microsoft.com/office/drawing/2014/main" id="{A2DC8FBA-7F26-4B56-BB9B-5410C9DE0AD6}"/>
+                  </a:ext>
+                </a:extLst>
+              </p:cNvPr>
+              <p:cNvCxnSpPr>
+                <a:cxnSpLocks/>
+              </p:cNvCxnSpPr>
+              <p:nvPr/>
+            </p:nvCxnSpPr>
+            <p:spPr>
+              <a:xfrm flipH="1">
+                <a:off x="1290658" y="1088542"/>
+                <a:ext cx="0" cy="236089"/>
+              </a:xfrm>
+              <a:prstGeom prst="line">
+                <a:avLst/>
+              </a:prstGeom>
+              <a:solidFill>
+                <a:schemeClr val="bg1">
+                  <a:lumMod val="75000"/>
+                </a:schemeClr>
+              </a:solidFill>
+              <a:ln w="19050">
+                <a:solidFill>
+                  <a:schemeClr val="tx1">
+                    <a:lumMod val="65000"/>
+                    <a:lumOff val="35000"/>
+                  </a:schemeClr>
+                </a:solidFill>
+              </a:ln>
+            </p:spPr>
+            <p:style>
+              <a:lnRef idx="2">
+                <a:schemeClr val="accent1">
+                  <a:shade val="50000"/>
+                </a:schemeClr>
+              </a:lnRef>
+              <a:fillRef idx="1">
+                <a:schemeClr val="accent1"/>
+              </a:fillRef>
+              <a:effectRef idx="0">
+                <a:schemeClr val="accent1"/>
+              </a:effectRef>
+              <a:fontRef idx="minor">
+                <a:schemeClr val="lt1"/>
+              </a:fontRef>
+            </p:style>
+          </p:cxnSp>
+          <p:cxnSp>
+            <p:nvCxnSpPr>
+              <p:cNvPr id="196" name="Straight Connector 195">
+                <a:extLst>
+                  <a:ext uri="{FF2B5EF4-FFF2-40B4-BE49-F238E27FC236}">
+                    <a16:creationId xmlns:a16="http://schemas.microsoft.com/office/drawing/2014/main" id="{3B1192AD-356A-40AB-8A2D-418DB6560B7C}"/>
+                  </a:ext>
+                </a:extLst>
+              </p:cNvPr>
+              <p:cNvCxnSpPr>
+                <a:cxnSpLocks/>
+              </p:cNvCxnSpPr>
+              <p:nvPr/>
+            </p:nvCxnSpPr>
+            <p:spPr>
+              <a:xfrm>
+                <a:off x="1048589" y="554250"/>
+                <a:ext cx="0" cy="534292"/>
+              </a:xfrm>
+              <a:prstGeom prst="line">
+                <a:avLst/>
+              </a:prstGeom>
+              <a:solidFill>
+                <a:schemeClr val="bg1">
+                  <a:lumMod val="75000"/>
+                </a:schemeClr>
+              </a:solidFill>
+              <a:ln w="19050">
+                <a:solidFill>
+                  <a:schemeClr val="tx1">
+                    <a:lumMod val="65000"/>
+                    <a:lumOff val="35000"/>
+                  </a:schemeClr>
+                </a:solidFill>
+              </a:ln>
+            </p:spPr>
+            <p:style>
+              <a:lnRef idx="2">
+                <a:schemeClr val="accent1">
+                  <a:shade val="50000"/>
+                </a:schemeClr>
+              </a:lnRef>
+              <a:fillRef idx="1">
+                <a:schemeClr val="accent1"/>
+              </a:fillRef>
+              <a:effectRef idx="0">
+                <a:schemeClr val="accent1"/>
+              </a:effectRef>
+              <a:fontRef idx="minor">
+                <a:schemeClr val="lt1"/>
+              </a:fontRef>
+            </p:style>
+          </p:cxnSp>
+          <p:cxnSp>
+            <p:nvCxnSpPr>
+              <p:cNvPr id="197" name="Straight Connector 196">
+                <a:extLst>
+                  <a:ext uri="{FF2B5EF4-FFF2-40B4-BE49-F238E27FC236}">
+                    <a16:creationId xmlns:a16="http://schemas.microsoft.com/office/drawing/2014/main" id="{2BCD8295-4C00-4972-9D3F-A348B16549D2}"/>
+                  </a:ext>
+                </a:extLst>
+              </p:cNvPr>
+              <p:cNvCxnSpPr>
+                <a:cxnSpLocks/>
+              </p:cNvCxnSpPr>
+              <p:nvPr/>
+            </p:nvCxnSpPr>
+            <p:spPr>
+              <a:xfrm>
+                <a:off x="522463" y="328431"/>
+                <a:ext cx="774138" cy="0"/>
+              </a:xfrm>
+              <a:prstGeom prst="line">
+                <a:avLst/>
+              </a:prstGeom>
+              <a:solidFill>
+                <a:schemeClr val="bg1">
+                  <a:lumMod val="75000"/>
+                </a:schemeClr>
+              </a:solidFill>
+              <a:ln w="19050">
+                <a:solidFill>
+                  <a:schemeClr val="tx1">
+                    <a:lumMod val="65000"/>
+                    <a:lumOff val="35000"/>
+                  </a:schemeClr>
+                </a:solidFill>
+              </a:ln>
+            </p:spPr>
+            <p:style>
+              <a:lnRef idx="2">
+                <a:schemeClr val="accent1">
+                  <a:shade val="50000"/>
+                </a:schemeClr>
+              </a:lnRef>
+              <a:fillRef idx="1">
+                <a:schemeClr val="accent1"/>
+              </a:fillRef>
+              <a:effectRef idx="0">
+                <a:schemeClr val="accent1"/>
+              </a:effectRef>
+              <a:fontRef idx="minor">
+                <a:schemeClr val="lt1"/>
+              </a:fontRef>
+            </p:style>
+          </p:cxnSp>
+          <p:cxnSp>
+            <p:nvCxnSpPr>
+              <p:cNvPr id="198" name="Straight Connector 197">
+                <a:extLst>
+                  <a:ext uri="{FF2B5EF4-FFF2-40B4-BE49-F238E27FC236}">
+                    <a16:creationId xmlns:a16="http://schemas.microsoft.com/office/drawing/2014/main" id="{89DCF523-D893-4623-8B43-5E5DB7A681BF}"/>
+                  </a:ext>
+                </a:extLst>
+              </p:cNvPr>
+              <p:cNvCxnSpPr>
+                <a:cxnSpLocks/>
+              </p:cNvCxnSpPr>
+              <p:nvPr/>
+            </p:nvCxnSpPr>
+            <p:spPr>
+              <a:xfrm>
+                <a:off x="522463" y="1322839"/>
+                <a:ext cx="766018" cy="0"/>
+              </a:xfrm>
+              <a:prstGeom prst="line">
+                <a:avLst/>
+              </a:prstGeom>
+              <a:solidFill>
+                <a:schemeClr val="bg1">
+                  <a:lumMod val="75000"/>
+                </a:schemeClr>
+              </a:solidFill>
+              <a:ln w="19050">
+                <a:solidFill>
+                  <a:schemeClr val="tx1">
+                    <a:lumMod val="65000"/>
+                    <a:lumOff val="35000"/>
+                  </a:schemeClr>
+                </a:solidFill>
+              </a:ln>
+            </p:spPr>
+            <p:style>
+              <a:lnRef idx="2">
+                <a:schemeClr val="accent1">
+                  <a:shade val="50000"/>
+                </a:schemeClr>
+              </a:lnRef>
+              <a:fillRef idx="1">
+                <a:schemeClr val="accent1"/>
+              </a:fillRef>
+              <a:effectRef idx="0">
+                <a:schemeClr val="accent1"/>
+              </a:effectRef>
+              <a:fontRef idx="minor">
+                <a:schemeClr val="lt1"/>
+              </a:fontRef>
+            </p:style>
+          </p:cxnSp>
+          <p:cxnSp>
+            <p:nvCxnSpPr>
+              <p:cNvPr id="199" name="Straight Connector 198">
+                <a:extLst>
+                  <a:ext uri="{FF2B5EF4-FFF2-40B4-BE49-F238E27FC236}">
+                    <a16:creationId xmlns:a16="http://schemas.microsoft.com/office/drawing/2014/main" id="{EFB1BD48-D701-4257-B8D5-7ED79E4E006C}"/>
+                  </a:ext>
+                </a:extLst>
+              </p:cNvPr>
+              <p:cNvCxnSpPr>
+                <a:cxnSpLocks/>
+              </p:cNvCxnSpPr>
+              <p:nvPr/>
+            </p:nvCxnSpPr>
+            <p:spPr>
+              <a:xfrm>
+                <a:off x="1048589" y="1087473"/>
+                <a:ext cx="248012" cy="0"/>
+              </a:xfrm>
+              <a:prstGeom prst="line">
+                <a:avLst/>
+              </a:prstGeom>
+              <a:solidFill>
+                <a:schemeClr val="bg1">
+                  <a:lumMod val="75000"/>
+                </a:schemeClr>
+              </a:solidFill>
+              <a:ln w="19050">
+                <a:solidFill>
+                  <a:schemeClr val="tx1">
+                    <a:lumMod val="65000"/>
+                    <a:lumOff val="35000"/>
+                  </a:schemeClr>
+                </a:solidFill>
+              </a:ln>
+            </p:spPr>
+            <p:style>
+              <a:lnRef idx="2">
+                <a:schemeClr val="accent1">
+                  <a:shade val="50000"/>
+                </a:schemeClr>
+              </a:lnRef>
+              <a:fillRef idx="1">
+                <a:schemeClr val="accent1"/>
+              </a:fillRef>
+              <a:effectRef idx="0">
+                <a:schemeClr val="accent1"/>
+              </a:effectRef>
+              <a:fontRef idx="minor">
+                <a:schemeClr val="lt1"/>
+              </a:fontRef>
+            </p:style>
+          </p:cxnSp>
+          <p:cxnSp>
+            <p:nvCxnSpPr>
+              <p:cNvPr id="200" name="Straight Connector 199">
+                <a:extLst>
+                  <a:ext uri="{FF2B5EF4-FFF2-40B4-BE49-F238E27FC236}">
+                    <a16:creationId xmlns:a16="http://schemas.microsoft.com/office/drawing/2014/main" id="{3FA93854-219E-42FF-9719-36798D9692E3}"/>
+                  </a:ext>
+                </a:extLst>
+              </p:cNvPr>
+              <p:cNvCxnSpPr>
+                <a:cxnSpLocks/>
+              </p:cNvCxnSpPr>
+              <p:nvPr/>
+            </p:nvCxnSpPr>
+            <p:spPr>
+              <a:xfrm>
+                <a:off x="1048590" y="556455"/>
+                <a:ext cx="248011" cy="0"/>
+              </a:xfrm>
+              <a:prstGeom prst="line">
+                <a:avLst/>
+              </a:prstGeom>
+              <a:solidFill>
+                <a:schemeClr val="bg1">
+                  <a:lumMod val="75000"/>
+                </a:schemeClr>
+              </a:solidFill>
+              <a:ln w="19050">
+                <a:solidFill>
+                  <a:schemeClr val="tx1">
+                    <a:lumMod val="65000"/>
+                    <a:lumOff val="35000"/>
+                  </a:schemeClr>
+                </a:solidFill>
+              </a:ln>
+            </p:spPr>
+            <p:style>
+              <a:lnRef idx="2">
+                <a:schemeClr val="accent1">
+                  <a:shade val="50000"/>
+                </a:schemeClr>
+              </a:lnRef>
+              <a:fillRef idx="1">
+                <a:schemeClr val="accent1"/>
+              </a:fillRef>
+              <a:effectRef idx="0">
+                <a:schemeClr val="accent1"/>
+              </a:effectRef>
+              <a:fontRef idx="minor">
+                <a:schemeClr val="lt1"/>
+              </a:fontRef>
+            </p:style>
+          </p:cxnSp>
+        </p:grpSp>
+        <p:cxnSp>
+          <p:nvCxnSpPr>
+            <p:cNvPr id="186" name="Straight Connector 185">
+              <a:extLst>
+                <a:ext uri="{FF2B5EF4-FFF2-40B4-BE49-F238E27FC236}">
+                  <a16:creationId xmlns:a16="http://schemas.microsoft.com/office/drawing/2014/main" id="{F3A384AD-CBED-43E0-B8BC-C62CB7B48FAB}"/>
+                </a:ext>
+              </a:extLst>
+            </p:cNvPr>
+            <p:cNvCxnSpPr>
+              <a:cxnSpLocks/>
+            </p:cNvCxnSpPr>
+            <p:nvPr/>
+          </p:nvCxnSpPr>
+          <p:spPr>
+            <a:xfrm>
+              <a:off x="522463" y="1087473"/>
+              <a:ext cx="276471" cy="0"/>
+            </a:xfrm>
+            <a:prstGeom prst="line">
+              <a:avLst/>
+            </a:prstGeom>
+            <a:solidFill>
+              <a:schemeClr val="bg1">
+                <a:lumMod val="75000"/>
+              </a:schemeClr>
+            </a:solidFill>
+            <a:ln w="19050">
+              <a:solidFill>
+                <a:schemeClr val="tx1">
+                  <a:lumMod val="65000"/>
+                  <a:lumOff val="35000"/>
+                </a:schemeClr>
+              </a:solidFill>
+            </a:ln>
+          </p:spPr>
+          <p:style>
+            <a:lnRef idx="2">
+              <a:schemeClr val="accent1">
+                <a:shade val="50000"/>
+              </a:schemeClr>
+            </a:lnRef>
+            <a:fillRef idx="1">
+              <a:schemeClr val="accent1"/>
+            </a:fillRef>
+            <a:effectRef idx="0">
+              <a:schemeClr val="accent1"/>
+            </a:effectRef>
+            <a:fontRef idx="minor">
+              <a:schemeClr val="lt1"/>
+            </a:fontRef>
+          </p:style>
+        </p:cxnSp>
+        <p:cxnSp>
+          <p:nvCxnSpPr>
+            <p:cNvPr id="187" name="Straight Connector 186">
+              <a:extLst>
+                <a:ext uri="{FF2B5EF4-FFF2-40B4-BE49-F238E27FC236}">
+                  <a16:creationId xmlns:a16="http://schemas.microsoft.com/office/drawing/2014/main" id="{41D765EB-749D-4098-B8FE-3F338C6022A1}"/>
+                </a:ext>
+              </a:extLst>
+            </p:cNvPr>
+            <p:cNvCxnSpPr>
+              <a:cxnSpLocks/>
+            </p:cNvCxnSpPr>
+            <p:nvPr/>
+          </p:nvCxnSpPr>
+          <p:spPr>
+            <a:xfrm>
+              <a:off x="522463" y="563017"/>
+              <a:ext cx="276471" cy="0"/>
+            </a:xfrm>
+            <a:prstGeom prst="line">
+              <a:avLst/>
+            </a:prstGeom>
+            <a:solidFill>
+              <a:schemeClr val="bg1">
+                <a:lumMod val="75000"/>
+              </a:schemeClr>
+            </a:solidFill>
+            <a:ln w="19050">
+              <a:solidFill>
+                <a:schemeClr val="tx1">
+                  <a:lumMod val="65000"/>
+                  <a:lumOff val="35000"/>
+                </a:schemeClr>
+              </a:solidFill>
+            </a:ln>
+          </p:spPr>
+          <p:style>
+            <a:lnRef idx="2">
+              <a:schemeClr val="accent1">
+                <a:shade val="50000"/>
+              </a:schemeClr>
+            </a:lnRef>
+            <a:fillRef idx="1">
+              <a:schemeClr val="accent1"/>
+            </a:fillRef>
+            <a:effectRef idx="0">
+              <a:schemeClr val="accent1"/>
+            </a:effectRef>
+            <a:fontRef idx="minor">
+              <a:schemeClr val="lt1"/>
+            </a:fontRef>
+          </p:style>
+        </p:cxnSp>
+        <p:cxnSp>
+          <p:nvCxnSpPr>
+            <p:cNvPr id="188" name="Straight Connector 187">
+              <a:extLst>
+                <a:ext uri="{FF2B5EF4-FFF2-40B4-BE49-F238E27FC236}">
+                  <a16:creationId xmlns:a16="http://schemas.microsoft.com/office/drawing/2014/main" id="{BE275568-55B4-4104-AFA5-311E085AA959}"/>
+                </a:ext>
+              </a:extLst>
+            </p:cNvPr>
+            <p:cNvCxnSpPr>
+              <a:cxnSpLocks/>
+            </p:cNvCxnSpPr>
+            <p:nvPr/>
+          </p:nvCxnSpPr>
+          <p:spPr>
+            <a:xfrm>
+              <a:off x="795295" y="563017"/>
+              <a:ext cx="0" cy="534292"/>
+            </a:xfrm>
+            <a:prstGeom prst="line">
+              <a:avLst/>
+            </a:prstGeom>
+            <a:solidFill>
+              <a:schemeClr val="bg1">
+                <a:lumMod val="75000"/>
+              </a:schemeClr>
+            </a:solidFill>
+            <a:ln w="19050">
+              <a:solidFill>
+                <a:schemeClr val="tx1">
+                  <a:lumMod val="65000"/>
+                  <a:lumOff val="35000"/>
+                </a:schemeClr>
+              </a:solidFill>
+            </a:ln>
+          </p:spPr>
+          <p:style>
+            <a:lnRef idx="2">
+              <a:schemeClr val="accent1">
+                <a:shade val="50000"/>
+              </a:schemeClr>
+            </a:lnRef>
+            <a:fillRef idx="1">
+              <a:schemeClr val="accent1"/>
+            </a:fillRef>
+            <a:effectRef idx="0">
+              <a:schemeClr val="accent1"/>
+            </a:effectRef>
+            <a:fontRef idx="minor">
+              <a:schemeClr val="lt1"/>
+            </a:fontRef>
+          </p:style>
+        </p:cxnSp>
+        <p:cxnSp>
+          <p:nvCxnSpPr>
+            <p:cNvPr id="189" name="Straight Connector 188">
+              <a:extLst>
+                <a:ext uri="{FF2B5EF4-FFF2-40B4-BE49-F238E27FC236}">
+                  <a16:creationId xmlns:a16="http://schemas.microsoft.com/office/drawing/2014/main" id="{A55A3AA6-ED2D-4726-8E08-CBD8219FB007}"/>
+                </a:ext>
+              </a:extLst>
+            </p:cNvPr>
+            <p:cNvCxnSpPr>
+              <a:cxnSpLocks/>
+            </p:cNvCxnSpPr>
+            <p:nvPr/>
+          </p:nvCxnSpPr>
+          <p:spPr>
+            <a:xfrm flipH="1">
+              <a:off x="530908" y="326928"/>
+              <a:ext cx="0" cy="236089"/>
+            </a:xfrm>
+            <a:prstGeom prst="line">
+              <a:avLst/>
+            </a:prstGeom>
+            <a:solidFill>
+              <a:schemeClr val="bg1">
+                <a:lumMod val="75000"/>
+              </a:schemeClr>
+            </a:solidFill>
+            <a:ln w="19050">
+              <a:solidFill>
+                <a:schemeClr val="tx1">
+                  <a:lumMod val="65000"/>
+                  <a:lumOff val="35000"/>
+                </a:schemeClr>
+              </a:solidFill>
+            </a:ln>
+          </p:spPr>
+          <p:style>
+            <a:lnRef idx="2">
+              <a:schemeClr val="accent1">
+                <a:shade val="50000"/>
+              </a:schemeClr>
+            </a:lnRef>
+            <a:fillRef idx="1">
+              <a:schemeClr val="accent1"/>
+            </a:fillRef>
+            <a:effectRef idx="0">
+              <a:schemeClr val="accent1"/>
+            </a:effectRef>
+            <a:fontRef idx="minor">
+              <a:schemeClr val="lt1"/>
+            </a:fontRef>
+          </p:style>
+        </p:cxnSp>
+        <p:cxnSp>
+          <p:nvCxnSpPr>
+            <p:cNvPr id="190" name="Straight Connector 189">
+              <a:extLst>
+                <a:ext uri="{FF2B5EF4-FFF2-40B4-BE49-F238E27FC236}">
+                  <a16:creationId xmlns:a16="http://schemas.microsoft.com/office/drawing/2014/main" id="{85646095-9F12-4514-B2A8-AFE947D5284E}"/>
+                </a:ext>
+              </a:extLst>
+            </p:cNvPr>
+            <p:cNvCxnSpPr>
+              <a:cxnSpLocks/>
+            </p:cNvCxnSpPr>
+            <p:nvPr/>
+          </p:nvCxnSpPr>
+          <p:spPr>
+            <a:xfrm flipH="1">
+              <a:off x="530908" y="1087473"/>
+              <a:ext cx="0" cy="236089"/>
+            </a:xfrm>
+            <a:prstGeom prst="line">
+              <a:avLst/>
+            </a:prstGeom>
+            <a:solidFill>
+              <a:schemeClr val="bg1">
+                <a:lumMod val="75000"/>
+              </a:schemeClr>
+            </a:solidFill>
+            <a:ln w="19050">
+              <a:solidFill>
+                <a:schemeClr val="tx1">
+                  <a:lumMod val="65000"/>
+                  <a:lumOff val="35000"/>
+                </a:schemeClr>
+              </a:solidFill>
+            </a:ln>
+          </p:spPr>
+          <p:style>
+            <a:lnRef idx="2">
+              <a:schemeClr val="accent1">
+                <a:shade val="50000"/>
+              </a:schemeClr>
+            </a:lnRef>
+            <a:fillRef idx="1">
+              <a:schemeClr val="accent1"/>
+            </a:fillRef>
+            <a:effectRef idx="0">
+              <a:schemeClr val="accent1"/>
+            </a:effectRef>
+            <a:fontRef idx="minor">
+              <a:schemeClr val="lt1"/>
+            </a:fontRef>
+          </p:style>
+        </p:cxnSp>
+      </p:grpSp>
+      <p:sp>
+        <p:nvSpPr>
+          <p:cNvPr id="208" name="TextBox 207">
+            <a:extLst>
+              <a:ext uri="{FF2B5EF4-FFF2-40B4-BE49-F238E27FC236}">
+                <a16:creationId xmlns:a16="http://schemas.microsoft.com/office/drawing/2014/main" id="{B95FE39B-66A8-4C29-9F82-50373F867FE1}"/>
+              </a:ext>
+            </a:extLst>
+          </p:cNvPr>
+          <p:cNvSpPr txBox="1"/>
+          <p:nvPr/>
+        </p:nvSpPr>
+        <p:spPr>
+          <a:xfrm>
+            <a:off x="8408120" y="2682697"/>
+            <a:ext cx="392668" cy="307777"/>
+          </a:xfrm>
+          <a:prstGeom prst="rect">
+            <a:avLst/>
+          </a:prstGeom>
+          <a:noFill/>
+        </p:spPr>
+        <p:txBody>
+          <a:bodyPr wrap="square" rtlCol="0">
+            <a:spAutoFit/>
+          </a:bodyPr>
+          <a:lstStyle/>
+          <a:p>
+            <a:r>
+              <a:rPr lang="pt-BR" sz="1400" dirty="0">
+                <a:solidFill>
+                  <a:schemeClr val="accent1"/>
+                </a:solidFill>
+              </a:rPr>
+              <a:t>M</a:t>
+            </a:r>
+            <a:r>
+              <a:rPr lang="pt-BR" sz="1400" baseline="-25000" dirty="0">
+                <a:solidFill>
+                  <a:schemeClr val="accent1"/>
+                </a:solidFill>
+              </a:rPr>
+              <a:t>x</a:t>
+            </a:r>
+          </a:p>
+        </p:txBody>
+      </p:sp>
+      <p:sp>
+        <p:nvSpPr>
+          <p:cNvPr id="118" name="TextBox 117">
+            <a:extLst>
+              <a:ext uri="{FF2B5EF4-FFF2-40B4-BE49-F238E27FC236}">
+                <a16:creationId xmlns:a16="http://schemas.microsoft.com/office/drawing/2014/main" id="{7DDE7D30-6163-4A91-AA00-D3F918E71BA1}"/>
+              </a:ext>
+            </a:extLst>
+          </p:cNvPr>
+          <p:cNvSpPr txBox="1"/>
+          <p:nvPr/>
+        </p:nvSpPr>
+        <p:spPr>
+          <a:xfrm>
+            <a:off x="1136110" y="5148445"/>
+            <a:ext cx="392668" cy="307777"/>
+          </a:xfrm>
+          <a:prstGeom prst="rect">
+            <a:avLst/>
+          </a:prstGeom>
+          <a:noFill/>
+        </p:spPr>
+        <p:txBody>
+          <a:bodyPr wrap="square" rtlCol="0">
+            <a:spAutoFit/>
+          </a:bodyPr>
+          <a:lstStyle/>
+          <a:p>
+            <a:r>
+              <a:rPr lang="pt-BR" sz="1400" dirty="0">
+                <a:solidFill>
+                  <a:schemeClr val="accent1"/>
+                </a:solidFill>
+              </a:rPr>
+              <a:t>M</a:t>
+            </a:r>
+            <a:r>
+              <a:rPr lang="pt-BR" sz="1400" baseline="-25000" dirty="0">
+                <a:solidFill>
+                  <a:schemeClr val="accent1"/>
+                </a:solidFill>
+              </a:rPr>
+              <a:t>y</a:t>
+            </a:r>
+          </a:p>
+        </p:txBody>
+      </p:sp>
+      <p:sp>
+        <p:nvSpPr>
+          <p:cNvPr id="122" name="Arc 121">
+            <a:extLst>
+              <a:ext uri="{FF2B5EF4-FFF2-40B4-BE49-F238E27FC236}">
+                <a16:creationId xmlns:a16="http://schemas.microsoft.com/office/drawing/2014/main" id="{77A02344-3083-4934-AF7B-8B2AC07EDDF9}"/>
+              </a:ext>
+            </a:extLst>
+          </p:cNvPr>
+          <p:cNvSpPr/>
+          <p:nvPr/>
+        </p:nvSpPr>
+        <p:spPr>
+          <a:xfrm rot="2786912">
+            <a:off x="3245783" y="4661571"/>
+            <a:ext cx="999573" cy="1014966"/>
+          </a:xfrm>
+          <a:prstGeom prst="arc">
+            <a:avLst/>
+          </a:prstGeom>
+          <a:ln w="19050">
+            <a:solidFill>
+              <a:schemeClr val="accent1"/>
+            </a:solidFill>
+            <a:tailEnd type="triangle"/>
+          </a:ln>
+        </p:spPr>
+        <p:style>
+          <a:lnRef idx="1">
+            <a:schemeClr val="accent1"/>
+          </a:lnRef>
+          <a:fillRef idx="0">
+            <a:schemeClr val="accent1"/>
+          </a:fillRef>
+          <a:effectRef idx="0">
+            <a:schemeClr val="accent1"/>
+          </a:effectRef>
+          <a:fontRef idx="minor">
+            <a:schemeClr val="tx1"/>
+          </a:fontRef>
+        </p:style>
+        <p:txBody>
+          <a:bodyPr rtlCol="0" anchor="ctr"/>
+          <a:lstStyle/>
+          <a:p>
+            <a:pPr algn="ctr"/>
+            <a:endParaRPr lang="en-US"/>
+          </a:p>
+        </p:txBody>
+      </p:sp>
+      <p:sp>
+        <p:nvSpPr>
+          <p:cNvPr id="123" name="Arc 122">
+            <a:extLst>
+              <a:ext uri="{FF2B5EF4-FFF2-40B4-BE49-F238E27FC236}">
+                <a16:creationId xmlns:a16="http://schemas.microsoft.com/office/drawing/2014/main" id="{F6A07BE6-45A5-47CB-9699-D7D222DC55FB}"/>
+              </a:ext>
+            </a:extLst>
+          </p:cNvPr>
+          <p:cNvSpPr/>
+          <p:nvPr/>
+        </p:nvSpPr>
+        <p:spPr>
+          <a:xfrm rot="18780103" flipH="1">
+            <a:off x="1464768" y="4598737"/>
+            <a:ext cx="999573" cy="1014966"/>
+          </a:xfrm>
+          <a:prstGeom prst="arc">
+            <a:avLst/>
+          </a:prstGeom>
+          <a:ln w="19050">
+            <a:solidFill>
+              <a:schemeClr val="accent1"/>
+            </a:solidFill>
+            <a:tailEnd type="triangle"/>
+          </a:ln>
+        </p:spPr>
+        <p:style>
+          <a:lnRef idx="1">
+            <a:schemeClr val="accent1"/>
+          </a:lnRef>
+          <a:fillRef idx="0">
+            <a:schemeClr val="accent1"/>
+          </a:fillRef>
+          <a:effectRef idx="0">
+            <a:schemeClr val="accent1"/>
+          </a:effectRef>
+          <a:fontRef idx="minor">
+            <a:schemeClr val="tx1"/>
+          </a:fontRef>
+        </p:style>
+        <p:txBody>
+          <a:bodyPr rtlCol="0" anchor="ctr"/>
+          <a:lstStyle/>
+          <a:p>
+            <a:pPr algn="ctr"/>
+            <a:endParaRPr lang="en-US"/>
+          </a:p>
+        </p:txBody>
+      </p:sp>
+      <p:sp>
+        <p:nvSpPr>
+          <p:cNvPr id="130" name="TextBox 129">
+            <a:extLst>
+              <a:ext uri="{FF2B5EF4-FFF2-40B4-BE49-F238E27FC236}">
+                <a16:creationId xmlns:a16="http://schemas.microsoft.com/office/drawing/2014/main" id="{87FFF42F-CAF1-46C8-9E3E-C757C09B4256}"/>
+              </a:ext>
+            </a:extLst>
+          </p:cNvPr>
+          <p:cNvSpPr txBox="1"/>
+          <p:nvPr/>
+        </p:nvSpPr>
+        <p:spPr>
+          <a:xfrm>
+            <a:off x="4204264" y="5235460"/>
+            <a:ext cx="392668" cy="307777"/>
+          </a:xfrm>
+          <a:prstGeom prst="rect">
+            <a:avLst/>
+          </a:prstGeom>
+          <a:noFill/>
+        </p:spPr>
+        <p:txBody>
+          <a:bodyPr wrap="square" rtlCol="0">
+            <a:spAutoFit/>
+          </a:bodyPr>
+          <a:lstStyle/>
+          <a:p>
+            <a:r>
+              <a:rPr lang="pt-BR" sz="1400" dirty="0">
+                <a:solidFill>
+                  <a:schemeClr val="accent1"/>
+                </a:solidFill>
+              </a:rPr>
+              <a:t>M</a:t>
+            </a:r>
+            <a:r>
+              <a:rPr lang="pt-BR" sz="1400" baseline="-25000" dirty="0">
+                <a:solidFill>
+                  <a:schemeClr val="accent1"/>
+                </a:solidFill>
+              </a:rPr>
+              <a:t>y</a:t>
+            </a:r>
+          </a:p>
+        </p:txBody>
+      </p:sp>
+      <p:sp>
+        <p:nvSpPr>
+          <p:cNvPr id="131" name="TextBox 130">
+            <a:extLst>
+              <a:ext uri="{FF2B5EF4-FFF2-40B4-BE49-F238E27FC236}">
+                <a16:creationId xmlns:a16="http://schemas.microsoft.com/office/drawing/2014/main" id="{B9B6D78E-FC50-412E-AB92-FE52293C5271}"/>
+              </a:ext>
+            </a:extLst>
+          </p:cNvPr>
+          <p:cNvSpPr txBox="1"/>
+          <p:nvPr/>
+        </p:nvSpPr>
+        <p:spPr>
+          <a:xfrm>
+            <a:off x="6480461" y="4119424"/>
+            <a:ext cx="392668" cy="307777"/>
+          </a:xfrm>
+          <a:prstGeom prst="rect">
+            <a:avLst/>
+          </a:prstGeom>
+          <a:noFill/>
+        </p:spPr>
+        <p:txBody>
+          <a:bodyPr wrap="square" rtlCol="0">
+            <a:spAutoFit/>
+          </a:bodyPr>
+          <a:lstStyle/>
+          <a:p>
+            <a:r>
+              <a:rPr lang="pt-BR" sz="1400" dirty="0">
+                <a:solidFill>
+                  <a:schemeClr val="accent1"/>
+                </a:solidFill>
+              </a:rPr>
+              <a:t>T</a:t>
+            </a:r>
+            <a:endParaRPr lang="pt-BR" sz="1400" baseline="-25000" dirty="0">
+              <a:solidFill>
+                <a:schemeClr val="accent1"/>
+              </a:solidFill>
+            </a:endParaRPr>
+          </a:p>
+        </p:txBody>
+      </p:sp>
+      <p:sp>
+        <p:nvSpPr>
+          <p:cNvPr id="132" name="Arc 131">
+            <a:extLst>
+              <a:ext uri="{FF2B5EF4-FFF2-40B4-BE49-F238E27FC236}">
+                <a16:creationId xmlns:a16="http://schemas.microsoft.com/office/drawing/2014/main" id="{587FB7F5-D84F-406C-B84B-954B7C433304}"/>
+              </a:ext>
+            </a:extLst>
+          </p:cNvPr>
+          <p:cNvSpPr/>
+          <p:nvPr/>
+        </p:nvSpPr>
+        <p:spPr>
+          <a:xfrm rot="2416994" flipH="1">
+            <a:off x="6345423" y="4288342"/>
+            <a:ext cx="1358657" cy="1379580"/>
+          </a:xfrm>
+          <a:prstGeom prst="arc">
+            <a:avLst/>
+          </a:prstGeom>
+          <a:ln w="19050">
+            <a:solidFill>
+              <a:schemeClr val="accent1"/>
+            </a:solidFill>
+            <a:tailEnd type="triangle"/>
+          </a:ln>
+        </p:spPr>
+        <p:style>
+          <a:lnRef idx="1">
+            <a:schemeClr val="accent1"/>
+          </a:lnRef>
+          <a:fillRef idx="0">
+            <a:schemeClr val="accent1"/>
+          </a:fillRef>
+          <a:effectRef idx="0">
+            <a:schemeClr val="accent1"/>
+          </a:effectRef>
+          <a:fontRef idx="minor">
+            <a:schemeClr val="tx1"/>
+          </a:fontRef>
+        </p:style>
+        <p:txBody>
+          <a:bodyPr rtlCol="0" anchor="ctr"/>
+          <a:lstStyle/>
+          <a:p>
+            <a:pPr algn="ctr"/>
+            <a:endParaRPr lang="en-US"/>
+          </a:p>
+        </p:txBody>
+      </p:sp>
+      <p:sp>
+        <p:nvSpPr>
+          <p:cNvPr id="134" name="TextBox 133">
+            <a:extLst>
+              <a:ext uri="{FF2B5EF4-FFF2-40B4-BE49-F238E27FC236}">
+                <a16:creationId xmlns:a16="http://schemas.microsoft.com/office/drawing/2014/main" id="{2666B92A-4B67-4C42-BD71-ADE74841B7F0}"/>
+              </a:ext>
+            </a:extLst>
+          </p:cNvPr>
+          <p:cNvSpPr txBox="1"/>
+          <p:nvPr/>
+        </p:nvSpPr>
+        <p:spPr>
+          <a:xfrm>
+            <a:off x="5547219" y="3811939"/>
+            <a:ext cx="1343320" cy="369332"/>
+          </a:xfrm>
+          <a:prstGeom prst="rect">
+            <a:avLst/>
+          </a:prstGeom>
+          <a:noFill/>
+        </p:spPr>
+        <p:txBody>
+          <a:bodyPr wrap="square" rtlCol="0">
+            <a:spAutoFit/>
+          </a:bodyPr>
+          <a:lstStyle/>
+          <a:p>
+            <a:r>
+              <a:rPr lang="en-US" dirty="0"/>
+              <a:t>Front view:</a:t>
+            </a:r>
+          </a:p>
+        </p:txBody>
+      </p:sp>
+      <p:sp>
+        <p:nvSpPr>
+          <p:cNvPr id="141" name="TextBox 140">
+            <a:extLst>
+              <a:ext uri="{FF2B5EF4-FFF2-40B4-BE49-F238E27FC236}">
+                <a16:creationId xmlns:a16="http://schemas.microsoft.com/office/drawing/2014/main" id="{3599602A-1D36-4DDD-9264-CABB57390DD2}"/>
+              </a:ext>
+            </a:extLst>
+          </p:cNvPr>
+          <p:cNvSpPr txBox="1"/>
+          <p:nvPr/>
+        </p:nvSpPr>
+        <p:spPr>
+          <a:xfrm>
+            <a:off x="6981869" y="5564641"/>
+            <a:ext cx="320866" cy="307777"/>
+          </a:xfrm>
+          <a:prstGeom prst="rect">
+            <a:avLst/>
+          </a:prstGeom>
+          <a:noFill/>
+        </p:spPr>
+        <p:txBody>
+          <a:bodyPr wrap="square" rtlCol="0">
+            <a:spAutoFit/>
+          </a:bodyPr>
+          <a:lstStyle/>
+          <a:p>
+            <a:r>
+              <a:rPr lang="pt-BR" sz="1400" dirty="0"/>
+              <a:t>y</a:t>
+            </a:r>
+            <a:endParaRPr lang="pt-BR" sz="1400" baseline="-25000" dirty="0"/>
+          </a:p>
+        </p:txBody>
+      </p:sp>
+      <p:sp>
+        <p:nvSpPr>
+          <p:cNvPr id="144" name="TextBox 143">
+            <a:extLst>
+              <a:ext uri="{FF2B5EF4-FFF2-40B4-BE49-F238E27FC236}">
+                <a16:creationId xmlns:a16="http://schemas.microsoft.com/office/drawing/2014/main" id="{E6206135-D0FB-4825-9CA1-0A8432F75B14}"/>
+              </a:ext>
+            </a:extLst>
+          </p:cNvPr>
+          <p:cNvSpPr txBox="1"/>
+          <p:nvPr/>
+        </p:nvSpPr>
+        <p:spPr>
+          <a:xfrm>
+            <a:off x="6968352" y="4277574"/>
+            <a:ext cx="320866" cy="307777"/>
+          </a:xfrm>
+          <a:prstGeom prst="rect">
+            <a:avLst/>
+          </a:prstGeom>
+          <a:noFill/>
+        </p:spPr>
+        <p:txBody>
+          <a:bodyPr wrap="square" rtlCol="0">
+            <a:spAutoFit/>
+          </a:bodyPr>
+          <a:lstStyle/>
+          <a:p>
+            <a:r>
+              <a:rPr lang="pt-BR" sz="1400" dirty="0"/>
+              <a:t>y</a:t>
+            </a:r>
+            <a:endParaRPr lang="pt-BR" sz="1400" baseline="-25000" dirty="0"/>
+          </a:p>
+        </p:txBody>
+      </p:sp>
+      <p:cxnSp>
+        <p:nvCxnSpPr>
+          <p:cNvPr id="145" name="Straight Connector 144">
+            <a:extLst>
+              <a:ext uri="{FF2B5EF4-FFF2-40B4-BE49-F238E27FC236}">
+                <a16:creationId xmlns:a16="http://schemas.microsoft.com/office/drawing/2014/main" id="{37F0474B-9CDD-4F9F-9504-FDA18BF7D7FA}"/>
+              </a:ext>
+            </a:extLst>
+          </p:cNvPr>
+          <p:cNvCxnSpPr>
+            <a:cxnSpLocks/>
+          </p:cNvCxnSpPr>
+          <p:nvPr/>
+        </p:nvCxnSpPr>
+        <p:spPr>
+          <a:xfrm flipH="1">
+            <a:off x="6308641" y="5078249"/>
+            <a:ext cx="1332787" cy="0"/>
+          </a:xfrm>
+          <a:prstGeom prst="line">
+            <a:avLst/>
+          </a:prstGeom>
+          <a:ln w="19050">
+            <a:prstDash val="dash"/>
+          </a:ln>
+        </p:spPr>
+        <p:style>
+          <a:lnRef idx="1">
+            <a:schemeClr val="dk1"/>
+          </a:lnRef>
+          <a:fillRef idx="0">
+            <a:schemeClr val="dk1"/>
+          </a:fillRef>
+          <a:effectRef idx="0">
+            <a:schemeClr val="dk1"/>
+          </a:effectRef>
+          <a:fontRef idx="minor">
+            <a:schemeClr val="tx1"/>
+          </a:fontRef>
+        </p:style>
+      </p:cxnSp>
+      <p:cxnSp>
+        <p:nvCxnSpPr>
+          <p:cNvPr id="146" name="Straight Connector 145">
+            <a:extLst>
+              <a:ext uri="{FF2B5EF4-FFF2-40B4-BE49-F238E27FC236}">
+                <a16:creationId xmlns:a16="http://schemas.microsoft.com/office/drawing/2014/main" id="{EA19CEEC-3346-43C5-90E9-95A65FA3BBA6}"/>
+              </a:ext>
+            </a:extLst>
+          </p:cNvPr>
+          <p:cNvCxnSpPr>
+            <a:cxnSpLocks/>
+          </p:cNvCxnSpPr>
+          <p:nvPr/>
+        </p:nvCxnSpPr>
+        <p:spPr>
+          <a:xfrm flipV="1">
+            <a:off x="7005357" y="4367497"/>
+            <a:ext cx="23762" cy="1438898"/>
+          </a:xfrm>
+          <a:prstGeom prst="line">
+            <a:avLst/>
+          </a:prstGeom>
+          <a:ln w="19050">
+            <a:prstDash val="dash"/>
+          </a:ln>
+        </p:spPr>
+        <p:style>
+          <a:lnRef idx="1">
+            <a:schemeClr val="dk1"/>
+          </a:lnRef>
+          <a:fillRef idx="0">
+            <a:schemeClr val="dk1"/>
+          </a:fillRef>
+          <a:effectRef idx="0">
+            <a:schemeClr val="dk1"/>
+          </a:effectRef>
+          <a:fontRef idx="minor">
+            <a:schemeClr val="tx1"/>
+          </a:fontRef>
+        </p:style>
+      </p:cxnSp>
+      <p:sp>
+        <p:nvSpPr>
+          <p:cNvPr id="147" name="TextBox 146">
+            <a:extLst>
+              <a:ext uri="{FF2B5EF4-FFF2-40B4-BE49-F238E27FC236}">
+                <a16:creationId xmlns:a16="http://schemas.microsoft.com/office/drawing/2014/main" id="{70D6B005-F498-4826-B1CB-3EA6C359AD60}"/>
+              </a:ext>
+            </a:extLst>
+          </p:cNvPr>
+          <p:cNvSpPr txBox="1"/>
+          <p:nvPr/>
+        </p:nvSpPr>
+        <p:spPr>
+          <a:xfrm>
+            <a:off x="7412906" y="4811275"/>
+            <a:ext cx="320866" cy="307777"/>
+          </a:xfrm>
+          <a:prstGeom prst="rect">
+            <a:avLst/>
+          </a:prstGeom>
+          <a:noFill/>
+        </p:spPr>
+        <p:txBody>
+          <a:bodyPr wrap="square" rtlCol="0">
+            <a:spAutoFit/>
+          </a:bodyPr>
+          <a:lstStyle/>
+          <a:p>
+            <a:r>
+              <a:rPr lang="pt-BR" sz="1400" dirty="0"/>
+              <a:t>x</a:t>
+            </a:r>
+            <a:endParaRPr lang="pt-BR" sz="1400" baseline="-25000" dirty="0"/>
+          </a:p>
+        </p:txBody>
+      </p:sp>
+      <p:sp>
+        <p:nvSpPr>
+          <p:cNvPr id="150" name="TextBox 149">
+            <a:extLst>
+              <a:ext uri="{FF2B5EF4-FFF2-40B4-BE49-F238E27FC236}">
+                <a16:creationId xmlns:a16="http://schemas.microsoft.com/office/drawing/2014/main" id="{D30E6B3F-0FA6-4FC2-976F-91F85B5198C2}"/>
+              </a:ext>
+            </a:extLst>
+          </p:cNvPr>
+          <p:cNvSpPr txBox="1"/>
+          <p:nvPr/>
+        </p:nvSpPr>
+        <p:spPr>
+          <a:xfrm>
+            <a:off x="6321020" y="4812557"/>
+            <a:ext cx="320866" cy="307777"/>
+          </a:xfrm>
+          <a:prstGeom prst="rect">
+            <a:avLst/>
+          </a:prstGeom>
+          <a:noFill/>
+        </p:spPr>
+        <p:txBody>
+          <a:bodyPr wrap="square" rtlCol="0">
+            <a:spAutoFit/>
+          </a:bodyPr>
+          <a:lstStyle/>
+          <a:p>
+            <a:r>
+              <a:rPr lang="pt-BR" sz="1400" dirty="0"/>
+              <a:t>x</a:t>
+            </a:r>
+            <a:endParaRPr lang="pt-BR" sz="1400" baseline="-25000" dirty="0"/>
+          </a:p>
+        </p:txBody>
+      </p:sp>
+      <p:cxnSp>
+        <p:nvCxnSpPr>
+          <p:cNvPr id="151" name="Straight Arrow Connector 150">
+            <a:extLst>
+              <a:ext uri="{FF2B5EF4-FFF2-40B4-BE49-F238E27FC236}">
+                <a16:creationId xmlns:a16="http://schemas.microsoft.com/office/drawing/2014/main" id="{7A107EF8-3672-44C7-A419-9D81B534BF37}"/>
+              </a:ext>
+            </a:extLst>
+          </p:cNvPr>
+          <p:cNvCxnSpPr>
+            <a:cxnSpLocks/>
+          </p:cNvCxnSpPr>
+          <p:nvPr/>
+        </p:nvCxnSpPr>
+        <p:spPr>
+          <a:xfrm>
+            <a:off x="2827015" y="4788021"/>
+            <a:ext cx="312207" cy="0"/>
+          </a:xfrm>
+          <a:prstGeom prst="straightConnector1">
+            <a:avLst/>
+          </a:prstGeom>
+          <a:ln w="19050">
+            <a:solidFill>
+              <a:srgbClr val="C00000"/>
+            </a:solidFill>
+            <a:tailEnd type="triangle"/>
+          </a:ln>
+        </p:spPr>
+        <p:style>
+          <a:lnRef idx="1">
+            <a:schemeClr val="accent1"/>
+          </a:lnRef>
+          <a:fillRef idx="0">
+            <a:schemeClr val="accent1"/>
+          </a:fillRef>
+          <a:effectRef idx="0">
+            <a:schemeClr val="accent1"/>
+          </a:effectRef>
+          <a:fontRef idx="minor">
+            <a:schemeClr val="tx1"/>
+          </a:fontRef>
+        </p:style>
+      </p:cxnSp>
+      <p:sp>
+        <p:nvSpPr>
+          <p:cNvPr id="155" name="TextBox 154">
+            <a:extLst>
+              <a:ext uri="{FF2B5EF4-FFF2-40B4-BE49-F238E27FC236}">
+                <a16:creationId xmlns:a16="http://schemas.microsoft.com/office/drawing/2014/main" id="{0DAA9FAE-02A4-44D7-85E6-049871502081}"/>
+              </a:ext>
+            </a:extLst>
+          </p:cNvPr>
+          <p:cNvSpPr txBox="1"/>
+          <p:nvPr/>
+        </p:nvSpPr>
+        <p:spPr>
+          <a:xfrm>
+            <a:off x="2818356" y="4437057"/>
+            <a:ext cx="320866" cy="338554"/>
+          </a:xfrm>
+          <a:prstGeom prst="rect">
+            <a:avLst/>
+          </a:prstGeom>
+          <a:noFill/>
+        </p:spPr>
+        <p:txBody>
+          <a:bodyPr wrap="square" rtlCol="0">
+            <a:spAutoFit/>
+          </a:bodyPr>
+          <a:lstStyle/>
+          <a:p>
+            <a:r>
+              <a:rPr lang="el-GR" sz="2400" baseline="-25000" dirty="0">
+                <a:solidFill>
+                  <a:srgbClr val="C00000"/>
+                </a:solidFill>
+              </a:rPr>
+              <a:t>σ</a:t>
+            </a:r>
+            <a:endParaRPr lang="pt-BR" sz="2400" baseline="-25000" dirty="0">
+              <a:solidFill>
+                <a:srgbClr val="C00000"/>
+              </a:solidFill>
+            </a:endParaRPr>
+          </a:p>
+        </p:txBody>
+      </p:sp>
+      <p:cxnSp>
+        <p:nvCxnSpPr>
+          <p:cNvPr id="157" name="Straight Arrow Connector 156">
+            <a:extLst>
+              <a:ext uri="{FF2B5EF4-FFF2-40B4-BE49-F238E27FC236}">
+                <a16:creationId xmlns:a16="http://schemas.microsoft.com/office/drawing/2014/main" id="{6C0D7058-097F-4B76-9680-45A287341B83}"/>
+              </a:ext>
+            </a:extLst>
+          </p:cNvPr>
+          <p:cNvCxnSpPr>
+            <a:cxnSpLocks/>
+          </p:cNvCxnSpPr>
+          <p:nvPr/>
+        </p:nvCxnSpPr>
+        <p:spPr>
+          <a:xfrm flipH="1">
+            <a:off x="2514808" y="5453216"/>
+            <a:ext cx="312207" cy="0"/>
+          </a:xfrm>
+          <a:prstGeom prst="straightConnector1">
+            <a:avLst/>
+          </a:prstGeom>
+          <a:ln w="19050">
+            <a:solidFill>
+              <a:srgbClr val="C00000"/>
+            </a:solidFill>
+            <a:tailEnd type="triangle"/>
+          </a:ln>
+        </p:spPr>
+        <p:style>
+          <a:lnRef idx="1">
+            <a:schemeClr val="accent1"/>
+          </a:lnRef>
+          <a:fillRef idx="0">
+            <a:schemeClr val="accent1"/>
+          </a:fillRef>
+          <a:effectRef idx="0">
+            <a:schemeClr val="accent1"/>
+          </a:effectRef>
+          <a:fontRef idx="minor">
+            <a:schemeClr val="tx1"/>
+          </a:fontRef>
+        </p:style>
+      </p:cxnSp>
+      <p:cxnSp>
+        <p:nvCxnSpPr>
+          <p:cNvPr id="13" name="Straight Connector 12">
+            <a:extLst>
+              <a:ext uri="{FF2B5EF4-FFF2-40B4-BE49-F238E27FC236}">
+                <a16:creationId xmlns:a16="http://schemas.microsoft.com/office/drawing/2014/main" id="{C50B7A93-C4F3-47CE-A975-0C8775198D86}"/>
+              </a:ext>
+            </a:extLst>
+          </p:cNvPr>
+          <p:cNvCxnSpPr>
+            <a:stCxn id="162" idx="0"/>
+            <a:endCxn id="162" idx="2"/>
+          </p:cNvCxnSpPr>
+          <p:nvPr/>
+        </p:nvCxnSpPr>
+        <p:spPr>
+          <a:xfrm>
+            <a:off x="2827015" y="4788021"/>
+            <a:ext cx="0" cy="665195"/>
+          </a:xfrm>
+          <a:prstGeom prst="line">
+            <a:avLst/>
+          </a:prstGeom>
+          <a:ln w="19050">
+            <a:solidFill>
+              <a:srgbClr val="C00000"/>
+            </a:solidFill>
+            <a:prstDash val="sysDot"/>
+            <a:headEnd type="none" w="med" len="med"/>
+            <a:tailEnd type="none" w="med" len="med"/>
+          </a:ln>
+        </p:spPr>
+        <p:style>
+          <a:lnRef idx="1">
+            <a:schemeClr val="accent1"/>
+          </a:lnRef>
+          <a:fillRef idx="0">
+            <a:schemeClr val="accent1"/>
+          </a:fillRef>
+          <a:effectRef idx="0">
+            <a:schemeClr val="accent1"/>
+          </a:effectRef>
+          <a:fontRef idx="minor">
+            <a:schemeClr val="tx1"/>
+          </a:fontRef>
+        </p:style>
+      </p:cxnSp>
+      <p:cxnSp>
+        <p:nvCxnSpPr>
+          <p:cNvPr id="158" name="Straight Connector 157">
+            <a:extLst>
+              <a:ext uri="{FF2B5EF4-FFF2-40B4-BE49-F238E27FC236}">
+                <a16:creationId xmlns:a16="http://schemas.microsoft.com/office/drawing/2014/main" id="{528E883D-CA12-4725-9BE7-348498424943}"/>
+              </a:ext>
+            </a:extLst>
+          </p:cNvPr>
+          <p:cNvCxnSpPr>
+            <a:cxnSpLocks/>
+          </p:cNvCxnSpPr>
+          <p:nvPr/>
+        </p:nvCxnSpPr>
+        <p:spPr>
+          <a:xfrm flipH="1">
+            <a:off x="2527755" y="4800432"/>
+            <a:ext cx="594803" cy="648092"/>
+          </a:xfrm>
+          <a:prstGeom prst="line">
+            <a:avLst/>
+          </a:prstGeom>
+          <a:ln w="19050">
+            <a:solidFill>
+              <a:srgbClr val="C00000"/>
+            </a:solidFill>
+            <a:prstDash val="sysDot"/>
+            <a:headEnd type="none" w="med" len="med"/>
+            <a:tailEnd type="none" w="med" len="med"/>
+          </a:ln>
+        </p:spPr>
+        <p:style>
+          <a:lnRef idx="1">
+            <a:schemeClr val="accent1"/>
+          </a:lnRef>
+          <a:fillRef idx="0">
+            <a:schemeClr val="accent1"/>
+          </a:fillRef>
+          <a:effectRef idx="0">
+            <a:schemeClr val="accent1"/>
+          </a:effectRef>
+          <a:fontRef idx="minor">
+            <a:schemeClr val="tx1"/>
+          </a:fontRef>
+        </p:style>
+      </p:cxnSp>
+      <p:cxnSp>
+        <p:nvCxnSpPr>
+          <p:cNvPr id="161" name="Straight Arrow Connector 160">
+            <a:extLst>
+              <a:ext uri="{FF2B5EF4-FFF2-40B4-BE49-F238E27FC236}">
+                <a16:creationId xmlns:a16="http://schemas.microsoft.com/office/drawing/2014/main" id="{F3379A63-25C0-498B-B24A-6504663DCBA3}"/>
+              </a:ext>
+            </a:extLst>
+          </p:cNvPr>
+          <p:cNvCxnSpPr>
+            <a:cxnSpLocks/>
+          </p:cNvCxnSpPr>
+          <p:nvPr/>
+        </p:nvCxnSpPr>
+        <p:spPr>
+          <a:xfrm>
+            <a:off x="7131408" y="2176743"/>
+            <a:ext cx="312207" cy="0"/>
+          </a:xfrm>
+          <a:prstGeom prst="straightConnector1">
+            <a:avLst/>
+          </a:prstGeom>
+          <a:ln w="19050">
+            <a:solidFill>
+              <a:srgbClr val="C00000"/>
+            </a:solidFill>
+            <a:tailEnd type="triangle"/>
+          </a:ln>
+        </p:spPr>
+        <p:style>
+          <a:lnRef idx="1">
+            <a:schemeClr val="accent1"/>
+          </a:lnRef>
+          <a:fillRef idx="0">
+            <a:schemeClr val="accent1"/>
+          </a:fillRef>
+          <a:effectRef idx="0">
+            <a:schemeClr val="accent1"/>
+          </a:effectRef>
+          <a:fontRef idx="minor">
+            <a:schemeClr val="tx1"/>
+          </a:fontRef>
+        </p:style>
+      </p:cxnSp>
+      <p:sp>
+        <p:nvSpPr>
+          <p:cNvPr id="167" name="TextBox 166">
+            <a:extLst>
+              <a:ext uri="{FF2B5EF4-FFF2-40B4-BE49-F238E27FC236}">
+                <a16:creationId xmlns:a16="http://schemas.microsoft.com/office/drawing/2014/main" id="{2AFAB8FE-AAEB-4BA0-B9DA-9C7A02565A10}"/>
+              </a:ext>
+            </a:extLst>
+          </p:cNvPr>
+          <p:cNvSpPr txBox="1"/>
+          <p:nvPr/>
+        </p:nvSpPr>
+        <p:spPr>
+          <a:xfrm>
+            <a:off x="7122749" y="1825779"/>
+            <a:ext cx="320866" cy="338554"/>
+          </a:xfrm>
+          <a:prstGeom prst="rect">
+            <a:avLst/>
+          </a:prstGeom>
+          <a:noFill/>
+        </p:spPr>
+        <p:txBody>
+          <a:bodyPr wrap="square" rtlCol="0">
+            <a:spAutoFit/>
+          </a:bodyPr>
+          <a:lstStyle/>
+          <a:p>
+            <a:r>
+              <a:rPr lang="el-GR" sz="2400" baseline="-25000" dirty="0">
+                <a:solidFill>
+                  <a:srgbClr val="C00000"/>
+                </a:solidFill>
+              </a:rPr>
+              <a:t>σ</a:t>
+            </a:r>
+            <a:endParaRPr lang="pt-BR" sz="2400" baseline="-25000" dirty="0">
+              <a:solidFill>
+                <a:srgbClr val="C00000"/>
+              </a:solidFill>
+            </a:endParaRPr>
+          </a:p>
+        </p:txBody>
+      </p:sp>
+      <p:cxnSp>
+        <p:nvCxnSpPr>
+          <p:cNvPr id="168" name="Straight Arrow Connector 167">
+            <a:extLst>
+              <a:ext uri="{FF2B5EF4-FFF2-40B4-BE49-F238E27FC236}">
+                <a16:creationId xmlns:a16="http://schemas.microsoft.com/office/drawing/2014/main" id="{0D5C0B62-5EAC-43E0-ABDC-41D146F11522}"/>
+              </a:ext>
+            </a:extLst>
+          </p:cNvPr>
+          <p:cNvCxnSpPr>
+            <a:cxnSpLocks/>
+          </p:cNvCxnSpPr>
+          <p:nvPr/>
+        </p:nvCxnSpPr>
+        <p:spPr>
+          <a:xfrm flipH="1">
+            <a:off x="6819201" y="2990474"/>
+            <a:ext cx="312207" cy="0"/>
+          </a:xfrm>
+          <a:prstGeom prst="straightConnector1">
+            <a:avLst/>
+          </a:prstGeom>
+          <a:ln w="19050">
+            <a:solidFill>
+              <a:srgbClr val="C00000"/>
+            </a:solidFill>
+            <a:tailEnd type="triangle"/>
+          </a:ln>
+        </p:spPr>
+        <p:style>
+          <a:lnRef idx="1">
+            <a:schemeClr val="accent1"/>
+          </a:lnRef>
+          <a:fillRef idx="0">
+            <a:schemeClr val="accent1"/>
+          </a:fillRef>
+          <a:effectRef idx="0">
+            <a:schemeClr val="accent1"/>
+          </a:effectRef>
+          <a:fontRef idx="minor">
+            <a:schemeClr val="tx1"/>
+          </a:fontRef>
+        </p:style>
+      </p:cxnSp>
+      <p:cxnSp>
+        <p:nvCxnSpPr>
+          <p:cNvPr id="170" name="Straight Connector 169">
+            <a:extLst>
+              <a:ext uri="{FF2B5EF4-FFF2-40B4-BE49-F238E27FC236}">
+                <a16:creationId xmlns:a16="http://schemas.microsoft.com/office/drawing/2014/main" id="{B667BA85-F09E-4264-A04B-E8260C95C4C8}"/>
+              </a:ext>
+            </a:extLst>
+          </p:cNvPr>
+          <p:cNvCxnSpPr>
+            <a:cxnSpLocks/>
+            <a:stCxn id="163" idx="0"/>
+            <a:endCxn id="165" idx="2"/>
+          </p:cNvCxnSpPr>
+          <p:nvPr/>
+        </p:nvCxnSpPr>
+        <p:spPr>
+          <a:xfrm flipH="1">
+            <a:off x="7114211" y="2177991"/>
+            <a:ext cx="2" cy="812483"/>
+          </a:xfrm>
+          <a:prstGeom prst="line">
+            <a:avLst/>
+          </a:prstGeom>
+          <a:ln w="19050">
+            <a:solidFill>
+              <a:srgbClr val="C00000"/>
+            </a:solidFill>
+            <a:prstDash val="sysDot"/>
+            <a:headEnd type="none" w="med" len="med"/>
+            <a:tailEnd type="none" w="med" len="med"/>
+          </a:ln>
+        </p:spPr>
+        <p:style>
+          <a:lnRef idx="1">
+            <a:schemeClr val="accent1"/>
+          </a:lnRef>
+          <a:fillRef idx="0">
+            <a:schemeClr val="accent1"/>
+          </a:fillRef>
+          <a:effectRef idx="0">
+            <a:schemeClr val="accent1"/>
+          </a:effectRef>
+          <a:fontRef idx="minor">
+            <a:schemeClr val="tx1"/>
+          </a:fontRef>
+        </p:style>
+      </p:cxnSp>
+      <p:cxnSp>
+        <p:nvCxnSpPr>
+          <p:cNvPr id="171" name="Straight Connector 170">
+            <a:extLst>
+              <a:ext uri="{FF2B5EF4-FFF2-40B4-BE49-F238E27FC236}">
+                <a16:creationId xmlns:a16="http://schemas.microsoft.com/office/drawing/2014/main" id="{2C0EED03-062D-413B-A9AC-95A44AF486EB}"/>
+              </a:ext>
+            </a:extLst>
+          </p:cNvPr>
+          <p:cNvCxnSpPr>
+            <a:cxnSpLocks/>
+          </p:cNvCxnSpPr>
+          <p:nvPr/>
+        </p:nvCxnSpPr>
+        <p:spPr>
+          <a:xfrm flipH="1">
+            <a:off x="6825632" y="2189154"/>
+            <a:ext cx="601320" cy="806012"/>
+          </a:xfrm>
+          <a:prstGeom prst="line">
+            <a:avLst/>
+          </a:prstGeom>
+          <a:ln w="19050">
+            <a:solidFill>
+              <a:srgbClr val="C00000"/>
+            </a:solidFill>
+            <a:prstDash val="sysDot"/>
+            <a:headEnd type="none" w="med" len="med"/>
+            <a:tailEnd type="none" w="med" len="med"/>
+          </a:ln>
+        </p:spPr>
+        <p:style>
+          <a:lnRef idx="1">
+            <a:schemeClr val="accent1"/>
+          </a:lnRef>
+          <a:fillRef idx="0">
+            <a:schemeClr val="accent1"/>
+          </a:fillRef>
+          <a:effectRef idx="0">
+            <a:schemeClr val="accent1"/>
+          </a:effectRef>
+          <a:fontRef idx="minor">
+            <a:schemeClr val="tx1"/>
+          </a:fontRef>
+        </p:style>
+      </p:cxnSp>
+      <p:sp>
+        <p:nvSpPr>
+          <p:cNvPr id="50" name="TextBox 49">
+            <a:extLst>
+              <a:ext uri="{FF2B5EF4-FFF2-40B4-BE49-F238E27FC236}">
+                <a16:creationId xmlns:a16="http://schemas.microsoft.com/office/drawing/2014/main" id="{3846EC2E-E971-4ADD-B77B-7D20D4B260CF}"/>
+              </a:ext>
+            </a:extLst>
+          </p:cNvPr>
+          <p:cNvSpPr txBox="1"/>
+          <p:nvPr/>
+        </p:nvSpPr>
+        <p:spPr>
+          <a:xfrm>
+            <a:off x="5409949" y="1848357"/>
+            <a:ext cx="1847866" cy="307777"/>
+          </a:xfrm>
+          <a:prstGeom prst="rect">
+            <a:avLst/>
+          </a:prstGeom>
+          <a:noFill/>
+        </p:spPr>
+        <p:txBody>
+          <a:bodyPr wrap="square" rtlCol="0">
+            <a:spAutoFit/>
+          </a:bodyPr>
+          <a:lstStyle>
+            <a:defPPr>
+              <a:defRPr lang="en-US"/>
+            </a:defPPr>
+            <a:lvl1pPr>
+              <a:defRPr sz="1400">
+                <a:solidFill>
+                  <a:schemeClr val="accent1"/>
+                </a:solidFill>
+              </a:defRPr>
+            </a:lvl1pPr>
+          </a:lstStyle>
+          <a:p>
+            <a:r>
+              <a:rPr lang="en-US" dirty="0"/>
+              <a:t>Bending stress, x-axis:</a:t>
+            </a:r>
+          </a:p>
+        </p:txBody>
+      </p:sp>
+      <p:sp>
+        <p:nvSpPr>
+          <p:cNvPr id="173" name="TextBox 172">
+            <a:extLst>
+              <a:ext uri="{FF2B5EF4-FFF2-40B4-BE49-F238E27FC236}">
+                <a16:creationId xmlns:a16="http://schemas.microsoft.com/office/drawing/2014/main" id="{C8A65462-FFB9-4B67-A8E6-E04E15289A74}"/>
+              </a:ext>
+            </a:extLst>
+          </p:cNvPr>
+          <p:cNvSpPr txBox="1"/>
+          <p:nvPr/>
+        </p:nvSpPr>
+        <p:spPr>
+          <a:xfrm>
+            <a:off x="1085404" y="4452445"/>
+            <a:ext cx="1798929" cy="307777"/>
+          </a:xfrm>
+          <a:prstGeom prst="rect">
+            <a:avLst/>
+          </a:prstGeom>
+          <a:noFill/>
+        </p:spPr>
+        <p:txBody>
+          <a:bodyPr wrap="square" rtlCol="0">
+            <a:spAutoFit/>
+          </a:bodyPr>
+          <a:lstStyle>
+            <a:defPPr>
+              <a:defRPr lang="en-US"/>
+            </a:defPPr>
+            <a:lvl1pPr>
+              <a:defRPr sz="1400">
+                <a:solidFill>
+                  <a:schemeClr val="accent1"/>
+                </a:solidFill>
+              </a:defRPr>
+            </a:lvl1pPr>
+          </a:lstStyle>
+          <a:p>
+            <a:r>
+              <a:rPr lang="en-US" dirty="0"/>
+              <a:t>Bending stress, y-axis:</a:t>
+            </a:r>
+          </a:p>
+        </p:txBody>
+      </p:sp>
+      <p:sp>
+        <p:nvSpPr>
+          <p:cNvPr id="174" name="TextBox 173">
+            <a:extLst>
+              <a:ext uri="{FF2B5EF4-FFF2-40B4-BE49-F238E27FC236}">
+                <a16:creationId xmlns:a16="http://schemas.microsoft.com/office/drawing/2014/main" id="{0B429226-E988-4F8C-8B0D-AAE1578ED43D}"/>
+              </a:ext>
+            </a:extLst>
+          </p:cNvPr>
+          <p:cNvSpPr txBox="1"/>
+          <p:nvPr/>
+        </p:nvSpPr>
+        <p:spPr>
+          <a:xfrm>
+            <a:off x="7471254" y="4382186"/>
+            <a:ext cx="1765422" cy="307777"/>
+          </a:xfrm>
+          <a:prstGeom prst="rect">
+            <a:avLst/>
+          </a:prstGeom>
+          <a:noFill/>
+        </p:spPr>
+        <p:txBody>
+          <a:bodyPr wrap="square" rtlCol="0">
+            <a:spAutoFit/>
+          </a:bodyPr>
+          <a:lstStyle>
+            <a:defPPr>
+              <a:defRPr lang="en-US"/>
+            </a:defPPr>
+            <a:lvl1pPr>
+              <a:defRPr sz="1400">
+                <a:solidFill>
+                  <a:schemeClr val="accent1"/>
+                </a:solidFill>
+              </a:defRPr>
+            </a:lvl1pPr>
+          </a:lstStyle>
+          <a:p>
+            <a:r>
+              <a:rPr lang="en-US" dirty="0"/>
+              <a:t>Torsion</a:t>
+            </a:r>
+          </a:p>
+        </p:txBody>
+      </p:sp>
+      <p:sp>
+        <p:nvSpPr>
+          <p:cNvPr id="204" name="Rectangle 203">
+            <a:extLst>
+              <a:ext uri="{FF2B5EF4-FFF2-40B4-BE49-F238E27FC236}">
+                <a16:creationId xmlns:a16="http://schemas.microsoft.com/office/drawing/2014/main" id="{351094D5-2DB7-4F8C-B465-85524E5BC23C}"/>
+              </a:ext>
+            </a:extLst>
+          </p:cNvPr>
+          <p:cNvSpPr/>
+          <p:nvPr/>
+        </p:nvSpPr>
+        <p:spPr>
+          <a:xfrm>
+            <a:off x="6172200" y="818651"/>
+            <a:ext cx="1891711" cy="240903"/>
+          </a:xfrm>
+          <a:prstGeom prst="rect">
+            <a:avLst/>
+          </a:prstGeom>
+          <a:solidFill>
+            <a:schemeClr val="bg1">
+              <a:lumMod val="65000"/>
+            </a:schemeClr>
+          </a:solidFill>
+          <a:ln w="12700">
+            <a:solidFill>
+              <a:schemeClr val="tx1">
+                <a:lumMod val="65000"/>
+                <a:lumOff val="35000"/>
+              </a:schemeClr>
+            </a:solidFill>
+          </a:ln>
+        </p:spPr>
+        <p:style>
+          <a:lnRef idx="2">
+            <a:schemeClr val="accent1">
+              <a:shade val="50000"/>
+            </a:schemeClr>
+          </a:lnRef>
+          <a:fillRef idx="1">
+            <a:schemeClr val="accent1"/>
+          </a:fillRef>
+          <a:effectRef idx="0">
+            <a:schemeClr val="accent1"/>
+          </a:effectRef>
+          <a:fontRef idx="minor">
+            <a:schemeClr val="lt1"/>
+          </a:fontRef>
+        </p:style>
+        <p:txBody>
+          <a:bodyPr rtlCol="0" anchor="ctr"/>
+          <a:lstStyle/>
+          <a:p>
+            <a:pPr algn="ctr"/>
+            <a:endParaRPr lang="en-US"/>
+          </a:p>
+        </p:txBody>
+      </p:sp>
+      <p:sp>
+        <p:nvSpPr>
+          <p:cNvPr id="205" name="Rectangle 204">
+            <a:extLst>
+              <a:ext uri="{FF2B5EF4-FFF2-40B4-BE49-F238E27FC236}">
+                <a16:creationId xmlns:a16="http://schemas.microsoft.com/office/drawing/2014/main" id="{E906D09A-4D44-4B22-B531-69D73527F795}"/>
+              </a:ext>
+            </a:extLst>
+          </p:cNvPr>
+          <p:cNvSpPr/>
+          <p:nvPr/>
+        </p:nvSpPr>
+        <p:spPr>
+          <a:xfrm>
+            <a:off x="6172199" y="1057051"/>
+            <a:ext cx="1891711" cy="335683"/>
+          </a:xfrm>
+          <a:prstGeom prst="rect">
+            <a:avLst/>
+          </a:prstGeom>
+          <a:solidFill>
+            <a:schemeClr val="bg1">
+              <a:lumMod val="65000"/>
+            </a:schemeClr>
+          </a:solidFill>
+          <a:ln w="12700">
+            <a:solidFill>
+              <a:schemeClr val="tx1">
+                <a:lumMod val="65000"/>
+                <a:lumOff val="35000"/>
+              </a:schemeClr>
+            </a:solidFill>
+          </a:ln>
+        </p:spPr>
+        <p:style>
+          <a:lnRef idx="2">
+            <a:schemeClr val="accent1">
+              <a:shade val="50000"/>
+            </a:schemeClr>
+          </a:lnRef>
+          <a:fillRef idx="1">
+            <a:schemeClr val="accent1"/>
+          </a:fillRef>
+          <a:effectRef idx="0">
+            <a:schemeClr val="accent1"/>
+          </a:effectRef>
+          <a:fontRef idx="minor">
+            <a:schemeClr val="lt1"/>
+          </a:fontRef>
+        </p:style>
+        <p:txBody>
+          <a:bodyPr rtlCol="0" anchor="ctr"/>
+          <a:lstStyle/>
+          <a:p>
+            <a:pPr algn="ctr"/>
+            <a:endParaRPr lang="en-US"/>
+          </a:p>
+        </p:txBody>
+      </p:sp>
+      <p:sp>
+        <p:nvSpPr>
+          <p:cNvPr id="209" name="Rectangle 208">
+            <a:extLst>
+              <a:ext uri="{FF2B5EF4-FFF2-40B4-BE49-F238E27FC236}">
+                <a16:creationId xmlns:a16="http://schemas.microsoft.com/office/drawing/2014/main" id="{6F0377AB-A3CC-4628-960E-AA6ECEF6B4A7}"/>
+              </a:ext>
+            </a:extLst>
+          </p:cNvPr>
+          <p:cNvSpPr/>
+          <p:nvPr/>
+        </p:nvSpPr>
+        <p:spPr>
+          <a:xfrm>
+            <a:off x="6172198" y="1390231"/>
+            <a:ext cx="1891711" cy="240903"/>
+          </a:xfrm>
+          <a:prstGeom prst="rect">
+            <a:avLst/>
+          </a:prstGeom>
+          <a:solidFill>
+            <a:schemeClr val="bg1">
+              <a:lumMod val="65000"/>
+            </a:schemeClr>
+          </a:solidFill>
+          <a:ln w="12700">
+            <a:solidFill>
+              <a:schemeClr val="tx1">
+                <a:lumMod val="65000"/>
+                <a:lumOff val="35000"/>
+              </a:schemeClr>
+            </a:solidFill>
+          </a:ln>
+        </p:spPr>
+        <p:style>
+          <a:lnRef idx="2">
+            <a:schemeClr val="accent1">
+              <a:shade val="50000"/>
+            </a:schemeClr>
+          </a:lnRef>
+          <a:fillRef idx="1">
+            <a:schemeClr val="accent1"/>
+          </a:fillRef>
+          <a:effectRef idx="0">
+            <a:schemeClr val="accent1"/>
+          </a:effectRef>
+          <a:fontRef idx="minor">
+            <a:schemeClr val="lt1"/>
+          </a:fontRef>
+        </p:style>
+        <p:txBody>
+          <a:bodyPr rtlCol="0" anchor="ctr"/>
+          <a:lstStyle/>
+          <a:p>
+            <a:pPr algn="ctr"/>
+            <a:endParaRPr lang="en-US"/>
+          </a:p>
+        </p:txBody>
+      </p:sp>
+      <p:sp>
+        <p:nvSpPr>
+          <p:cNvPr id="210" name="TextBox 209">
+            <a:extLst>
+              <a:ext uri="{FF2B5EF4-FFF2-40B4-BE49-F238E27FC236}">
+                <a16:creationId xmlns:a16="http://schemas.microsoft.com/office/drawing/2014/main" id="{D2F6C3DA-2233-490B-A964-3781F90BA5D5}"/>
+              </a:ext>
+            </a:extLst>
+          </p:cNvPr>
+          <p:cNvSpPr txBox="1"/>
+          <p:nvPr/>
+        </p:nvSpPr>
+        <p:spPr>
+          <a:xfrm>
+            <a:off x="5653223" y="939000"/>
+            <a:ext cx="392668" cy="307777"/>
+          </a:xfrm>
+          <a:prstGeom prst="rect">
+            <a:avLst/>
+          </a:prstGeom>
+          <a:noFill/>
+        </p:spPr>
+        <p:txBody>
+          <a:bodyPr wrap="square" rtlCol="0">
+            <a:spAutoFit/>
+          </a:bodyPr>
+          <a:lstStyle/>
+          <a:p>
+            <a:r>
+              <a:rPr lang="pt-BR" sz="1400" dirty="0">
+                <a:solidFill>
+                  <a:schemeClr val="accent1"/>
+                </a:solidFill>
+              </a:rPr>
+              <a:t>F</a:t>
+            </a:r>
+            <a:endParaRPr lang="pt-BR" sz="1400" baseline="-25000" dirty="0">
+              <a:solidFill>
+                <a:schemeClr val="accent1"/>
+              </a:solidFill>
+            </a:endParaRPr>
+          </a:p>
+        </p:txBody>
+      </p:sp>
+      <p:sp>
+        <p:nvSpPr>
+          <p:cNvPr id="216" name="TextBox 215">
+            <a:extLst>
+              <a:ext uri="{FF2B5EF4-FFF2-40B4-BE49-F238E27FC236}">
+                <a16:creationId xmlns:a16="http://schemas.microsoft.com/office/drawing/2014/main" id="{A7E0777D-2369-47AA-9C60-A6660E619FD4}"/>
+              </a:ext>
+            </a:extLst>
+          </p:cNvPr>
+          <p:cNvSpPr txBox="1"/>
+          <p:nvPr/>
+        </p:nvSpPr>
+        <p:spPr>
+          <a:xfrm>
+            <a:off x="5231779" y="211410"/>
+            <a:ext cx="1343320" cy="369332"/>
+          </a:xfrm>
+          <a:prstGeom prst="rect">
+            <a:avLst/>
+          </a:prstGeom>
+          <a:noFill/>
+        </p:spPr>
+        <p:txBody>
+          <a:bodyPr wrap="square" rtlCol="0">
+            <a:spAutoFit/>
+          </a:bodyPr>
+          <a:lstStyle/>
+          <a:p>
+            <a:r>
+              <a:rPr lang="en-US" dirty="0"/>
+              <a:t>Side view:</a:t>
+            </a:r>
+          </a:p>
+        </p:txBody>
+      </p:sp>
+      <p:sp>
+        <p:nvSpPr>
+          <p:cNvPr id="217" name="TextBox 216">
+            <a:extLst>
+              <a:ext uri="{FF2B5EF4-FFF2-40B4-BE49-F238E27FC236}">
+                <a16:creationId xmlns:a16="http://schemas.microsoft.com/office/drawing/2014/main" id="{8FF6B728-572F-4777-86ED-20EBCF6260FE}"/>
+              </a:ext>
+            </a:extLst>
+          </p:cNvPr>
+          <p:cNvSpPr txBox="1"/>
+          <p:nvPr/>
+        </p:nvSpPr>
+        <p:spPr>
+          <a:xfrm>
+            <a:off x="8277637" y="939057"/>
+            <a:ext cx="392668" cy="307777"/>
+          </a:xfrm>
+          <a:prstGeom prst="rect">
+            <a:avLst/>
+          </a:prstGeom>
+          <a:noFill/>
+        </p:spPr>
+        <p:txBody>
+          <a:bodyPr wrap="square" rtlCol="0">
+            <a:spAutoFit/>
+          </a:bodyPr>
+          <a:lstStyle/>
+          <a:p>
+            <a:r>
+              <a:rPr lang="pt-BR" sz="1400" dirty="0">
+                <a:solidFill>
+                  <a:schemeClr val="accent1"/>
+                </a:solidFill>
+              </a:rPr>
+              <a:t>F</a:t>
+            </a:r>
+            <a:endParaRPr lang="pt-BR" sz="1400" baseline="-25000" dirty="0">
+              <a:solidFill>
+                <a:schemeClr val="accent1"/>
+              </a:solidFill>
+            </a:endParaRPr>
+          </a:p>
+        </p:txBody>
+      </p:sp>
+      <p:cxnSp>
+        <p:nvCxnSpPr>
+          <p:cNvPr id="218" name="Straight Arrow Connector 217">
+            <a:extLst>
+              <a:ext uri="{FF2B5EF4-FFF2-40B4-BE49-F238E27FC236}">
+                <a16:creationId xmlns:a16="http://schemas.microsoft.com/office/drawing/2014/main" id="{DB903216-5FE9-4188-ACA2-80188539D7A2}"/>
+              </a:ext>
+            </a:extLst>
+          </p:cNvPr>
+          <p:cNvCxnSpPr>
+            <a:cxnSpLocks/>
+          </p:cNvCxnSpPr>
+          <p:nvPr/>
+        </p:nvCxnSpPr>
+        <p:spPr>
+          <a:xfrm>
+            <a:off x="7135251" y="817403"/>
+            <a:ext cx="312207" cy="0"/>
+          </a:xfrm>
+          <a:prstGeom prst="straightConnector1">
+            <a:avLst/>
+          </a:prstGeom>
+          <a:ln w="19050">
+            <a:solidFill>
+              <a:srgbClr val="C00000"/>
+            </a:solidFill>
+            <a:tailEnd type="triangle"/>
+          </a:ln>
+        </p:spPr>
+        <p:style>
+          <a:lnRef idx="1">
+            <a:schemeClr val="accent1"/>
+          </a:lnRef>
+          <a:fillRef idx="0">
+            <a:schemeClr val="accent1"/>
+          </a:fillRef>
+          <a:effectRef idx="0">
+            <a:schemeClr val="accent1"/>
+          </a:effectRef>
+          <a:fontRef idx="minor">
+            <a:schemeClr val="tx1"/>
+          </a:fontRef>
+        </p:style>
+      </p:cxnSp>
+      <p:sp>
+        <p:nvSpPr>
+          <p:cNvPr id="219" name="TextBox 218">
+            <a:extLst>
+              <a:ext uri="{FF2B5EF4-FFF2-40B4-BE49-F238E27FC236}">
+                <a16:creationId xmlns:a16="http://schemas.microsoft.com/office/drawing/2014/main" id="{DA145F66-1881-44D2-954E-DE33C70E3358}"/>
+              </a:ext>
+            </a:extLst>
+          </p:cNvPr>
+          <p:cNvSpPr txBox="1"/>
+          <p:nvPr/>
+        </p:nvSpPr>
+        <p:spPr>
+          <a:xfrm>
+            <a:off x="7126592" y="466439"/>
+            <a:ext cx="320866" cy="338554"/>
+          </a:xfrm>
+          <a:prstGeom prst="rect">
+            <a:avLst/>
+          </a:prstGeom>
+          <a:noFill/>
+        </p:spPr>
+        <p:txBody>
+          <a:bodyPr wrap="square" rtlCol="0">
+            <a:spAutoFit/>
+          </a:bodyPr>
+          <a:lstStyle/>
+          <a:p>
+            <a:r>
+              <a:rPr lang="el-GR" sz="2400" baseline="-25000" dirty="0">
+                <a:solidFill>
+                  <a:srgbClr val="C00000"/>
+                </a:solidFill>
+              </a:rPr>
+              <a:t>σ</a:t>
+            </a:r>
+            <a:endParaRPr lang="pt-BR" sz="2400" baseline="-25000" dirty="0">
+              <a:solidFill>
+                <a:srgbClr val="C00000"/>
+              </a:solidFill>
+            </a:endParaRPr>
+          </a:p>
+        </p:txBody>
+      </p:sp>
+      <p:cxnSp>
+        <p:nvCxnSpPr>
+          <p:cNvPr id="220" name="Straight Arrow Connector 219">
+            <a:extLst>
+              <a:ext uri="{FF2B5EF4-FFF2-40B4-BE49-F238E27FC236}">
+                <a16:creationId xmlns:a16="http://schemas.microsoft.com/office/drawing/2014/main" id="{CCF599D5-E101-4D33-A29E-BF7302914982}"/>
+              </a:ext>
+            </a:extLst>
+          </p:cNvPr>
+          <p:cNvCxnSpPr>
+            <a:cxnSpLocks/>
+          </p:cNvCxnSpPr>
+          <p:nvPr/>
+        </p:nvCxnSpPr>
+        <p:spPr>
+          <a:xfrm>
+            <a:off x="7135252" y="1631134"/>
+            <a:ext cx="291700" cy="0"/>
+          </a:xfrm>
+          <a:prstGeom prst="straightConnector1">
+            <a:avLst/>
+          </a:prstGeom>
+          <a:ln w="19050">
+            <a:solidFill>
+              <a:srgbClr val="C00000"/>
+            </a:solidFill>
+            <a:tailEnd type="triangle"/>
+          </a:ln>
+        </p:spPr>
+        <p:style>
+          <a:lnRef idx="1">
+            <a:schemeClr val="accent1"/>
+          </a:lnRef>
+          <a:fillRef idx="0">
+            <a:schemeClr val="accent1"/>
+          </a:fillRef>
+          <a:effectRef idx="0">
+            <a:schemeClr val="accent1"/>
+          </a:effectRef>
+          <a:fontRef idx="minor">
+            <a:schemeClr val="tx1"/>
+          </a:fontRef>
+        </p:style>
+      </p:cxnSp>
+      <p:cxnSp>
+        <p:nvCxnSpPr>
+          <p:cNvPr id="221" name="Straight Connector 220">
+            <a:extLst>
+              <a:ext uri="{FF2B5EF4-FFF2-40B4-BE49-F238E27FC236}">
+                <a16:creationId xmlns:a16="http://schemas.microsoft.com/office/drawing/2014/main" id="{6B2B0FFA-0E96-4BE9-BD87-BC3A874C9988}"/>
+              </a:ext>
+            </a:extLst>
+          </p:cNvPr>
+          <p:cNvCxnSpPr>
+            <a:cxnSpLocks/>
+            <a:stCxn id="204" idx="0"/>
+            <a:endCxn id="209" idx="2"/>
+          </p:cNvCxnSpPr>
+          <p:nvPr/>
+        </p:nvCxnSpPr>
+        <p:spPr>
+          <a:xfrm flipH="1">
+            <a:off x="7118054" y="818651"/>
+            <a:ext cx="2" cy="812483"/>
+          </a:xfrm>
+          <a:prstGeom prst="line">
+            <a:avLst/>
+          </a:prstGeom>
+          <a:ln w="19050">
+            <a:solidFill>
+              <a:srgbClr val="C00000"/>
+            </a:solidFill>
+            <a:prstDash val="sysDot"/>
+            <a:headEnd type="none" w="med" len="med"/>
+            <a:tailEnd type="none" w="med" len="med"/>
+          </a:ln>
+        </p:spPr>
+        <p:style>
+          <a:lnRef idx="1">
+            <a:schemeClr val="accent1"/>
+          </a:lnRef>
+          <a:fillRef idx="0">
+            <a:schemeClr val="accent1"/>
+          </a:fillRef>
+          <a:effectRef idx="0">
+            <a:schemeClr val="accent1"/>
+          </a:effectRef>
+          <a:fontRef idx="minor">
+            <a:schemeClr val="tx1"/>
+          </a:fontRef>
+        </p:style>
+      </p:cxnSp>
+      <p:sp>
+        <p:nvSpPr>
+          <p:cNvPr id="223" name="TextBox 222">
+            <a:extLst>
+              <a:ext uri="{FF2B5EF4-FFF2-40B4-BE49-F238E27FC236}">
+                <a16:creationId xmlns:a16="http://schemas.microsoft.com/office/drawing/2014/main" id="{FAC50C2F-BCBC-4327-94C7-82CB97F27B01}"/>
+              </a:ext>
+            </a:extLst>
+          </p:cNvPr>
+          <p:cNvSpPr txBox="1"/>
+          <p:nvPr/>
+        </p:nvSpPr>
+        <p:spPr>
+          <a:xfrm>
+            <a:off x="5492396" y="551854"/>
+            <a:ext cx="1765422" cy="307777"/>
+          </a:xfrm>
+          <a:prstGeom prst="rect">
+            <a:avLst/>
+          </a:prstGeom>
+          <a:noFill/>
+        </p:spPr>
+        <p:txBody>
+          <a:bodyPr wrap="square" rtlCol="0">
+            <a:spAutoFit/>
+          </a:bodyPr>
+          <a:lstStyle>
+            <a:defPPr>
+              <a:defRPr lang="en-US"/>
+            </a:defPPr>
+            <a:lvl1pPr>
+              <a:defRPr sz="1400">
+                <a:solidFill>
+                  <a:schemeClr val="accent1"/>
+                </a:solidFill>
+              </a:defRPr>
+            </a:lvl1pPr>
+          </a:lstStyle>
+          <a:p>
+            <a:r>
+              <a:rPr lang="en-US" dirty="0"/>
+              <a:t>Axial stress:</a:t>
+            </a:r>
+          </a:p>
+        </p:txBody>
+      </p:sp>
+      <p:cxnSp>
+        <p:nvCxnSpPr>
+          <p:cNvPr id="224" name="Straight Arrow Connector 223">
+            <a:extLst>
+              <a:ext uri="{FF2B5EF4-FFF2-40B4-BE49-F238E27FC236}">
+                <a16:creationId xmlns:a16="http://schemas.microsoft.com/office/drawing/2014/main" id="{A8F0FA3A-89C3-45A8-8402-06F0923EC893}"/>
+              </a:ext>
+            </a:extLst>
+          </p:cNvPr>
+          <p:cNvCxnSpPr>
+            <a:cxnSpLocks/>
+          </p:cNvCxnSpPr>
+          <p:nvPr/>
+        </p:nvCxnSpPr>
+        <p:spPr>
+          <a:xfrm flipH="1">
+            <a:off x="5579572" y="1224892"/>
+            <a:ext cx="312207" cy="0"/>
+          </a:xfrm>
+          <a:prstGeom prst="straightConnector1">
+            <a:avLst/>
+          </a:prstGeom>
+          <a:ln w="19050">
+            <a:solidFill>
+              <a:schemeClr val="accent1"/>
+            </a:solidFill>
+            <a:tailEnd type="triangle"/>
+          </a:ln>
+        </p:spPr>
+        <p:style>
+          <a:lnRef idx="1">
+            <a:schemeClr val="accent1"/>
+          </a:lnRef>
+          <a:fillRef idx="0">
+            <a:schemeClr val="accent1"/>
+          </a:fillRef>
+          <a:effectRef idx="0">
+            <a:schemeClr val="accent1"/>
+          </a:effectRef>
+          <a:fontRef idx="minor">
+            <a:schemeClr val="tx1"/>
+          </a:fontRef>
+        </p:style>
+      </p:cxnSp>
+      <p:cxnSp>
+        <p:nvCxnSpPr>
+          <p:cNvPr id="225" name="Straight Arrow Connector 224">
+            <a:extLst>
+              <a:ext uri="{FF2B5EF4-FFF2-40B4-BE49-F238E27FC236}">
+                <a16:creationId xmlns:a16="http://schemas.microsoft.com/office/drawing/2014/main" id="{8D70A9B2-2A9A-4858-BE96-9AE0818832A1}"/>
+              </a:ext>
+            </a:extLst>
+          </p:cNvPr>
+          <p:cNvCxnSpPr>
+            <a:cxnSpLocks/>
+          </p:cNvCxnSpPr>
+          <p:nvPr/>
+        </p:nvCxnSpPr>
+        <p:spPr>
+          <a:xfrm>
+            <a:off x="8265812" y="1223323"/>
+            <a:ext cx="345750" cy="0"/>
+          </a:xfrm>
+          <a:prstGeom prst="straightConnector1">
+            <a:avLst/>
+          </a:prstGeom>
+          <a:ln w="19050">
+            <a:solidFill>
+              <a:schemeClr val="accent1"/>
+            </a:solidFill>
+            <a:tailEnd type="triangle"/>
+          </a:ln>
+        </p:spPr>
+        <p:style>
+          <a:lnRef idx="1">
+            <a:schemeClr val="accent1"/>
+          </a:lnRef>
+          <a:fillRef idx="0">
+            <a:schemeClr val="accent1"/>
+          </a:fillRef>
+          <a:effectRef idx="0">
+            <a:schemeClr val="accent1"/>
+          </a:effectRef>
+          <a:fontRef idx="minor">
+            <a:schemeClr val="tx1"/>
+          </a:fontRef>
+        </p:style>
+      </p:cxnSp>
+      <p:cxnSp>
+        <p:nvCxnSpPr>
+          <p:cNvPr id="226" name="Straight Connector 225">
+            <a:extLst>
+              <a:ext uri="{FF2B5EF4-FFF2-40B4-BE49-F238E27FC236}">
+                <a16:creationId xmlns:a16="http://schemas.microsoft.com/office/drawing/2014/main" id="{CA52ADB0-63FD-4213-BAD7-35FEA3496797}"/>
+              </a:ext>
+            </a:extLst>
+          </p:cNvPr>
+          <p:cNvCxnSpPr>
+            <a:cxnSpLocks/>
+          </p:cNvCxnSpPr>
+          <p:nvPr/>
+        </p:nvCxnSpPr>
+        <p:spPr>
+          <a:xfrm flipH="1">
+            <a:off x="7426279" y="790104"/>
+            <a:ext cx="2" cy="812483"/>
+          </a:xfrm>
+          <a:prstGeom prst="line">
+            <a:avLst/>
+          </a:prstGeom>
+          <a:ln w="19050">
+            <a:solidFill>
+              <a:srgbClr val="C00000"/>
+            </a:solidFill>
+            <a:prstDash val="sysDot"/>
+            <a:headEnd type="none" w="med" len="med"/>
+            <a:tailEnd type="none" w="med" len="med"/>
+          </a:ln>
+        </p:spPr>
+        <p:style>
+          <a:lnRef idx="1">
+            <a:schemeClr val="accent1"/>
+          </a:lnRef>
+          <a:fillRef idx="0">
+            <a:schemeClr val="accent1"/>
+          </a:fillRef>
+          <a:effectRef idx="0">
+            <a:schemeClr val="accent1"/>
+          </a:effectRef>
+          <a:fontRef idx="minor">
+            <a:schemeClr val="tx1"/>
+          </a:fontRef>
+        </p:style>
+      </p:cxnSp>
+      <p:cxnSp>
+        <p:nvCxnSpPr>
+          <p:cNvPr id="227" name="Straight Connector 226">
+            <a:extLst>
+              <a:ext uri="{FF2B5EF4-FFF2-40B4-BE49-F238E27FC236}">
+                <a16:creationId xmlns:a16="http://schemas.microsoft.com/office/drawing/2014/main" id="{471D8E52-E8CD-4365-9095-F13DE35AB714}"/>
+              </a:ext>
+            </a:extLst>
+          </p:cNvPr>
+          <p:cNvCxnSpPr>
+            <a:cxnSpLocks/>
+          </p:cNvCxnSpPr>
+          <p:nvPr/>
+        </p:nvCxnSpPr>
+        <p:spPr>
+          <a:xfrm flipH="1">
+            <a:off x="6061495" y="1223323"/>
+            <a:ext cx="2171847" cy="0"/>
+          </a:xfrm>
+          <a:prstGeom prst="line">
+            <a:avLst/>
+          </a:prstGeom>
+          <a:ln w="19050">
+            <a:prstDash val="dash"/>
+          </a:ln>
+        </p:spPr>
+        <p:style>
+          <a:lnRef idx="1">
+            <a:schemeClr val="dk1"/>
+          </a:lnRef>
+          <a:fillRef idx="0">
+            <a:schemeClr val="dk1"/>
+          </a:fillRef>
+          <a:effectRef idx="0">
+            <a:schemeClr val="dk1"/>
+          </a:effectRef>
+          <a:fontRef idx="minor">
+            <a:schemeClr val="tx1"/>
+          </a:fontRef>
+        </p:style>
+      </p:cxnSp>
+    </p:spTree>
+    <p:extLst>
+      <p:ext uri="{BB962C8B-B14F-4D97-AF65-F5344CB8AC3E}">
+        <p14:creationId xmlns:p14="http://schemas.microsoft.com/office/powerpoint/2010/main" val="3062782052"/>
+      </p:ext>
+    </p:extLst>
+  </p:cSld>
+  <p:clrMapOvr>
+    <a:masterClrMapping/>
+  </p:clrMapOvr>
+</p:sld>
+</file>
+
+<file path=ppt/slides/slide5.xml><?xml version="1.0" encoding="utf-8"?>
+<p:sld xmlns:a="http://schemas.openxmlformats.org/drawingml/2006/main" xmlns:r="http://schemas.openxmlformats.org/officeDocument/2006/relationships" xmlns:p="http://schemas.openxmlformats.org/presentationml/2006/main">
+  <p:cSld>
+    <p:spTree>
+      <p:nvGrpSpPr>
+        <p:cNvPr id="1" name=""/>
+        <p:cNvGrpSpPr/>
+        <p:nvPr/>
+      </p:nvGrpSpPr>
+      <p:grpSpPr>
+        <a:xfrm>
+          <a:off x="0" y="0"/>
+          <a:ext cx="0" cy="0"/>
+          <a:chOff x="0" y="0"/>
+          <a:chExt cx="0" cy="0"/>
+        </a:xfrm>
+      </p:grpSpPr>
+      <p:sp>
+        <p:nvSpPr>
+          <p:cNvPr id="13" name="Freeform: Shape 12">
+            <a:extLst>
+              <a:ext uri="{FF2B5EF4-FFF2-40B4-BE49-F238E27FC236}">
+                <a16:creationId xmlns:a16="http://schemas.microsoft.com/office/drawing/2014/main" id="{1E65EBE7-5E4C-4924-A77A-ADA5118B7EDC}"/>
+              </a:ext>
+            </a:extLst>
+          </p:cNvPr>
+          <p:cNvSpPr/>
+          <p:nvPr/>
+        </p:nvSpPr>
+        <p:spPr>
+          <a:xfrm>
+            <a:off x="1510986" y="597351"/>
+            <a:ext cx="1733269" cy="2236692"/>
+          </a:xfrm>
+          <a:custGeom>
+            <a:avLst/>
+            <a:gdLst>
+              <a:gd name="connsiteX0" fmla="*/ 1413283 w 1733269"/>
+              <a:gd name="connsiteY0" fmla="*/ 344209 h 2236692"/>
+              <a:gd name="connsiteX1" fmla="*/ 725220 w 1733269"/>
+              <a:gd name="connsiteY1" fmla="*/ 178 h 2236692"/>
+              <a:gd name="connsiteX2" fmla="*/ 154852 w 1733269"/>
+              <a:gd name="connsiteY2" fmla="*/ 307996 h 2236692"/>
+              <a:gd name="connsiteX3" fmla="*/ 227279 w 1733269"/>
+              <a:gd name="connsiteY3" fmla="*/ 996059 h 2236692"/>
+              <a:gd name="connsiteX4" fmla="*/ 28103 w 1733269"/>
+              <a:gd name="connsiteY4" fmla="*/ 1810871 h 2236692"/>
+              <a:gd name="connsiteX5" fmla="*/ 942503 w 1733269"/>
+              <a:gd name="connsiteY5" fmla="*/ 2236384 h 2236692"/>
+              <a:gd name="connsiteX6" fmla="*/ 1702994 w 1733269"/>
+              <a:gd name="connsiteY6" fmla="*/ 1865192 h 2236692"/>
+              <a:gd name="connsiteX7" fmla="*/ 1594353 w 1733269"/>
+              <a:gd name="connsiteY7" fmla="*/ 1104700 h 2236692"/>
+              <a:gd name="connsiteX8" fmla="*/ 1712048 w 1733269"/>
+              <a:gd name="connsiteY8" fmla="*/ 778776 h 2236692"/>
+              <a:gd name="connsiteX9" fmla="*/ 1413283 w 1733269"/>
+              <a:gd name="connsiteY9" fmla="*/ 344209 h 2236692"/>
+            </a:gdLst>
+            <a:ahLst/>
+            <a:cxnLst>
+              <a:cxn ang="0">
+                <a:pos x="connsiteX0" y="connsiteY0"/>
+              </a:cxn>
+              <a:cxn ang="0">
+                <a:pos x="connsiteX1" y="connsiteY1"/>
+              </a:cxn>
+              <a:cxn ang="0">
+                <a:pos x="connsiteX2" y="connsiteY2"/>
+              </a:cxn>
+              <a:cxn ang="0">
+                <a:pos x="connsiteX3" y="connsiteY3"/>
+              </a:cxn>
+              <a:cxn ang="0">
+                <a:pos x="connsiteX4" y="connsiteY4"/>
+              </a:cxn>
+              <a:cxn ang="0">
+                <a:pos x="connsiteX5" y="connsiteY5"/>
+              </a:cxn>
+              <a:cxn ang="0">
+                <a:pos x="connsiteX6" y="connsiteY6"/>
+              </a:cxn>
+              <a:cxn ang="0">
+                <a:pos x="connsiteX7" y="connsiteY7"/>
+              </a:cxn>
+              <a:cxn ang="0">
+                <a:pos x="connsiteX8" y="connsiteY8"/>
+              </a:cxn>
+              <a:cxn ang="0">
+                <a:pos x="connsiteX9" y="connsiteY9"/>
+              </a:cxn>
+            </a:cxnLst>
+            <a:rect l="l" t="t" r="r" b="b"/>
+            <a:pathLst>
+              <a:path w="1733269" h="2236692">
+                <a:moveTo>
+                  <a:pt x="1413283" y="344209"/>
+                </a:moveTo>
+                <a:cubicBezTo>
+                  <a:pt x="1248812" y="214443"/>
+                  <a:pt x="934958" y="6213"/>
+                  <a:pt x="725220" y="178"/>
+                </a:cubicBezTo>
+                <a:cubicBezTo>
+                  <a:pt x="515482" y="-5857"/>
+                  <a:pt x="237842" y="142016"/>
+                  <a:pt x="154852" y="307996"/>
+                </a:cubicBezTo>
+                <a:cubicBezTo>
+                  <a:pt x="71862" y="473976"/>
+                  <a:pt x="248404" y="745580"/>
+                  <a:pt x="227279" y="996059"/>
+                </a:cubicBezTo>
+                <a:cubicBezTo>
+                  <a:pt x="206154" y="1246538"/>
+                  <a:pt x="-91101" y="1604150"/>
+                  <a:pt x="28103" y="1810871"/>
+                </a:cubicBezTo>
+                <a:cubicBezTo>
+                  <a:pt x="147307" y="2017592"/>
+                  <a:pt x="663355" y="2227331"/>
+                  <a:pt x="942503" y="2236384"/>
+                </a:cubicBezTo>
+                <a:cubicBezTo>
+                  <a:pt x="1221651" y="2245437"/>
+                  <a:pt x="1594352" y="2053806"/>
+                  <a:pt x="1702994" y="1865192"/>
+                </a:cubicBezTo>
+                <a:cubicBezTo>
+                  <a:pt x="1811636" y="1676578"/>
+                  <a:pt x="1592844" y="1285769"/>
+                  <a:pt x="1594353" y="1104700"/>
+                </a:cubicBezTo>
+                <a:cubicBezTo>
+                  <a:pt x="1595862" y="923631"/>
+                  <a:pt x="1740717" y="904016"/>
+                  <a:pt x="1712048" y="778776"/>
+                </a:cubicBezTo>
+                <a:cubicBezTo>
+                  <a:pt x="1683379" y="653537"/>
+                  <a:pt x="1577754" y="473975"/>
+                  <a:pt x="1413283" y="344209"/>
+                </a:cubicBezTo>
+                <a:close/>
+              </a:path>
+            </a:pathLst>
+          </a:custGeom>
+        </p:spPr>
+        <p:style>
+          <a:lnRef idx="2">
+            <a:schemeClr val="accent3">
+              <a:shade val="50000"/>
+            </a:schemeClr>
+          </a:lnRef>
+          <a:fillRef idx="1">
+            <a:schemeClr val="accent3"/>
+          </a:fillRef>
+          <a:effectRef idx="0">
+            <a:schemeClr val="accent3"/>
+          </a:effectRef>
+          <a:fontRef idx="minor">
+            <a:schemeClr val="lt1"/>
+          </a:fontRef>
+        </p:style>
+        <p:txBody>
+          <a:bodyPr rtlCol="0" anchor="ctr"/>
+          <a:lstStyle/>
+          <a:p>
+            <a:pPr algn="ctr"/>
+            <a:endParaRPr lang="en-US"/>
+          </a:p>
+        </p:txBody>
+      </p:sp>
+      <p:sp>
+        <p:nvSpPr>
+          <p:cNvPr id="4" name="TextBox 3">
+            <a:extLst>
+              <a:ext uri="{FF2B5EF4-FFF2-40B4-BE49-F238E27FC236}">
+                <a16:creationId xmlns:a16="http://schemas.microsoft.com/office/drawing/2014/main" id="{1CB7133D-6A12-4A09-94A6-EEFF8D6225C0}"/>
+              </a:ext>
+            </a:extLst>
+          </p:cNvPr>
+          <p:cNvSpPr txBox="1"/>
+          <p:nvPr/>
+        </p:nvSpPr>
+        <p:spPr>
+          <a:xfrm>
+            <a:off x="2325820" y="263421"/>
+            <a:ext cx="320866" cy="307777"/>
+          </a:xfrm>
+          <a:prstGeom prst="rect">
+            <a:avLst/>
+          </a:prstGeom>
+          <a:noFill/>
+        </p:spPr>
+        <p:txBody>
+          <a:bodyPr wrap="square" rtlCol="0">
+            <a:spAutoFit/>
+          </a:bodyPr>
+          <a:lstStyle/>
+          <a:p>
+            <a:r>
+              <a:rPr lang="pt-BR" sz="1400" dirty="0"/>
+              <a:t>Y</a:t>
+            </a:r>
+            <a:endParaRPr lang="pt-BR" sz="1400" baseline="-25000" dirty="0"/>
+          </a:p>
+        </p:txBody>
+      </p:sp>
+      <p:cxnSp>
+        <p:nvCxnSpPr>
+          <p:cNvPr id="5" name="Straight Connector 4">
+            <a:extLst>
+              <a:ext uri="{FF2B5EF4-FFF2-40B4-BE49-F238E27FC236}">
+                <a16:creationId xmlns:a16="http://schemas.microsoft.com/office/drawing/2014/main" id="{94951FEC-6A32-4C3B-AE18-6821E495AC9D}"/>
+              </a:ext>
+            </a:extLst>
+          </p:cNvPr>
+          <p:cNvCxnSpPr>
+            <a:cxnSpLocks/>
+          </p:cNvCxnSpPr>
+          <p:nvPr/>
+        </p:nvCxnSpPr>
+        <p:spPr>
+          <a:xfrm flipH="1">
+            <a:off x="1086416" y="1741365"/>
+            <a:ext cx="2410896" cy="0"/>
+          </a:xfrm>
+          <a:prstGeom prst="line">
+            <a:avLst/>
+          </a:prstGeom>
+          <a:ln w="19050">
+            <a:prstDash val="dash"/>
+          </a:ln>
+        </p:spPr>
+        <p:style>
+          <a:lnRef idx="1">
+            <a:schemeClr val="dk1"/>
+          </a:lnRef>
+          <a:fillRef idx="0">
+            <a:schemeClr val="dk1"/>
+          </a:fillRef>
+          <a:effectRef idx="0">
+            <a:schemeClr val="dk1"/>
+          </a:effectRef>
+          <a:fontRef idx="minor">
+            <a:schemeClr val="tx1"/>
+          </a:fontRef>
+        </p:style>
+      </p:cxnSp>
+      <p:cxnSp>
+        <p:nvCxnSpPr>
+          <p:cNvPr id="6" name="Straight Connector 5">
+            <a:extLst>
+              <a:ext uri="{FF2B5EF4-FFF2-40B4-BE49-F238E27FC236}">
+                <a16:creationId xmlns:a16="http://schemas.microsoft.com/office/drawing/2014/main" id="{B39FA6EF-CBB6-48C3-B605-8358460F0EC3}"/>
+              </a:ext>
+            </a:extLst>
+          </p:cNvPr>
+          <p:cNvCxnSpPr>
+            <a:cxnSpLocks/>
+          </p:cNvCxnSpPr>
+          <p:nvPr/>
+        </p:nvCxnSpPr>
+        <p:spPr>
+          <a:xfrm flipV="1">
+            <a:off x="2369983" y="434567"/>
+            <a:ext cx="0" cy="2719163"/>
+          </a:xfrm>
+          <a:prstGeom prst="line">
+            <a:avLst/>
+          </a:prstGeom>
+          <a:ln w="19050">
+            <a:prstDash val="dash"/>
+          </a:ln>
+        </p:spPr>
+        <p:style>
+          <a:lnRef idx="1">
+            <a:schemeClr val="dk1"/>
+          </a:lnRef>
+          <a:fillRef idx="0">
+            <a:schemeClr val="dk1"/>
+          </a:fillRef>
+          <a:effectRef idx="0">
+            <a:schemeClr val="dk1"/>
+          </a:effectRef>
+          <a:fontRef idx="minor">
+            <a:schemeClr val="tx1"/>
+          </a:fontRef>
+        </p:style>
+      </p:cxnSp>
+      <p:sp>
+        <p:nvSpPr>
+          <p:cNvPr id="7" name="TextBox 6">
+            <a:extLst>
+              <a:ext uri="{FF2B5EF4-FFF2-40B4-BE49-F238E27FC236}">
+                <a16:creationId xmlns:a16="http://schemas.microsoft.com/office/drawing/2014/main" id="{98C043A9-E9D3-4A91-9D0B-98313183CBC2}"/>
+              </a:ext>
+            </a:extLst>
+          </p:cNvPr>
+          <p:cNvSpPr txBox="1"/>
+          <p:nvPr/>
+        </p:nvSpPr>
+        <p:spPr>
+          <a:xfrm>
+            <a:off x="3508392" y="1640259"/>
+            <a:ext cx="320866" cy="307777"/>
+          </a:xfrm>
+          <a:prstGeom prst="rect">
+            <a:avLst/>
+          </a:prstGeom>
+          <a:noFill/>
+        </p:spPr>
+        <p:txBody>
+          <a:bodyPr wrap="square" rtlCol="0">
+            <a:spAutoFit/>
+          </a:bodyPr>
+          <a:lstStyle/>
+          <a:p>
+            <a:r>
+              <a:rPr lang="pt-BR" sz="1400" dirty="0"/>
+              <a:t>X</a:t>
+            </a:r>
+            <a:endParaRPr lang="pt-BR" sz="1400" baseline="-25000" dirty="0"/>
+          </a:p>
+        </p:txBody>
+      </p:sp>
+      <p:sp>
+        <p:nvSpPr>
+          <p:cNvPr id="14" name="Rectangle 13">
+            <a:extLst>
+              <a:ext uri="{FF2B5EF4-FFF2-40B4-BE49-F238E27FC236}">
+                <a16:creationId xmlns:a16="http://schemas.microsoft.com/office/drawing/2014/main" id="{F4924375-052D-4E05-B3D0-8EA2FAA2A98B}"/>
+              </a:ext>
+            </a:extLst>
+          </p:cNvPr>
+          <p:cNvSpPr/>
+          <p:nvPr/>
+        </p:nvSpPr>
+        <p:spPr>
+          <a:xfrm>
+            <a:off x="2712068" y="1074307"/>
+            <a:ext cx="190103" cy="190103"/>
+          </a:xfrm>
+          <a:prstGeom prst="rect">
+            <a:avLst/>
+          </a:prstGeom>
+          <a:solidFill>
+            <a:schemeClr val="bg1">
+              <a:lumMod val="85000"/>
+            </a:schemeClr>
+          </a:solidFill>
+        </p:spPr>
+        <p:style>
+          <a:lnRef idx="2">
+            <a:schemeClr val="dk1"/>
+          </a:lnRef>
+          <a:fillRef idx="1">
+            <a:schemeClr val="lt1"/>
+          </a:fillRef>
+          <a:effectRef idx="0">
+            <a:schemeClr val="dk1"/>
+          </a:effectRef>
+          <a:fontRef idx="minor">
+            <a:schemeClr val="dk1"/>
+          </a:fontRef>
+        </p:style>
+        <p:txBody>
+          <a:bodyPr rtlCol="0" anchor="ctr"/>
+          <a:lstStyle/>
+          <a:p>
+            <a:pPr algn="ctr"/>
+            <a:endParaRPr lang="en-US"/>
+          </a:p>
+        </p:txBody>
+      </p:sp>
+      <p:cxnSp>
+        <p:nvCxnSpPr>
+          <p:cNvPr id="16" name="Straight Arrow Connector 15">
+            <a:extLst>
+              <a:ext uri="{FF2B5EF4-FFF2-40B4-BE49-F238E27FC236}">
+                <a16:creationId xmlns:a16="http://schemas.microsoft.com/office/drawing/2014/main" id="{7D53F50F-B734-44B4-92EF-2A6BA4B18C54}"/>
+              </a:ext>
+            </a:extLst>
+          </p:cNvPr>
+          <p:cNvCxnSpPr>
+            <a:cxnSpLocks/>
+          </p:cNvCxnSpPr>
+          <p:nvPr/>
+        </p:nvCxnSpPr>
+        <p:spPr>
+          <a:xfrm flipV="1">
+            <a:off x="2807119" y="1169359"/>
+            <a:ext cx="0" cy="572006"/>
+          </a:xfrm>
+          <a:prstGeom prst="straightConnector1">
+            <a:avLst/>
+          </a:prstGeom>
+          <a:ln>
+            <a:solidFill>
+              <a:schemeClr val="tx1"/>
+            </a:solidFill>
+            <a:tailEnd type="triangle"/>
+          </a:ln>
+        </p:spPr>
+        <p:style>
+          <a:lnRef idx="1">
+            <a:schemeClr val="accent1"/>
+          </a:lnRef>
+          <a:fillRef idx="0">
+            <a:schemeClr val="accent1"/>
+          </a:fillRef>
+          <a:effectRef idx="0">
+            <a:schemeClr val="accent1"/>
+          </a:effectRef>
+          <a:fontRef idx="minor">
+            <a:schemeClr val="tx1"/>
+          </a:fontRef>
+        </p:style>
+      </p:cxnSp>
+      <p:cxnSp>
+        <p:nvCxnSpPr>
+          <p:cNvPr id="19" name="Straight Arrow Connector 18">
+            <a:extLst>
+              <a:ext uri="{FF2B5EF4-FFF2-40B4-BE49-F238E27FC236}">
+                <a16:creationId xmlns:a16="http://schemas.microsoft.com/office/drawing/2014/main" id="{78FE6E61-1D8F-4961-A759-41C8F5E7ABFD}"/>
+              </a:ext>
+            </a:extLst>
+          </p:cNvPr>
+          <p:cNvCxnSpPr>
+            <a:cxnSpLocks/>
+          </p:cNvCxnSpPr>
+          <p:nvPr/>
+        </p:nvCxnSpPr>
+        <p:spPr>
+          <a:xfrm>
+            <a:off x="2369983" y="1169358"/>
+            <a:ext cx="434706" cy="0"/>
+          </a:xfrm>
+          <a:prstGeom prst="straightConnector1">
+            <a:avLst/>
+          </a:prstGeom>
+          <a:ln>
+            <a:solidFill>
+              <a:schemeClr val="tx1"/>
+            </a:solidFill>
+            <a:tailEnd type="triangle"/>
+          </a:ln>
+        </p:spPr>
+        <p:style>
+          <a:lnRef idx="1">
+            <a:schemeClr val="accent1"/>
+          </a:lnRef>
+          <a:fillRef idx="0">
+            <a:schemeClr val="accent1"/>
+          </a:fillRef>
+          <a:effectRef idx="0">
+            <a:schemeClr val="accent1"/>
+          </a:effectRef>
+          <a:fontRef idx="minor">
+            <a:schemeClr val="tx1"/>
+          </a:fontRef>
+        </p:style>
+      </p:cxnSp>
+      <p:sp>
+        <p:nvSpPr>
+          <p:cNvPr id="22" name="TextBox 21">
+            <a:extLst>
+              <a:ext uri="{FF2B5EF4-FFF2-40B4-BE49-F238E27FC236}">
+                <a16:creationId xmlns:a16="http://schemas.microsoft.com/office/drawing/2014/main" id="{4813C1B0-866D-4702-9EC1-6A5E8DF1566E}"/>
+              </a:ext>
+            </a:extLst>
+          </p:cNvPr>
+          <p:cNvSpPr txBox="1"/>
+          <p:nvPr/>
+        </p:nvSpPr>
+        <p:spPr>
+          <a:xfrm>
+            <a:off x="2646686" y="835427"/>
+            <a:ext cx="398923" cy="307777"/>
+          </a:xfrm>
+          <a:prstGeom prst="rect">
+            <a:avLst/>
+          </a:prstGeom>
+          <a:noFill/>
+        </p:spPr>
+        <p:txBody>
+          <a:bodyPr wrap="square" rtlCol="0">
+            <a:spAutoFit/>
+          </a:bodyPr>
+          <a:lstStyle/>
+          <a:p>
+            <a:r>
+              <a:rPr lang="pt-BR" sz="1400" dirty="0"/>
+              <a:t>dA</a:t>
+            </a:r>
+            <a:endParaRPr lang="pt-BR" sz="1400" baseline="-25000" dirty="0"/>
+          </a:p>
+        </p:txBody>
+      </p:sp>
+      <p:sp>
+        <p:nvSpPr>
+          <p:cNvPr id="24" name="TextBox 23">
+            <a:extLst>
+              <a:ext uri="{FF2B5EF4-FFF2-40B4-BE49-F238E27FC236}">
+                <a16:creationId xmlns:a16="http://schemas.microsoft.com/office/drawing/2014/main" id="{86820947-83E2-47B4-BB6C-ED54A8CCF907}"/>
+              </a:ext>
+            </a:extLst>
+          </p:cNvPr>
+          <p:cNvSpPr txBox="1"/>
+          <p:nvPr/>
+        </p:nvSpPr>
+        <p:spPr>
+          <a:xfrm>
+            <a:off x="2781148" y="1332482"/>
+            <a:ext cx="320866" cy="307777"/>
+          </a:xfrm>
+          <a:prstGeom prst="rect">
+            <a:avLst/>
+          </a:prstGeom>
+          <a:noFill/>
+        </p:spPr>
+        <p:txBody>
+          <a:bodyPr wrap="square" rtlCol="0">
+            <a:spAutoFit/>
+          </a:bodyPr>
+          <a:lstStyle/>
+          <a:p>
+            <a:r>
+              <a:rPr lang="pt-BR" sz="1400" dirty="0"/>
+              <a:t>y</a:t>
+            </a:r>
+            <a:endParaRPr lang="pt-BR" sz="1400" baseline="-25000" dirty="0"/>
+          </a:p>
+        </p:txBody>
+      </p:sp>
+      <p:sp>
+        <p:nvSpPr>
+          <p:cNvPr id="25" name="TextBox 24">
+            <a:extLst>
+              <a:ext uri="{FF2B5EF4-FFF2-40B4-BE49-F238E27FC236}">
+                <a16:creationId xmlns:a16="http://schemas.microsoft.com/office/drawing/2014/main" id="{33EFB7EB-FA76-4C65-897B-E4A5B44F0EB3}"/>
+              </a:ext>
+            </a:extLst>
+          </p:cNvPr>
+          <p:cNvSpPr txBox="1"/>
+          <p:nvPr/>
+        </p:nvSpPr>
+        <p:spPr>
+          <a:xfrm>
+            <a:off x="2413284" y="920016"/>
+            <a:ext cx="320866" cy="307777"/>
+          </a:xfrm>
+          <a:prstGeom prst="rect">
+            <a:avLst/>
+          </a:prstGeom>
+          <a:noFill/>
+        </p:spPr>
+        <p:txBody>
+          <a:bodyPr wrap="square" rtlCol="0">
+            <a:spAutoFit/>
+          </a:bodyPr>
+          <a:lstStyle/>
+          <a:p>
+            <a:r>
+              <a:rPr lang="pt-BR" sz="1400" dirty="0"/>
+              <a:t>x</a:t>
+            </a:r>
+            <a:endParaRPr lang="pt-BR" sz="1400" baseline="-25000" dirty="0"/>
+          </a:p>
+        </p:txBody>
+      </p:sp>
+    </p:spTree>
+    <p:extLst>
+      <p:ext uri="{BB962C8B-B14F-4D97-AF65-F5344CB8AC3E}">
+        <p14:creationId xmlns:p14="http://schemas.microsoft.com/office/powerpoint/2010/main" val="196436448"/>
       </p:ext>
     </p:extLst>
   </p:cSld>
